--- a/Presentación/Presentacion TFG.pptx
+++ b/Presentación/Presentacion TFG.pptx
@@ -5,28 +5,37 @@
     <p:sldMasterId id="2147483660" r:id="rId1"/>
   </p:sldMasterIdLst>
   <p:notesMasterIdLst>
-    <p:notesMasterId r:id="rId21"/>
+    <p:notesMasterId r:id="rId30"/>
   </p:notesMasterIdLst>
   <p:sldIdLst>
     <p:sldId id="256" r:id="rId2"/>
-    <p:sldId id="266" r:id="rId3"/>
-    <p:sldId id="258" r:id="rId4"/>
-    <p:sldId id="259" r:id="rId5"/>
-    <p:sldId id="260" r:id="rId6"/>
-    <p:sldId id="261" r:id="rId7"/>
-    <p:sldId id="262" r:id="rId8"/>
-    <p:sldId id="263" r:id="rId9"/>
-    <p:sldId id="267" r:id="rId10"/>
-    <p:sldId id="268" r:id="rId11"/>
-    <p:sldId id="269" r:id="rId12"/>
-    <p:sldId id="270" r:id="rId13"/>
-    <p:sldId id="271" r:id="rId14"/>
-    <p:sldId id="272" r:id="rId15"/>
-    <p:sldId id="273" r:id="rId16"/>
-    <p:sldId id="274" r:id="rId17"/>
-    <p:sldId id="275" r:id="rId18"/>
-    <p:sldId id="264" r:id="rId19"/>
-    <p:sldId id="265" r:id="rId20"/>
+    <p:sldId id="286" r:id="rId3"/>
+    <p:sldId id="266" r:id="rId4"/>
+    <p:sldId id="258" r:id="rId5"/>
+    <p:sldId id="259" r:id="rId6"/>
+    <p:sldId id="260" r:id="rId7"/>
+    <p:sldId id="285" r:id="rId8"/>
+    <p:sldId id="261" r:id="rId9"/>
+    <p:sldId id="262" r:id="rId10"/>
+    <p:sldId id="263" r:id="rId11"/>
+    <p:sldId id="267" r:id="rId12"/>
+    <p:sldId id="268" r:id="rId13"/>
+    <p:sldId id="284" r:id="rId14"/>
+    <p:sldId id="269" r:id="rId15"/>
+    <p:sldId id="270" r:id="rId16"/>
+    <p:sldId id="271" r:id="rId17"/>
+    <p:sldId id="283" r:id="rId18"/>
+    <p:sldId id="288" r:id="rId19"/>
+    <p:sldId id="273" r:id="rId20"/>
+    <p:sldId id="289" r:id="rId21"/>
+    <p:sldId id="290" r:id="rId22"/>
+    <p:sldId id="281" r:id="rId23"/>
+    <p:sldId id="274" r:id="rId24"/>
+    <p:sldId id="282" r:id="rId25"/>
+    <p:sldId id="275" r:id="rId26"/>
+    <p:sldId id="287" r:id="rId27"/>
+    <p:sldId id="264" r:id="rId28"/>
+    <p:sldId id="265" r:id="rId29"/>
   </p:sldIdLst>
   <p:sldSz cx="12192000" cy="6858000"/>
   <p:notesSz cx="6858000" cy="9144000"/>
@@ -135,6 +144,7 @@
         </p14:section>
         <p14:section name="Introducción" id="{DE1D0F66-D2B6-49DD-A9CE-220AC3F7E719}">
           <p14:sldIdLst>
+            <p14:sldId id="286"/>
             <p14:sldId id="266"/>
             <p14:sldId id="258"/>
             <p14:sldId id="259"/>
@@ -143,6 +153,7 @@
         </p14:section>
         <p14:section name="Modelado del sistema" id="{C2A00E69-F815-4390-A4EF-8D69D19A7E38}">
           <p14:sldIdLst>
+            <p14:sldId id="285"/>
             <p14:sldId id="261"/>
             <p14:sldId id="262"/>
             <p14:sldId id="263"/>
@@ -152,17 +163,36 @@
         </p14:section>
         <p14:section name="Entorno tecnológico" id="{EC42AB80-BA53-49B2-94DD-75B5C4A7096E}">
           <p14:sldIdLst>
+            <p14:sldId id="284"/>
             <p14:sldId id="269"/>
             <p14:sldId id="270"/>
             <p14:sldId id="271"/>
-            <p14:sldId id="272"/>
+          </p14:sldIdLst>
+        </p14:section>
+        <p14:section name="Descripción de la aplicación" id="{74CC1F3D-2368-4076-B965-671E57877B75}">
+          <p14:sldIdLst>
+            <p14:sldId id="283"/>
+            <p14:sldId id="288"/>
             <p14:sldId id="273"/>
+            <p14:sldId id="289"/>
+            <p14:sldId id="290"/>
+          </p14:sldIdLst>
+        </p14:section>
+        <p14:section name="Pruebas" id="{5A489689-2DF6-4127-ADE4-108077FBD4B9}">
+          <p14:sldIdLst>
+            <p14:sldId id="281"/>
             <p14:sldId id="274"/>
+          </p14:sldIdLst>
+        </p14:section>
+        <p14:section name="Vídeo" id="{7CA64AED-32DD-4074-942A-93E8446C7ECC}">
+          <p14:sldIdLst>
+            <p14:sldId id="282"/>
             <p14:sldId id="275"/>
           </p14:sldIdLst>
         </p14:section>
         <p14:section name="Final" id="{7DCD3525-B98F-4504-BD08-892221736E0D}">
           <p14:sldIdLst>
+            <p14:sldId id="287"/>
             <p14:sldId id="264"/>
             <p14:sldId id="265"/>
           </p14:sldIdLst>
@@ -8839,7 +8869,7 @@
           <a:p>
             <a:fld id="{85F0EFCF-B614-4068-B216-F7563730AD52}" type="datetimeFigureOut">
               <a:rPr lang="es-ES" smtClean="0"/>
-              <a:t>09/10/2020</a:t>
+              <a:t>12/10/2020</a:t>
             </a:fld>
             <a:endParaRPr lang="es-ES"/>
           </a:p>
@@ -9182,7 +9212,7 @@
           <a:p>
             <a:fld id="{363962C0-CA5D-4093-8E58-B0A79430F5E4}" type="slidenum">
               <a:rPr lang="es-ES" smtClean="0"/>
-              <a:t>3</a:t>
+              <a:t>4</a:t>
             </a:fld>
             <a:endParaRPr lang="es-ES"/>
           </a:p>
@@ -9192,6 +9222,426 @@
     <p:extLst>
       <p:ext uri="{BB962C8B-B14F-4D97-AF65-F5344CB8AC3E}">
         <p14:creationId xmlns:p14="http://schemas.microsoft.com/office/powerpoint/2010/main" val="224741795"/>
+      </p:ext>
+    </p:extLst>
+  </p:cSld>
+  <p:clrMapOvr>
+    <a:masterClrMapping/>
+  </p:clrMapOvr>
+</p:notes>
+</file>
+
+<file path=ppt/notesSlides/notesSlide10.xml><?xml version="1.0" encoding="utf-8"?>
+<p:notes xmlns:a="http://schemas.openxmlformats.org/drawingml/2006/main" xmlns:r="http://schemas.openxmlformats.org/officeDocument/2006/relationships" xmlns:p="http://schemas.openxmlformats.org/presentationml/2006/main">
+  <p:cSld>
+    <p:spTree>
+      <p:nvGrpSpPr>
+        <p:cNvPr id="1" name=""/>
+        <p:cNvGrpSpPr/>
+        <p:nvPr/>
+      </p:nvGrpSpPr>
+      <p:grpSpPr>
+        <a:xfrm>
+          <a:off x="0" y="0"/>
+          <a:ext cx="0" cy="0"/>
+          <a:chOff x="0" y="0"/>
+          <a:chExt cx="0" cy="0"/>
+        </a:xfrm>
+      </p:grpSpPr>
+      <p:sp>
+        <p:nvSpPr>
+          <p:cNvPr id="2" name="Marcador de imagen de diapositiva 1"/>
+          <p:cNvSpPr>
+            <a:spLocks noGrp="1" noRot="1" noChangeAspect="1"/>
+          </p:cNvSpPr>
+          <p:nvPr>
+            <p:ph type="sldImg"/>
+          </p:nvPr>
+        </p:nvSpPr>
+        <p:spPr/>
+      </p:sp>
+      <p:sp>
+        <p:nvSpPr>
+          <p:cNvPr id="3" name="Marcador de notas 2"/>
+          <p:cNvSpPr>
+            <a:spLocks noGrp="1"/>
+          </p:cNvSpPr>
+          <p:nvPr>
+            <p:ph type="body" idx="1"/>
+          </p:nvPr>
+        </p:nvSpPr>
+        <p:spPr/>
+        <p:txBody>
+          <a:bodyPr/>
+          <a:lstStyle/>
+          <a:p>
+            <a:endParaRPr lang="es-ES" dirty="0"/>
+          </a:p>
+        </p:txBody>
+      </p:sp>
+      <p:sp>
+        <p:nvSpPr>
+          <p:cNvPr id="4" name="Marcador de número de diapositiva 3"/>
+          <p:cNvSpPr>
+            <a:spLocks noGrp="1"/>
+          </p:cNvSpPr>
+          <p:nvPr>
+            <p:ph type="sldNum" sz="quarter" idx="5"/>
+          </p:nvPr>
+        </p:nvSpPr>
+        <p:spPr/>
+        <p:txBody>
+          <a:bodyPr/>
+          <a:lstStyle/>
+          <a:p>
+            <a:fld id="{363962C0-CA5D-4093-8E58-B0A79430F5E4}" type="slidenum">
+              <a:rPr lang="es-ES" smtClean="0"/>
+              <a:t>18</a:t>
+            </a:fld>
+            <a:endParaRPr lang="es-ES"/>
+          </a:p>
+        </p:txBody>
+      </p:sp>
+    </p:spTree>
+    <p:extLst>
+      <p:ext uri="{BB962C8B-B14F-4D97-AF65-F5344CB8AC3E}">
+        <p14:creationId xmlns:p14="http://schemas.microsoft.com/office/powerpoint/2010/main" val="674461481"/>
+      </p:ext>
+    </p:extLst>
+  </p:cSld>
+  <p:clrMapOvr>
+    <a:masterClrMapping/>
+  </p:clrMapOvr>
+</p:notes>
+</file>
+
+<file path=ppt/notesSlides/notesSlide11.xml><?xml version="1.0" encoding="utf-8"?>
+<p:notes xmlns:a="http://schemas.openxmlformats.org/drawingml/2006/main" xmlns:r="http://schemas.openxmlformats.org/officeDocument/2006/relationships" xmlns:p="http://schemas.openxmlformats.org/presentationml/2006/main">
+  <p:cSld>
+    <p:spTree>
+      <p:nvGrpSpPr>
+        <p:cNvPr id="1" name=""/>
+        <p:cNvGrpSpPr/>
+        <p:nvPr/>
+      </p:nvGrpSpPr>
+      <p:grpSpPr>
+        <a:xfrm>
+          <a:off x="0" y="0"/>
+          <a:ext cx="0" cy="0"/>
+          <a:chOff x="0" y="0"/>
+          <a:chExt cx="0" cy="0"/>
+        </a:xfrm>
+      </p:grpSpPr>
+      <p:sp>
+        <p:nvSpPr>
+          <p:cNvPr id="2" name="Marcador de imagen de diapositiva 1"/>
+          <p:cNvSpPr>
+            <a:spLocks noGrp="1" noRot="1" noChangeAspect="1"/>
+          </p:cNvSpPr>
+          <p:nvPr>
+            <p:ph type="sldImg"/>
+          </p:nvPr>
+        </p:nvSpPr>
+        <p:spPr/>
+      </p:sp>
+      <p:sp>
+        <p:nvSpPr>
+          <p:cNvPr id="3" name="Marcador de notas 2"/>
+          <p:cNvSpPr>
+            <a:spLocks noGrp="1"/>
+          </p:cNvSpPr>
+          <p:nvPr>
+            <p:ph type="body" idx="1"/>
+          </p:nvPr>
+        </p:nvSpPr>
+        <p:spPr/>
+        <p:txBody>
+          <a:bodyPr/>
+          <a:lstStyle/>
+          <a:p>
+            <a:endParaRPr lang="es-ES" dirty="0"/>
+          </a:p>
+        </p:txBody>
+      </p:sp>
+      <p:sp>
+        <p:nvSpPr>
+          <p:cNvPr id="4" name="Marcador de número de diapositiva 3"/>
+          <p:cNvSpPr>
+            <a:spLocks noGrp="1"/>
+          </p:cNvSpPr>
+          <p:nvPr>
+            <p:ph type="sldNum" sz="quarter" idx="5"/>
+          </p:nvPr>
+        </p:nvSpPr>
+        <p:spPr/>
+        <p:txBody>
+          <a:bodyPr/>
+          <a:lstStyle/>
+          <a:p>
+            <a:fld id="{363962C0-CA5D-4093-8E58-B0A79430F5E4}" type="slidenum">
+              <a:rPr lang="es-ES" smtClean="0"/>
+              <a:t>19</a:t>
+            </a:fld>
+            <a:endParaRPr lang="es-ES"/>
+          </a:p>
+        </p:txBody>
+      </p:sp>
+    </p:spTree>
+    <p:extLst>
+      <p:ext uri="{BB962C8B-B14F-4D97-AF65-F5344CB8AC3E}">
+        <p14:creationId xmlns:p14="http://schemas.microsoft.com/office/powerpoint/2010/main" val="1152054206"/>
+      </p:ext>
+    </p:extLst>
+  </p:cSld>
+  <p:clrMapOvr>
+    <a:masterClrMapping/>
+  </p:clrMapOvr>
+</p:notes>
+</file>
+
+<file path=ppt/notesSlides/notesSlide12.xml><?xml version="1.0" encoding="utf-8"?>
+<p:notes xmlns:a="http://schemas.openxmlformats.org/drawingml/2006/main" xmlns:r="http://schemas.openxmlformats.org/officeDocument/2006/relationships" xmlns:p="http://schemas.openxmlformats.org/presentationml/2006/main">
+  <p:cSld>
+    <p:spTree>
+      <p:nvGrpSpPr>
+        <p:cNvPr id="1" name=""/>
+        <p:cNvGrpSpPr/>
+        <p:nvPr/>
+      </p:nvGrpSpPr>
+      <p:grpSpPr>
+        <a:xfrm>
+          <a:off x="0" y="0"/>
+          <a:ext cx="0" cy="0"/>
+          <a:chOff x="0" y="0"/>
+          <a:chExt cx="0" cy="0"/>
+        </a:xfrm>
+      </p:grpSpPr>
+      <p:sp>
+        <p:nvSpPr>
+          <p:cNvPr id="2" name="Marcador de imagen de diapositiva 1"/>
+          <p:cNvSpPr>
+            <a:spLocks noGrp="1" noRot="1" noChangeAspect="1"/>
+          </p:cNvSpPr>
+          <p:nvPr>
+            <p:ph type="sldImg"/>
+          </p:nvPr>
+        </p:nvSpPr>
+        <p:spPr/>
+      </p:sp>
+      <p:sp>
+        <p:nvSpPr>
+          <p:cNvPr id="3" name="Marcador de notas 2"/>
+          <p:cNvSpPr>
+            <a:spLocks noGrp="1"/>
+          </p:cNvSpPr>
+          <p:nvPr>
+            <p:ph type="body" idx="1"/>
+          </p:nvPr>
+        </p:nvSpPr>
+        <p:spPr/>
+        <p:txBody>
+          <a:bodyPr/>
+          <a:lstStyle/>
+          <a:p>
+            <a:endParaRPr lang="es-ES" dirty="0"/>
+          </a:p>
+        </p:txBody>
+      </p:sp>
+      <p:sp>
+        <p:nvSpPr>
+          <p:cNvPr id="4" name="Marcador de número de diapositiva 3"/>
+          <p:cNvSpPr>
+            <a:spLocks noGrp="1"/>
+          </p:cNvSpPr>
+          <p:nvPr>
+            <p:ph type="sldNum" sz="quarter" idx="5"/>
+          </p:nvPr>
+        </p:nvSpPr>
+        <p:spPr/>
+        <p:txBody>
+          <a:bodyPr/>
+          <a:lstStyle/>
+          <a:p>
+            <a:fld id="{363962C0-CA5D-4093-8E58-B0A79430F5E4}" type="slidenum">
+              <a:rPr lang="es-ES" smtClean="0"/>
+              <a:t>20</a:t>
+            </a:fld>
+            <a:endParaRPr lang="es-ES"/>
+          </a:p>
+        </p:txBody>
+      </p:sp>
+    </p:spTree>
+    <p:extLst>
+      <p:ext uri="{BB962C8B-B14F-4D97-AF65-F5344CB8AC3E}">
+        <p14:creationId xmlns:p14="http://schemas.microsoft.com/office/powerpoint/2010/main" val="906802531"/>
+      </p:ext>
+    </p:extLst>
+  </p:cSld>
+  <p:clrMapOvr>
+    <a:masterClrMapping/>
+  </p:clrMapOvr>
+</p:notes>
+</file>
+
+<file path=ppt/notesSlides/notesSlide13.xml><?xml version="1.0" encoding="utf-8"?>
+<p:notes xmlns:a="http://schemas.openxmlformats.org/drawingml/2006/main" xmlns:r="http://schemas.openxmlformats.org/officeDocument/2006/relationships" xmlns:p="http://schemas.openxmlformats.org/presentationml/2006/main">
+  <p:cSld>
+    <p:spTree>
+      <p:nvGrpSpPr>
+        <p:cNvPr id="1" name=""/>
+        <p:cNvGrpSpPr/>
+        <p:nvPr/>
+      </p:nvGrpSpPr>
+      <p:grpSpPr>
+        <a:xfrm>
+          <a:off x="0" y="0"/>
+          <a:ext cx="0" cy="0"/>
+          <a:chOff x="0" y="0"/>
+          <a:chExt cx="0" cy="0"/>
+        </a:xfrm>
+      </p:grpSpPr>
+      <p:sp>
+        <p:nvSpPr>
+          <p:cNvPr id="2" name="Marcador de imagen de diapositiva 1"/>
+          <p:cNvSpPr>
+            <a:spLocks noGrp="1" noRot="1" noChangeAspect="1"/>
+          </p:cNvSpPr>
+          <p:nvPr>
+            <p:ph type="sldImg"/>
+          </p:nvPr>
+        </p:nvSpPr>
+        <p:spPr/>
+      </p:sp>
+      <p:sp>
+        <p:nvSpPr>
+          <p:cNvPr id="3" name="Marcador de notas 2"/>
+          <p:cNvSpPr>
+            <a:spLocks noGrp="1"/>
+          </p:cNvSpPr>
+          <p:nvPr>
+            <p:ph type="body" idx="1"/>
+          </p:nvPr>
+        </p:nvSpPr>
+        <p:spPr/>
+        <p:txBody>
+          <a:bodyPr/>
+          <a:lstStyle/>
+          <a:p>
+            <a:endParaRPr lang="es-ES"/>
+          </a:p>
+        </p:txBody>
+      </p:sp>
+      <p:sp>
+        <p:nvSpPr>
+          <p:cNvPr id="4" name="Marcador de número de diapositiva 3"/>
+          <p:cNvSpPr>
+            <a:spLocks noGrp="1"/>
+          </p:cNvSpPr>
+          <p:nvPr>
+            <p:ph type="sldNum" sz="quarter" idx="5"/>
+          </p:nvPr>
+        </p:nvSpPr>
+        <p:spPr/>
+        <p:txBody>
+          <a:bodyPr/>
+          <a:lstStyle/>
+          <a:p>
+            <a:fld id="{363962C0-CA5D-4093-8E58-B0A79430F5E4}" type="slidenum">
+              <a:rPr lang="es-ES" smtClean="0"/>
+              <a:t>21</a:t>
+            </a:fld>
+            <a:endParaRPr lang="es-ES"/>
+          </a:p>
+        </p:txBody>
+      </p:sp>
+    </p:spTree>
+    <p:extLst>
+      <p:ext uri="{BB962C8B-B14F-4D97-AF65-F5344CB8AC3E}">
+        <p14:creationId xmlns:p14="http://schemas.microsoft.com/office/powerpoint/2010/main" val="2648367768"/>
+      </p:ext>
+    </p:extLst>
+  </p:cSld>
+  <p:clrMapOvr>
+    <a:masterClrMapping/>
+  </p:clrMapOvr>
+</p:notes>
+</file>
+
+<file path=ppt/notesSlides/notesSlide14.xml><?xml version="1.0" encoding="utf-8"?>
+<p:notes xmlns:a="http://schemas.openxmlformats.org/drawingml/2006/main" xmlns:r="http://schemas.openxmlformats.org/officeDocument/2006/relationships" xmlns:p="http://schemas.openxmlformats.org/presentationml/2006/main">
+  <p:cSld>
+    <p:spTree>
+      <p:nvGrpSpPr>
+        <p:cNvPr id="1" name=""/>
+        <p:cNvGrpSpPr/>
+        <p:nvPr/>
+      </p:nvGrpSpPr>
+      <p:grpSpPr>
+        <a:xfrm>
+          <a:off x="0" y="0"/>
+          <a:ext cx="0" cy="0"/>
+          <a:chOff x="0" y="0"/>
+          <a:chExt cx="0" cy="0"/>
+        </a:xfrm>
+      </p:grpSpPr>
+      <p:sp>
+        <p:nvSpPr>
+          <p:cNvPr id="2" name="Marcador de imagen de diapositiva 1"/>
+          <p:cNvSpPr>
+            <a:spLocks noGrp="1" noRot="1" noChangeAspect="1"/>
+          </p:cNvSpPr>
+          <p:nvPr>
+            <p:ph type="sldImg"/>
+          </p:nvPr>
+        </p:nvSpPr>
+        <p:spPr/>
+      </p:sp>
+      <p:sp>
+        <p:nvSpPr>
+          <p:cNvPr id="3" name="Marcador de notas 2"/>
+          <p:cNvSpPr>
+            <a:spLocks noGrp="1"/>
+          </p:cNvSpPr>
+          <p:nvPr>
+            <p:ph type="body" idx="1"/>
+          </p:nvPr>
+        </p:nvSpPr>
+        <p:spPr/>
+        <p:txBody>
+          <a:bodyPr/>
+          <a:lstStyle/>
+          <a:p>
+            <a:endParaRPr lang="es-ES" dirty="0"/>
+          </a:p>
+        </p:txBody>
+      </p:sp>
+      <p:sp>
+        <p:nvSpPr>
+          <p:cNvPr id="4" name="Marcador de número de diapositiva 3"/>
+          <p:cNvSpPr>
+            <a:spLocks noGrp="1"/>
+          </p:cNvSpPr>
+          <p:nvPr>
+            <p:ph type="sldNum" sz="quarter" idx="5"/>
+          </p:nvPr>
+        </p:nvSpPr>
+        <p:spPr/>
+        <p:txBody>
+          <a:bodyPr/>
+          <a:lstStyle/>
+          <a:p>
+            <a:fld id="{363962C0-CA5D-4093-8E58-B0A79430F5E4}" type="slidenum">
+              <a:rPr lang="es-ES" smtClean="0"/>
+              <a:t>23</a:t>
+            </a:fld>
+            <a:endParaRPr lang="es-ES"/>
+          </a:p>
+        </p:txBody>
+      </p:sp>
+    </p:spTree>
+    <p:extLst>
+      <p:ext uri="{BB962C8B-B14F-4D97-AF65-F5344CB8AC3E}">
+        <p14:creationId xmlns:p14="http://schemas.microsoft.com/office/powerpoint/2010/main" val="3085172898"/>
       </p:ext>
     </p:extLst>
   </p:cSld>
@@ -9274,7 +9724,7 @@
           <a:p>
             <a:fld id="{363962C0-CA5D-4093-8E58-B0A79430F5E4}" type="slidenum">
               <a:rPr lang="es-ES" smtClean="0"/>
-              <a:t>4</a:t>
+              <a:t>5</a:t>
             </a:fld>
             <a:endParaRPr lang="es-ES"/>
           </a:p>
@@ -9425,7 +9875,7 @@
           <a:p>
             <a:fld id="{363962C0-CA5D-4093-8E58-B0A79430F5E4}" type="slidenum">
               <a:rPr lang="es-ES" smtClean="0"/>
-              <a:t>6</a:t>
+              <a:t>8</a:t>
             </a:fld>
             <a:endParaRPr lang="es-ES"/>
           </a:p>
@@ -9532,7 +9982,7 @@
           <a:p>
             <a:fld id="{363962C0-CA5D-4093-8E58-B0A79430F5E4}" type="slidenum">
               <a:rPr lang="es-ES" smtClean="0"/>
-              <a:t>7</a:t>
+              <a:t>9</a:t>
             </a:fld>
             <a:endParaRPr lang="es-ES"/>
           </a:p>
@@ -9619,7 +10069,7 @@
           <a:p>
             <a:fld id="{363962C0-CA5D-4093-8E58-B0A79430F5E4}" type="slidenum">
               <a:rPr lang="es-ES" smtClean="0"/>
-              <a:t>8</a:t>
+              <a:t>10</a:t>
             </a:fld>
             <a:endParaRPr lang="es-ES"/>
           </a:p>
@@ -9706,7 +10156,7 @@
           <a:p>
             <a:fld id="{363962C0-CA5D-4093-8E58-B0A79430F5E4}" type="slidenum">
               <a:rPr lang="es-ES" smtClean="0"/>
-              <a:t>9</a:t>
+              <a:t>11</a:t>
             </a:fld>
             <a:endParaRPr lang="es-ES"/>
           </a:p>
@@ -9793,7 +10243,7 @@
           <a:p>
             <a:fld id="{363962C0-CA5D-4093-8E58-B0A79430F5E4}" type="slidenum">
               <a:rPr lang="es-ES" smtClean="0"/>
-              <a:t>10</a:t>
+              <a:t>12</a:t>
             </a:fld>
             <a:endParaRPr lang="es-ES"/>
           </a:p>
@@ -9896,7 +10346,7 @@
           <a:p>
             <a:fld id="{363962C0-CA5D-4093-8E58-B0A79430F5E4}" type="slidenum">
               <a:rPr lang="es-ES" smtClean="0"/>
-              <a:t>11</a:t>
+              <a:t>14</a:t>
             </a:fld>
             <a:endParaRPr lang="es-ES"/>
           </a:p>
@@ -9989,7 +10439,7 @@
     </p:spTree>
     <p:extLst>
       <p:ext uri="{BB962C8B-B14F-4D97-AF65-F5344CB8AC3E}">
-        <p14:creationId xmlns:p14="http://schemas.microsoft.com/office/powerpoint/2010/main" val="3085172898"/>
+        <p14:creationId xmlns:p14="http://schemas.microsoft.com/office/powerpoint/2010/main" val="1231771466"/>
       </p:ext>
     </p:extLst>
   </p:cSld>
@@ -10094,7 +10544,7 @@
           <a:effectLst/>
           <a:extLst>
             <a:ext uri="{91240B29-F687-4f45-9708-019B960494DF}">
-              <a14:hiddenLine xmlns:a14="http://schemas.microsoft.com/office/drawing/2010/main" xmlns="" w="9525">
+              <a14:hiddenLine xmlns="" xmlns:a14="http://schemas.microsoft.com/office/drawing/2010/main" w="9525">
                 <a:solidFill>
                   <a:srgbClr val="000000"/>
                 </a:solidFill>
@@ -10284,9 +10734,9 @@
           <a:bodyPr/>
           <a:lstStyle/>
           <a:p>
-            <a:fld id="{A89DCF10-4D62-4664-8EF5-BAB3342FBAA7}" type="datetimeFigureOut">
+            <a:fld id="{E28C9A9C-EDD8-4198-B192-13B318A0B9EE}" type="datetime1">
               <a:rPr lang="es-ES" smtClean="0"/>
-              <a:t>09/10/2020</a:t>
+              <a:t>12/10/2020</a:t>
             </a:fld>
             <a:endParaRPr lang="es-ES"/>
           </a:p>
@@ -10602,9 +11052,9 @@
           <a:bodyPr/>
           <a:lstStyle/>
           <a:p>
-            <a:fld id="{A89DCF10-4D62-4664-8EF5-BAB3342FBAA7}" type="datetimeFigureOut">
+            <a:fld id="{5E94F8D1-073B-460D-9820-205B283E274C}" type="datetime1">
               <a:rPr lang="es-ES" smtClean="0"/>
-              <a:t>09/10/2020</a:t>
+              <a:t>12/10/2020</a:t>
             </a:fld>
             <a:endParaRPr lang="es-ES"/>
           </a:p>
@@ -11090,9 +11540,9 @@
           <a:bodyPr/>
           <a:lstStyle/>
           <a:p>
-            <a:fld id="{A89DCF10-4D62-4664-8EF5-BAB3342FBAA7}" type="datetimeFigureOut">
+            <a:fld id="{A231AD32-90CF-4FEF-88F3-F155C88B574B}" type="datetime1">
               <a:rPr lang="es-ES" smtClean="0"/>
-              <a:t>09/10/2020</a:t>
+              <a:t>12/10/2020</a:t>
             </a:fld>
             <a:endParaRPr lang="es-ES"/>
           </a:p>
@@ -11459,9 +11909,9 @@
           <a:bodyPr/>
           <a:lstStyle/>
           <a:p>
-            <a:fld id="{A89DCF10-4D62-4664-8EF5-BAB3342FBAA7}" type="datetimeFigureOut">
+            <a:fld id="{FEBA89A1-B4D8-4B74-A7BA-E90223D72943}" type="datetime1">
               <a:rPr lang="es-ES" smtClean="0"/>
-              <a:t>09/10/2020</a:t>
+              <a:t>12/10/2020</a:t>
             </a:fld>
             <a:endParaRPr lang="es-ES"/>
           </a:p>
@@ -11616,7 +12066,7 @@
           <a:ln/>
           <a:extLst>
             <a:ext uri="{91240B29-F687-4f45-9708-019B960494DF}">
-              <a14:hiddenLine xmlns:a14="http://schemas.microsoft.com/office/drawing/2010/main" xmlns="" w="9525">
+              <a14:hiddenLine xmlns="" xmlns:a14="http://schemas.microsoft.com/office/drawing/2010/main" w="9525">
                 <a:solidFill>
                   <a:srgbClr val="000000"/>
                 </a:solidFill>
@@ -11732,9 +12182,9 @@
           <a:bodyPr/>
           <a:lstStyle/>
           <a:p>
-            <a:fld id="{A89DCF10-4D62-4664-8EF5-BAB3342FBAA7}" type="datetimeFigureOut">
+            <a:fld id="{13E6C600-E185-4E3A-A61A-809A5DB34737}" type="datetime1">
               <a:rPr lang="es-ES" smtClean="0"/>
-              <a:t>09/10/2020</a:t>
+              <a:t>12/10/2020</a:t>
             </a:fld>
             <a:endParaRPr lang="es-ES"/>
           </a:p>
@@ -11891,7 +12341,7 @@
           <a:ln/>
           <a:extLst>
             <a:ext uri="{91240B29-F687-4f45-9708-019B960494DF}">
-              <a14:hiddenLine xmlns:a14="http://schemas.microsoft.com/office/drawing/2010/main" xmlns="" w="9525">
+              <a14:hiddenLine xmlns="" xmlns:a14="http://schemas.microsoft.com/office/drawing/2010/main" w="9525">
                 <a:solidFill>
                   <a:srgbClr val="000000"/>
                 </a:solidFill>
@@ -12017,9 +12467,9 @@
           <a:bodyPr/>
           <a:lstStyle/>
           <a:p>
-            <a:fld id="{A89DCF10-4D62-4664-8EF5-BAB3342FBAA7}" type="datetimeFigureOut">
+            <a:fld id="{BE274FD0-3B9E-402E-B02F-374DC9FBC0C4}" type="datetime1">
               <a:rPr lang="es-ES" smtClean="0"/>
-              <a:t>09/10/2020</a:t>
+              <a:t>12/10/2020</a:t>
             </a:fld>
             <a:endParaRPr lang="es-ES"/>
           </a:p>
@@ -12174,7 +12624,7 @@
           <a:ln/>
           <a:extLst>
             <a:ext uri="{91240B29-F687-4f45-9708-019B960494DF}">
-              <a14:hiddenLine xmlns:a14="http://schemas.microsoft.com/office/drawing/2010/main" xmlns="" w="9525">
+              <a14:hiddenLine xmlns="" xmlns:a14="http://schemas.microsoft.com/office/drawing/2010/main" w="9525">
                 <a:solidFill>
                   <a:srgbClr val="000000"/>
                 </a:solidFill>
@@ -12300,9 +12750,9 @@
           <a:bodyPr/>
           <a:lstStyle/>
           <a:p>
-            <a:fld id="{A89DCF10-4D62-4664-8EF5-BAB3342FBAA7}" type="datetimeFigureOut">
+            <a:fld id="{E4B8BFAC-48AB-438D-B652-4924110593D1}" type="datetime1">
               <a:rPr lang="es-ES" smtClean="0"/>
-              <a:t>09/10/2020</a:t>
+              <a:t>12/10/2020</a:t>
             </a:fld>
             <a:endParaRPr lang="es-ES"/>
           </a:p>
@@ -12643,9 +13093,9 @@
           <a:bodyPr/>
           <a:lstStyle/>
           <a:p>
-            <a:fld id="{A89DCF10-4D62-4664-8EF5-BAB3342FBAA7}" type="datetimeFigureOut">
+            <a:fld id="{F95C182E-DD2D-4FC8-88A8-3FFEDE76A2CA}" type="datetime1">
               <a:rPr lang="es-ES" smtClean="0"/>
-              <a:t>09/10/2020</a:t>
+              <a:t>12/10/2020</a:t>
             </a:fld>
             <a:endParaRPr lang="es-ES"/>
           </a:p>
@@ -12800,7 +13250,7 @@
           <a:ln/>
           <a:extLst>
             <a:ext uri="{91240B29-F687-4f45-9708-019B960494DF}">
-              <a14:hiddenLine xmlns:a14="http://schemas.microsoft.com/office/drawing/2010/main" xmlns="" w="9525">
+              <a14:hiddenLine xmlns="" xmlns:a14="http://schemas.microsoft.com/office/drawing/2010/main" w="9525">
                 <a:solidFill>
                   <a:srgbClr val="000000"/>
                 </a:solidFill>
@@ -12982,9 +13432,9 @@
           <a:bodyPr/>
           <a:lstStyle/>
           <a:p>
-            <a:fld id="{A89DCF10-4D62-4664-8EF5-BAB3342FBAA7}" type="datetimeFigureOut">
+            <a:fld id="{D1488A95-6433-4542-82F5-3A0C3D545517}" type="datetime1">
               <a:rPr lang="es-ES" smtClean="0"/>
-              <a:t>09/10/2020</a:t>
+              <a:t>12/10/2020</a:t>
             </a:fld>
             <a:endParaRPr lang="es-ES"/>
           </a:p>
@@ -13139,7 +13589,7 @@
           <a:ln/>
           <a:extLst>
             <a:ext uri="{91240B29-F687-4f45-9708-019B960494DF}">
-              <a14:hiddenLine xmlns:a14="http://schemas.microsoft.com/office/drawing/2010/main" xmlns="" w="9525">
+              <a14:hiddenLine xmlns="" xmlns:a14="http://schemas.microsoft.com/office/drawing/2010/main" w="9525">
                 <a:solidFill>
                   <a:srgbClr val="000000"/>
                 </a:solidFill>
@@ -13459,9 +13909,9 @@
           <a:bodyPr/>
           <a:lstStyle/>
           <a:p>
-            <a:fld id="{A89DCF10-4D62-4664-8EF5-BAB3342FBAA7}" type="datetimeFigureOut">
+            <a:fld id="{AB722415-5F60-4690-B3C3-AC8D94158B68}" type="datetime1">
               <a:rPr lang="es-ES" smtClean="0"/>
-              <a:t>09/10/2020</a:t>
+              <a:t>12/10/2020</a:t>
             </a:fld>
             <a:endParaRPr lang="es-ES"/>
           </a:p>
@@ -13616,7 +14066,7 @@
           <a:ln/>
           <a:extLst>
             <a:ext uri="{91240B29-F687-4f45-9708-019B960494DF}">
-              <a14:hiddenLine xmlns:a14="http://schemas.microsoft.com/office/drawing/2010/main" xmlns="" w="9525">
+              <a14:hiddenLine xmlns="" xmlns:a14="http://schemas.microsoft.com/office/drawing/2010/main" w="9525">
                 <a:solidFill>
                   <a:srgbClr val="000000"/>
                 </a:solidFill>
@@ -13680,9 +14130,9 @@
           <a:bodyPr/>
           <a:lstStyle/>
           <a:p>
-            <a:fld id="{A89DCF10-4D62-4664-8EF5-BAB3342FBAA7}" type="datetimeFigureOut">
+            <a:fld id="{800CEFA6-ADC7-454C-B702-FB7806348B0E}" type="datetime1">
               <a:rPr lang="es-ES" smtClean="0"/>
-              <a:t>09/10/2020</a:t>
+              <a:t>12/10/2020</a:t>
             </a:fld>
             <a:endParaRPr lang="es-ES"/>
           </a:p>
@@ -13775,9 +14225,9 @@
           <a:bodyPr/>
           <a:lstStyle/>
           <a:p>
-            <a:fld id="{A89DCF10-4D62-4664-8EF5-BAB3342FBAA7}" type="datetimeFigureOut">
+            <a:fld id="{28830155-37B9-484E-8BC2-8F7C83577E11}" type="datetime1">
               <a:rPr lang="es-ES" smtClean="0"/>
-              <a:t>09/10/2020</a:t>
+              <a:t>12/10/2020</a:t>
             </a:fld>
             <a:endParaRPr lang="es-ES"/>
           </a:p>
@@ -14045,7 +14495,7 @@
           <a:ln/>
           <a:extLst>
             <a:ext uri="{91240B29-F687-4f45-9708-019B960494DF}">
-              <a14:hiddenLine xmlns:a14="http://schemas.microsoft.com/office/drawing/2010/main" xmlns="" w="9525">
+              <a14:hiddenLine xmlns="" xmlns:a14="http://schemas.microsoft.com/office/drawing/2010/main" w="9525">
                 <a:solidFill>
                   <a:srgbClr val="000000"/>
                 </a:solidFill>
@@ -14242,9 +14692,9 @@
           <a:bodyPr/>
           <a:lstStyle/>
           <a:p>
-            <a:fld id="{A89DCF10-4D62-4664-8EF5-BAB3342FBAA7}" type="datetimeFigureOut">
+            <a:fld id="{08ACD45F-798B-4BFC-95F6-033FB5F5CD0C}" type="datetime1">
               <a:rPr lang="es-ES" smtClean="0"/>
-              <a:t>09/10/2020</a:t>
+              <a:t>12/10/2020</a:t>
             </a:fld>
             <a:endParaRPr lang="es-ES"/>
           </a:p>
@@ -14555,9 +15005,9 @@
           <a:bodyPr/>
           <a:lstStyle/>
           <a:p>
-            <a:fld id="{A89DCF10-4D62-4664-8EF5-BAB3342FBAA7}" type="datetimeFigureOut">
+            <a:fld id="{0C11F35B-53A6-4A04-843E-7763E1F6FEE8}" type="datetime1">
               <a:rPr lang="es-ES" smtClean="0"/>
-              <a:t>09/10/2020</a:t>
+              <a:t>12/10/2020</a:t>
             </a:fld>
             <a:endParaRPr lang="es-ES"/>
           </a:p>
@@ -14825,9 +15275,9 @@
             </a:lvl1pPr>
           </a:lstStyle>
           <a:p>
-            <a:fld id="{A89DCF10-4D62-4664-8EF5-BAB3342FBAA7}" type="datetimeFigureOut">
+            <a:fld id="{920BE8E0-F37A-4E3F-AFD2-C92712EC0098}" type="datetime1">
               <a:rPr lang="es-ES" smtClean="0"/>
-              <a:t>09/10/2020</a:t>
+              <a:t>12/10/2020</a:t>
             </a:fld>
             <a:endParaRPr lang="es-ES"/>
           </a:p>
@@ -14896,6 +15346,7 @@
     <p:sldLayoutId id="2147483673" r:id="rId13"/>
     <p:sldLayoutId id="2147483674" r:id="rId14"/>
   </p:sldLayoutIdLst>
+  <p:hf hdr="0" ftr="0" dt="0"/>
   <p:txStyles>
     <p:titleStyle>
       <a:lvl1pPr algn="l" defTabSz="457200" rtl="0" eaLnBrk="1" latinLnBrk="0" hangingPunct="1">
@@ -15265,7 +15716,7 @@
     <p:bg>
       <p:bgPr>
         <a:solidFill>
-          <a:schemeClr val="bg1"/>
+          <a:srgbClr val="212121"/>
         </a:solidFill>
         <a:effectLst/>
       </p:bgPr>
@@ -15319,13 +15770,18 @@
               </a:lnSpc>
             </a:pPr>
             <a:r>
-              <a:rPr lang="es-ES" sz="4500" dirty="0">
+              <a:rPr lang="es-ES" sz="4500">
                 <a:solidFill>
                   <a:schemeClr val="tx1"/>
                 </a:solidFill>
               </a:rPr>
               <a:t>SIMULACIÓN MEDIANTE WEBGL DEL MOVIMIENTO DE UN ROBOT MÓVIL CON DIRECCIONAMIENTO DIFERENCIAL</a:t>
             </a:r>
+            <a:endParaRPr lang="es-ES" sz="4500" dirty="0">
+              <a:solidFill>
+                <a:schemeClr val="tx1"/>
+              </a:solidFill>
+            </a:endParaRPr>
           </a:p>
         </p:txBody>
       </p:sp>
@@ -15360,16 +15816,46 @@
           <a:p>
             <a:pPr algn="ctr"/>
             <a:r>
-              <a:rPr lang="es-ES" sz="2000" dirty="0"/>
+              <a:rPr lang="es-ES" sz="2000"/>
               <a:t>Grado en Ingeniería Informática</a:t>
             </a:r>
           </a:p>
           <a:p>
             <a:pPr algn="ctr"/>
             <a:r>
-              <a:rPr lang="es-ES" sz="2000" dirty="0"/>
+              <a:rPr lang="es-ES" sz="2000"/>
               <a:t>Diego Jiménez Fernández-Pacheco</a:t>
             </a:r>
+            <a:endParaRPr lang="es-ES" sz="2000" dirty="0"/>
+          </a:p>
+        </p:txBody>
+      </p:sp>
+      <p:sp>
+        <p:nvSpPr>
+          <p:cNvPr id="5" name="Marcador de número de diapositiva 4">
+            <a:extLst>
+              <a:ext uri="{FF2B5EF4-FFF2-40B4-BE49-F238E27FC236}">
+                <a16:creationId xmlns:a16="http://schemas.microsoft.com/office/drawing/2014/main" id="{46152B6C-2EAE-4EB1-B9A9-3A1E8829CC55}"/>
+              </a:ext>
+            </a:extLst>
+          </p:cNvPr>
+          <p:cNvSpPr>
+            <a:spLocks noGrp="1"/>
+          </p:cNvSpPr>
+          <p:nvPr>
+            <p:ph type="sldNum" sz="quarter" idx="12"/>
+          </p:nvPr>
+        </p:nvSpPr>
+        <p:spPr/>
+        <p:txBody>
+          <a:bodyPr/>
+          <a:lstStyle/>
+          <a:p>
+            <a:fld id="{5452FDC3-B045-4A3B-9520-6737031B2C45}" type="slidenum">
+              <a:rPr lang="es-ES" smtClean="0"/>
+              <a:t>1</a:t>
+            </a:fld>
+            <a:endParaRPr lang="es-ES"/>
           </a:p>
         </p:txBody>
       </p:sp>
@@ -15416,7 +15902,7 @@
           <p:cNvPr id="2" name="Título 1">
             <a:extLst>
               <a:ext uri="{FF2B5EF4-FFF2-40B4-BE49-F238E27FC236}">
-                <a16:creationId xmlns:a16="http://schemas.microsoft.com/office/drawing/2014/main" id="{8B968EB7-B832-4E51-A620-41EC42F5C7F8}"/>
+                <a16:creationId xmlns:a16="http://schemas.microsoft.com/office/drawing/2014/main" id="{8DD7DBAB-0BC6-46E1-9C2E-E415BE9F58BE}"/>
               </a:ext>
             </a:extLst>
           </p:cNvPr>
@@ -15440,14 +15926,445 @@
           <a:lstStyle/>
           <a:p>
             <a:r>
+              <a:rPr lang="es-ES" sz="3700" dirty="0"/>
+              <a:t>Robótica móvil: Direccionamiento diferencial</a:t>
+            </a:r>
+          </a:p>
+        </p:txBody>
+      </p:sp>
+      <p:sp>
+        <p:nvSpPr>
+          <p:cNvPr id="3" name="Marcador de contenido 2">
+            <a:extLst>
+              <a:ext uri="{FF2B5EF4-FFF2-40B4-BE49-F238E27FC236}">
+                <a16:creationId xmlns:a16="http://schemas.microsoft.com/office/drawing/2014/main" id="{52CEDFD3-8582-4655-A6F1-2AFAADDFCF79}"/>
+              </a:ext>
+            </a:extLst>
+          </p:cNvPr>
+          <p:cNvSpPr>
+            <a:spLocks noGrp="1"/>
+          </p:cNvSpPr>
+          <p:nvPr>
+            <p:ph idx="1"/>
+          </p:nvPr>
+        </p:nvSpPr>
+        <p:spPr>
+          <a:xfrm>
+            <a:off x="810000" y="2018371"/>
+            <a:ext cx="10859426" cy="1930400"/>
+          </a:xfrm>
+        </p:spPr>
+        <p:txBody>
+          <a:bodyPr>
+            <a:normAutofit/>
+          </a:bodyPr>
+          <a:lstStyle/>
+          <a:p>
+            <a:r>
+              <a:rPr lang="es-ES" dirty="0"/>
+              <a:t>Simularemos posición y rotación del robot.</a:t>
+            </a:r>
+          </a:p>
+          <a:p>
+            <a:r>
+              <a:rPr lang="es-ES" dirty="0"/>
+              <a:t>Uniendo los modelos cinemático y discreto obtenemos las ecuaciones.</a:t>
+            </a:r>
+          </a:p>
+        </p:txBody>
+      </p:sp>
+      <p:pic>
+        <p:nvPicPr>
+          <p:cNvPr id="9" name="Imagen 8" descr="Gráfico, Gráfico radial&#10;&#10;Descripción generada automáticamente">
+            <a:extLst>
+              <a:ext uri="{FF2B5EF4-FFF2-40B4-BE49-F238E27FC236}">
+                <a16:creationId xmlns:a16="http://schemas.microsoft.com/office/drawing/2014/main" id="{7B5BB724-3E4F-44AE-B1DE-AEF3E41212EC}"/>
+              </a:ext>
+            </a:extLst>
+          </p:cNvPr>
+          <p:cNvPicPr>
+            <a:picLocks noChangeAspect="1"/>
+          </p:cNvPicPr>
+          <p:nvPr/>
+        </p:nvPicPr>
+        <p:blipFill>
+          <a:blip r:embed="rId3">
+            <a:extLst>
+              <a:ext uri="{28A0092B-C50C-407E-A947-70E740481C1C}">
+                <a14:useLocalDpi xmlns:a14="http://schemas.microsoft.com/office/drawing/2010/main" val="0"/>
+              </a:ext>
+            </a:extLst>
+          </a:blip>
+          <a:stretch>
+            <a:fillRect/>
+          </a:stretch>
+        </p:blipFill>
+        <p:spPr>
+          <a:xfrm>
+            <a:off x="810000" y="3579540"/>
+            <a:ext cx="3918715" cy="2831271"/>
+          </a:xfrm>
+          <a:prstGeom prst="roundRect">
+            <a:avLst>
+              <a:gd name="adj" fmla="val 3876"/>
+            </a:avLst>
+          </a:prstGeom>
+          <a:ln>
+            <a:solidFill>
+              <a:schemeClr val="accent1"/>
+            </a:solidFill>
+          </a:ln>
+          <a:effectLst/>
+        </p:spPr>
+      </p:pic>
+      <p:pic>
+        <p:nvPicPr>
+          <p:cNvPr id="5" name="Imagen 4" descr="Imagen que contiene Tabla&#10;&#10;Descripción generada automáticamente">
+            <a:extLst>
+              <a:ext uri="{FF2B5EF4-FFF2-40B4-BE49-F238E27FC236}">
+                <a16:creationId xmlns:a16="http://schemas.microsoft.com/office/drawing/2014/main" id="{E739502E-0C82-47B0-8800-2F6BFDDEA835}"/>
+              </a:ext>
+            </a:extLst>
+          </p:cNvPr>
+          <p:cNvPicPr>
+            <a:picLocks noChangeAspect="1"/>
+          </p:cNvPicPr>
+          <p:nvPr/>
+        </p:nvPicPr>
+        <p:blipFill>
+          <a:blip r:embed="rId4">
+            <a:extLst>
+              <a:ext uri="{28A0092B-C50C-407E-A947-70E740481C1C}">
+                <a14:useLocalDpi xmlns:a14="http://schemas.microsoft.com/office/drawing/2010/main" val="0"/>
+              </a:ext>
+            </a:extLst>
+          </a:blip>
+          <a:stretch>
+            <a:fillRect/>
+          </a:stretch>
+        </p:blipFill>
+        <p:spPr>
+          <a:xfrm>
+            <a:off x="6887917" y="3579540"/>
+            <a:ext cx="4494081" cy="2831271"/>
+          </a:xfrm>
+          <a:prstGeom prst="roundRect">
+            <a:avLst>
+              <a:gd name="adj" fmla="val 3876"/>
+            </a:avLst>
+          </a:prstGeom>
+          <a:ln>
+            <a:solidFill>
+              <a:schemeClr val="accent1"/>
+            </a:solidFill>
+          </a:ln>
+          <a:effectLst/>
+        </p:spPr>
+      </p:pic>
+      <p:sp>
+        <p:nvSpPr>
+          <p:cNvPr id="4" name="Marcador de número de diapositiva 3">
+            <a:extLst>
+              <a:ext uri="{FF2B5EF4-FFF2-40B4-BE49-F238E27FC236}">
+                <a16:creationId xmlns:a16="http://schemas.microsoft.com/office/drawing/2014/main" id="{F8C01397-0773-468D-9754-C8A8CFC4263F}"/>
+              </a:ext>
+            </a:extLst>
+          </p:cNvPr>
+          <p:cNvSpPr>
+            <a:spLocks noGrp="1"/>
+          </p:cNvSpPr>
+          <p:nvPr>
+            <p:ph type="sldNum" sz="quarter" idx="12"/>
+          </p:nvPr>
+        </p:nvSpPr>
+        <p:spPr/>
+        <p:txBody>
+          <a:bodyPr/>
+          <a:lstStyle/>
+          <a:p>
+            <a:fld id="{5452FDC3-B045-4A3B-9520-6737031B2C45}" type="slidenum">
+              <a:rPr lang="es-ES" smtClean="0"/>
+              <a:t>10</a:t>
+            </a:fld>
+            <a:endParaRPr lang="es-ES"/>
+          </a:p>
+        </p:txBody>
+      </p:sp>
+    </p:spTree>
+    <p:extLst>
+      <p:ext uri="{BB962C8B-B14F-4D97-AF65-F5344CB8AC3E}">
+        <p14:creationId xmlns:p14="http://schemas.microsoft.com/office/powerpoint/2010/main" val="1558112525"/>
+      </p:ext>
+    </p:extLst>
+  </p:cSld>
+  <p:clrMapOvr>
+    <a:masterClrMapping/>
+  </p:clrMapOvr>
+</p:sld>
+</file>
+
+<file path=ppt/slides/slide11.xml><?xml version="1.0" encoding="utf-8"?>
+<p:sld xmlns:a="http://schemas.openxmlformats.org/drawingml/2006/main" xmlns:r="http://schemas.openxmlformats.org/officeDocument/2006/relationships" xmlns:p="http://schemas.openxmlformats.org/presentationml/2006/main">
+  <p:cSld>
+    <p:bg>
+      <p:bgPr>
+        <a:solidFill>
+          <a:schemeClr val="bg2"/>
+        </a:solidFill>
+        <a:effectLst/>
+      </p:bgPr>
+    </p:bg>
+    <p:spTree>
+      <p:nvGrpSpPr>
+        <p:cNvPr id="1" name=""/>
+        <p:cNvGrpSpPr/>
+        <p:nvPr/>
+      </p:nvGrpSpPr>
+      <p:grpSpPr>
+        <a:xfrm>
+          <a:off x="0" y="0"/>
+          <a:ext cx="0" cy="0"/>
+          <a:chOff x="0" y="0"/>
+          <a:chExt cx="0" cy="0"/>
+        </a:xfrm>
+      </p:grpSpPr>
+      <p:sp>
+        <p:nvSpPr>
+          <p:cNvPr id="2" name="Título 1">
+            <a:extLst>
+              <a:ext uri="{FF2B5EF4-FFF2-40B4-BE49-F238E27FC236}">
+                <a16:creationId xmlns:a16="http://schemas.microsoft.com/office/drawing/2014/main" id="{D619F776-0560-4232-A8DB-B2806B1A549C}"/>
+              </a:ext>
+            </a:extLst>
+          </p:cNvPr>
+          <p:cNvSpPr>
+            <a:spLocks noGrp="1"/>
+          </p:cNvSpPr>
+          <p:nvPr>
+            <p:ph type="title"/>
+          </p:nvPr>
+        </p:nvSpPr>
+        <p:spPr>
+          <a:xfrm>
+            <a:off x="810000" y="447188"/>
+            <a:ext cx="10571998" cy="970450"/>
+          </a:xfrm>
+        </p:spPr>
+        <p:txBody>
+          <a:bodyPr>
+            <a:normAutofit/>
+          </a:bodyPr>
+          <a:lstStyle/>
+          <a:p>
+            <a:r>
+              <a:rPr lang="es-ES" sz="3700"/>
+              <a:t>Robótica móvil: Direccionamiento </a:t>
+            </a:r>
+            <a:r>
+              <a:rPr lang="es-ES" sz="3700" dirty="0"/>
+              <a:t>diferencial</a:t>
+            </a:r>
+          </a:p>
+        </p:txBody>
+      </p:sp>
+      <p:sp>
+        <p:nvSpPr>
+          <p:cNvPr id="3" name="Marcador de contenido 2">
+            <a:extLst>
+              <a:ext uri="{FF2B5EF4-FFF2-40B4-BE49-F238E27FC236}">
+                <a16:creationId xmlns:a16="http://schemas.microsoft.com/office/drawing/2014/main" id="{4DC99629-5F4B-4C39-B3B4-67FD74BC42F0}"/>
+              </a:ext>
+            </a:extLst>
+          </p:cNvPr>
+          <p:cNvSpPr>
+            <a:spLocks noGrp="1"/>
+          </p:cNvSpPr>
+          <p:nvPr>
+            <p:ph idx="1"/>
+          </p:nvPr>
+        </p:nvSpPr>
+        <p:spPr>
+          <a:xfrm>
+            <a:off x="810000" y="2550222"/>
+            <a:ext cx="10563285" cy="1757556"/>
+          </a:xfrm>
+        </p:spPr>
+        <p:txBody>
+          <a:bodyPr>
+            <a:normAutofit/>
+          </a:bodyPr>
+          <a:lstStyle/>
+          <a:p>
+            <a:r>
+              <a:rPr lang="es-ES" sz="2000" dirty="0"/>
+              <a:t>Etapas del cauce gráfico que modificaremos: Transformaciones y Proyecciones.</a:t>
+            </a:r>
+          </a:p>
+          <a:p>
+            <a:r>
+              <a:rPr lang="es-ES" sz="2000" dirty="0"/>
+              <a:t>Utilizando las ecuaciones vistas antes, obtenemos las matrices de translación y rotación.</a:t>
+            </a:r>
+          </a:p>
+          <a:p>
+            <a:r>
+              <a:rPr lang="es-ES" sz="2000" dirty="0"/>
+              <a:t>Tras obtenerlas, proyectaremos los puntos del espacio 3D en un plano 2D.</a:t>
+            </a:r>
+          </a:p>
+          <a:p>
+            <a:endParaRPr lang="es-ES" sz="1600" dirty="0"/>
+          </a:p>
+        </p:txBody>
+      </p:sp>
+      <p:pic>
+        <p:nvPicPr>
+          <p:cNvPr id="5" name="Imagen 4" descr="Diagrama&#10;&#10;Descripción generada automáticamente">
+            <a:extLst>
+              <a:ext uri="{FF2B5EF4-FFF2-40B4-BE49-F238E27FC236}">
+                <a16:creationId xmlns:a16="http://schemas.microsoft.com/office/drawing/2014/main" id="{E04E5D4E-8925-4F0E-ABE0-8A3312441256}"/>
+              </a:ext>
+            </a:extLst>
+          </p:cNvPr>
+          <p:cNvPicPr>
+            <a:picLocks noChangeAspect="1"/>
+          </p:cNvPicPr>
+          <p:nvPr/>
+        </p:nvPicPr>
+        <p:blipFill>
+          <a:blip r:embed="rId3">
+            <a:extLst>
+              <a:ext uri="{28A0092B-C50C-407E-A947-70E740481C1C}">
+                <a14:useLocalDpi xmlns:a14="http://schemas.microsoft.com/office/drawing/2010/main" val="0"/>
+              </a:ext>
+            </a:extLst>
+          </a:blip>
+          <a:stretch>
+            <a:fillRect/>
+          </a:stretch>
+        </p:blipFill>
+        <p:spPr>
+          <a:xfrm>
+            <a:off x="2957324" y="4390169"/>
+            <a:ext cx="6277349" cy="1836125"/>
+          </a:xfrm>
+          <a:prstGeom prst="roundRect">
+            <a:avLst>
+              <a:gd name="adj" fmla="val 3876"/>
+            </a:avLst>
+          </a:prstGeom>
+          <a:ln>
+            <a:solidFill>
+              <a:schemeClr val="accent1"/>
+            </a:solidFill>
+          </a:ln>
+          <a:effectLst/>
+        </p:spPr>
+      </p:pic>
+      <p:sp>
+        <p:nvSpPr>
+          <p:cNvPr id="4" name="Marcador de número de diapositiva 3">
+            <a:extLst>
+              <a:ext uri="{FF2B5EF4-FFF2-40B4-BE49-F238E27FC236}">
+                <a16:creationId xmlns:a16="http://schemas.microsoft.com/office/drawing/2014/main" id="{330ADDAA-CF25-441C-AAD1-DD6BC26B04DD}"/>
+              </a:ext>
+            </a:extLst>
+          </p:cNvPr>
+          <p:cNvSpPr>
+            <a:spLocks noGrp="1"/>
+          </p:cNvSpPr>
+          <p:nvPr>
+            <p:ph type="sldNum" sz="quarter" idx="12"/>
+          </p:nvPr>
+        </p:nvSpPr>
+        <p:spPr/>
+        <p:txBody>
+          <a:bodyPr/>
+          <a:lstStyle/>
+          <a:p>
+            <a:fld id="{5452FDC3-B045-4A3B-9520-6737031B2C45}" type="slidenum">
+              <a:rPr lang="es-ES" smtClean="0"/>
+              <a:t>11</a:t>
+            </a:fld>
+            <a:endParaRPr lang="es-ES"/>
+          </a:p>
+        </p:txBody>
+      </p:sp>
+    </p:spTree>
+    <p:extLst>
+      <p:ext uri="{BB962C8B-B14F-4D97-AF65-F5344CB8AC3E}">
+        <p14:creationId xmlns:p14="http://schemas.microsoft.com/office/powerpoint/2010/main" val="2712864746"/>
+      </p:ext>
+    </p:extLst>
+  </p:cSld>
+  <p:clrMapOvr>
+    <a:masterClrMapping/>
+  </p:clrMapOvr>
+</p:sld>
+</file>
+
+<file path=ppt/slides/slide12.xml><?xml version="1.0" encoding="utf-8"?>
+<p:sld xmlns:a="http://schemas.openxmlformats.org/drawingml/2006/main" xmlns:r="http://schemas.openxmlformats.org/officeDocument/2006/relationships" xmlns:p="http://schemas.openxmlformats.org/presentationml/2006/main">
+  <p:cSld>
+    <p:bg>
+      <p:bgPr>
+        <a:solidFill>
+          <a:schemeClr val="bg2"/>
+        </a:solidFill>
+        <a:effectLst/>
+      </p:bgPr>
+    </p:bg>
+    <p:spTree>
+      <p:nvGrpSpPr>
+        <p:cNvPr id="1" name=""/>
+        <p:cNvGrpSpPr/>
+        <p:nvPr/>
+      </p:nvGrpSpPr>
+      <p:grpSpPr>
+        <a:xfrm>
+          <a:off x="0" y="0"/>
+          <a:ext cx="0" cy="0"/>
+          <a:chOff x="0" y="0"/>
+          <a:chExt cx="0" cy="0"/>
+        </a:xfrm>
+      </p:grpSpPr>
+      <p:sp>
+        <p:nvSpPr>
+          <p:cNvPr id="2" name="Título 1">
+            <a:extLst>
+              <a:ext uri="{FF2B5EF4-FFF2-40B4-BE49-F238E27FC236}">
+                <a16:creationId xmlns:a16="http://schemas.microsoft.com/office/drawing/2014/main" id="{8B968EB7-B832-4E51-A620-41EC42F5C7F8}"/>
+              </a:ext>
+            </a:extLst>
+          </p:cNvPr>
+          <p:cNvSpPr>
+            <a:spLocks noGrp="1"/>
+          </p:cNvSpPr>
+          <p:nvPr>
+            <p:ph type="title"/>
+          </p:nvPr>
+        </p:nvSpPr>
+        <p:spPr>
+          <a:xfrm>
+            <a:off x="810000" y="447188"/>
+            <a:ext cx="10571998" cy="970450"/>
+          </a:xfrm>
+        </p:spPr>
+        <p:txBody>
+          <a:bodyPr>
+            <a:normAutofit/>
+          </a:bodyPr>
+          <a:lstStyle/>
+          <a:p>
+            <a:r>
               <a:rPr lang="es-ES" dirty="0"/>
               <a:t>Robótica móvil: Navegación autónoma</a:t>
             </a:r>
           </a:p>
         </p:txBody>
       </p:sp>
-      <mc:AlternateContent xmlns:mc="http://schemas.openxmlformats.org/markup-compatibility/2006">
-        <mc:Choice xmlns:a14="http://schemas.microsoft.com/office/drawing/2010/main" Requires="a14">
+      <mc:AlternateContent xmlns:mc="http://schemas.openxmlformats.org/markup-compatibility/2006" xmlns:a14="http://schemas.microsoft.com/office/drawing/2010/main">
+        <mc:Choice Requires="a14">
           <p:sp>
             <p:nvSpPr>
               <p:cNvPr id="3" name="Marcador de contenido 2">
@@ -15763,7 +16680,7 @@
             </p:txBody>
           </p:sp>
         </mc:Choice>
-        <mc:Fallback>
+        <mc:Fallback xmlns="">
           <p:sp>
             <p:nvSpPr>
               <p:cNvPr id="3" name="Marcador de contenido 2">
@@ -15851,6 +16768,35 @@
           <a:effectLst/>
         </p:spPr>
       </p:pic>
+      <p:sp>
+        <p:nvSpPr>
+          <p:cNvPr id="4" name="Marcador de número de diapositiva 3">
+            <a:extLst>
+              <a:ext uri="{FF2B5EF4-FFF2-40B4-BE49-F238E27FC236}">
+                <a16:creationId xmlns:a16="http://schemas.microsoft.com/office/drawing/2014/main" id="{E48C41CB-2968-4700-B864-5D7F7243162D}"/>
+              </a:ext>
+            </a:extLst>
+          </p:cNvPr>
+          <p:cNvSpPr>
+            <a:spLocks noGrp="1"/>
+          </p:cNvSpPr>
+          <p:nvPr>
+            <p:ph type="sldNum" sz="quarter" idx="12"/>
+          </p:nvPr>
+        </p:nvSpPr>
+        <p:spPr/>
+        <p:txBody>
+          <a:bodyPr/>
+          <a:lstStyle/>
+          <a:p>
+            <a:fld id="{5452FDC3-B045-4A3B-9520-6737031B2C45}" type="slidenum">
+              <a:rPr lang="es-ES" smtClean="0"/>
+              <a:t>12</a:t>
+            </a:fld>
+            <a:endParaRPr lang="es-ES"/>
+          </a:p>
+        </p:txBody>
+      </p:sp>
     </p:spTree>
     <p:extLst>
       <p:ext uri="{BB962C8B-B14F-4D97-AF65-F5344CB8AC3E}">
@@ -15864,7 +16810,175 @@
 </p:sld>
 </file>
 
-<file path=ppt/slides/slide11.xml><?xml version="1.0" encoding="utf-8"?>
+<file path=ppt/slides/slide13.xml><?xml version="1.0" encoding="utf-8"?>
+<p:sld xmlns:a="http://schemas.openxmlformats.org/drawingml/2006/main" xmlns:r="http://schemas.openxmlformats.org/officeDocument/2006/relationships" xmlns:p="http://schemas.openxmlformats.org/presentationml/2006/main">
+  <p:cSld>
+    <p:spTree>
+      <p:nvGrpSpPr>
+        <p:cNvPr id="1" name=""/>
+        <p:cNvGrpSpPr/>
+        <p:nvPr/>
+      </p:nvGrpSpPr>
+      <p:grpSpPr>
+        <a:xfrm>
+          <a:off x="0" y="0"/>
+          <a:ext cx="0" cy="0"/>
+          <a:chOff x="0" y="0"/>
+          <a:chExt cx="0" cy="0"/>
+        </a:xfrm>
+      </p:grpSpPr>
+      <p:sp>
+        <p:nvSpPr>
+          <p:cNvPr id="2" name="Título 1">
+            <a:extLst>
+              <a:ext uri="{FF2B5EF4-FFF2-40B4-BE49-F238E27FC236}">
+                <a16:creationId xmlns:a16="http://schemas.microsoft.com/office/drawing/2014/main" id="{99629A13-BBCD-4675-B0AF-1422BC481D47}"/>
+              </a:ext>
+            </a:extLst>
+          </p:cNvPr>
+          <p:cNvSpPr>
+            <a:spLocks noGrp="1"/>
+          </p:cNvSpPr>
+          <p:nvPr>
+            <p:ph type="title"/>
+          </p:nvPr>
+        </p:nvSpPr>
+        <p:spPr/>
+        <p:txBody>
+          <a:bodyPr/>
+          <a:lstStyle/>
+          <a:p>
+            <a:r>
+              <a:rPr lang="es-ES" dirty="0"/>
+              <a:t>Índice</a:t>
+            </a:r>
+          </a:p>
+        </p:txBody>
+      </p:sp>
+      <p:sp>
+        <p:nvSpPr>
+          <p:cNvPr id="3" name="Marcador de contenido 2">
+            <a:extLst>
+              <a:ext uri="{FF2B5EF4-FFF2-40B4-BE49-F238E27FC236}">
+                <a16:creationId xmlns:a16="http://schemas.microsoft.com/office/drawing/2014/main" id="{19FDC435-2252-4AAA-B09D-7D31BF9DAC5B}"/>
+              </a:ext>
+            </a:extLst>
+          </p:cNvPr>
+          <p:cNvSpPr>
+            <a:spLocks noGrp="1"/>
+          </p:cNvSpPr>
+          <p:nvPr>
+            <p:ph idx="1"/>
+          </p:nvPr>
+        </p:nvSpPr>
+        <p:spPr>
+          <a:xfrm>
+            <a:off x="810000" y="2921620"/>
+            <a:ext cx="10554574" cy="3936380"/>
+          </a:xfrm>
+        </p:spPr>
+        <p:txBody>
+          <a:bodyPr>
+            <a:normAutofit fontScale="85000" lnSpcReduction="20000"/>
+          </a:bodyPr>
+          <a:lstStyle/>
+          <a:p>
+            <a:r>
+              <a:rPr lang="es-ES" sz="3600" dirty="0"/>
+              <a:t>Introducción</a:t>
+            </a:r>
+          </a:p>
+          <a:p>
+            <a:r>
+              <a:rPr lang="es-ES" sz="3600" dirty="0"/>
+              <a:t>Modelado del sistema</a:t>
+            </a:r>
+          </a:p>
+          <a:p>
+            <a:r>
+              <a:rPr lang="es-ES" sz="3600" b="1" dirty="0"/>
+              <a:t>Entorno tecnológico</a:t>
+            </a:r>
+          </a:p>
+          <a:p>
+            <a:r>
+              <a:rPr lang="es-ES" sz="3600" dirty="0"/>
+              <a:t>Descripción de la aplicación</a:t>
+            </a:r>
+          </a:p>
+          <a:p>
+            <a:r>
+              <a:rPr lang="es-ES" sz="3600" dirty="0"/>
+              <a:t>Pruebas</a:t>
+            </a:r>
+          </a:p>
+          <a:p>
+            <a:r>
+              <a:rPr lang="es-ES" sz="3600" dirty="0"/>
+              <a:t>Video</a:t>
+            </a:r>
+            <a:endParaRPr lang="es-ES" sz="3600" b="1" dirty="0"/>
+          </a:p>
+          <a:p>
+            <a:r>
+              <a:rPr lang="es-ES" sz="3600" dirty="0"/>
+              <a:t>Conclusiones</a:t>
+            </a:r>
+          </a:p>
+          <a:p>
+            <a:endParaRPr lang="es-ES" dirty="0"/>
+          </a:p>
+          <a:p>
+            <a:endParaRPr lang="es-ES" dirty="0"/>
+          </a:p>
+          <a:p>
+            <a:endParaRPr lang="es-ES" dirty="0"/>
+          </a:p>
+        </p:txBody>
+      </p:sp>
+      <p:sp>
+        <p:nvSpPr>
+          <p:cNvPr id="4" name="Marcador de número de diapositiva 3">
+            <a:extLst>
+              <a:ext uri="{FF2B5EF4-FFF2-40B4-BE49-F238E27FC236}">
+                <a16:creationId xmlns:a16="http://schemas.microsoft.com/office/drawing/2014/main" id="{4CB7E394-5AF0-4E29-912E-88635E0ECD2A}"/>
+              </a:ext>
+            </a:extLst>
+          </p:cNvPr>
+          <p:cNvSpPr>
+            <a:spLocks noGrp="1"/>
+          </p:cNvSpPr>
+          <p:nvPr>
+            <p:ph type="sldNum" sz="quarter" idx="12"/>
+          </p:nvPr>
+        </p:nvSpPr>
+        <p:spPr/>
+        <p:txBody>
+          <a:bodyPr/>
+          <a:lstStyle/>
+          <a:p>
+            <a:fld id="{5452FDC3-B045-4A3B-9520-6737031B2C45}" type="slidenum">
+              <a:rPr lang="es-ES" smtClean="0"/>
+              <a:t>13</a:t>
+            </a:fld>
+            <a:endParaRPr lang="es-ES" dirty="0"/>
+          </a:p>
+        </p:txBody>
+      </p:sp>
+    </p:spTree>
+    <p:extLst>
+      <p:ext uri="{BB962C8B-B14F-4D97-AF65-F5344CB8AC3E}">
+        <p14:creationId xmlns:p14="http://schemas.microsoft.com/office/powerpoint/2010/main" val="1232776986"/>
+      </p:ext>
+    </p:extLst>
+  </p:cSld>
+  <p:clrMapOvr>
+    <a:masterClrMapping/>
+  </p:clrMapOvr>
+</p:sld>
+</file>
+
+<file path=ppt/slides/slide14.xml><?xml version="1.0" encoding="utf-8"?>
 <p:sld xmlns:a="http://schemas.openxmlformats.org/drawingml/2006/main" xmlns:r="http://schemas.openxmlformats.org/officeDocument/2006/relationships" xmlns:p="http://schemas.openxmlformats.org/presentationml/2006/main">
   <p:cSld>
     <p:bg>
@@ -15955,6 +17069,35 @@
           </a:graphicData>
         </a:graphic>
       </p:graphicFrame>
+      <p:sp>
+        <p:nvSpPr>
+          <p:cNvPr id="3" name="Marcador de número de diapositiva 2">
+            <a:extLst>
+              <a:ext uri="{FF2B5EF4-FFF2-40B4-BE49-F238E27FC236}">
+                <a16:creationId xmlns:a16="http://schemas.microsoft.com/office/drawing/2014/main" id="{36E81E4D-3C27-40BD-AD3F-542FC6A6A67A}"/>
+              </a:ext>
+            </a:extLst>
+          </p:cNvPr>
+          <p:cNvSpPr>
+            <a:spLocks noGrp="1"/>
+          </p:cNvSpPr>
+          <p:nvPr>
+            <p:ph type="sldNum" sz="quarter" idx="12"/>
+          </p:nvPr>
+        </p:nvSpPr>
+        <p:spPr/>
+        <p:txBody>
+          <a:bodyPr/>
+          <a:lstStyle/>
+          <a:p>
+            <a:fld id="{5452FDC3-B045-4A3B-9520-6737031B2C45}" type="slidenum">
+              <a:rPr lang="es-ES" smtClean="0"/>
+              <a:t>14</a:t>
+            </a:fld>
+            <a:endParaRPr lang="es-ES"/>
+          </a:p>
+        </p:txBody>
+      </p:sp>
     </p:spTree>
     <p:extLst>
       <p:ext uri="{BB962C8B-B14F-4D97-AF65-F5344CB8AC3E}">
@@ -15968,7 +17111,7 @@
 </p:sld>
 </file>
 
-<file path=ppt/slides/slide12.xml><?xml version="1.0" encoding="utf-8"?>
+<file path=ppt/slides/slide15.xml><?xml version="1.0" encoding="utf-8"?>
 <p:sld xmlns:a="http://schemas.openxmlformats.org/drawingml/2006/main" xmlns:r="http://schemas.openxmlformats.org/officeDocument/2006/relationships" xmlns:p="http://schemas.openxmlformats.org/presentationml/2006/main">
   <p:cSld>
     <p:bg>
@@ -16148,6 +17291,35 @@
           </a:p>
         </p:txBody>
       </p:sp>
+      <p:sp>
+        <p:nvSpPr>
+          <p:cNvPr id="4" name="Marcador de número de diapositiva 3">
+            <a:extLst>
+              <a:ext uri="{FF2B5EF4-FFF2-40B4-BE49-F238E27FC236}">
+                <a16:creationId xmlns:a16="http://schemas.microsoft.com/office/drawing/2014/main" id="{E424DD6A-D7C1-400F-9F50-A8C614DF8177}"/>
+              </a:ext>
+            </a:extLst>
+          </p:cNvPr>
+          <p:cNvSpPr>
+            <a:spLocks noGrp="1"/>
+          </p:cNvSpPr>
+          <p:nvPr>
+            <p:ph type="sldNum" sz="quarter" idx="12"/>
+          </p:nvPr>
+        </p:nvSpPr>
+        <p:spPr/>
+        <p:txBody>
+          <a:bodyPr/>
+          <a:lstStyle/>
+          <a:p>
+            <a:fld id="{5452FDC3-B045-4A3B-9520-6737031B2C45}" type="slidenum">
+              <a:rPr lang="es-ES" smtClean="0"/>
+              <a:t>15</a:t>
+            </a:fld>
+            <a:endParaRPr lang="es-ES"/>
+          </a:p>
+        </p:txBody>
+      </p:sp>
     </p:spTree>
     <p:extLst>
       <p:ext uri="{BB962C8B-B14F-4D97-AF65-F5344CB8AC3E}">
@@ -16161,9 +17333,17 @@
 </p:sld>
 </file>
 
-<file path=ppt/slides/slide13.xml><?xml version="1.0" encoding="utf-8"?>
+<file path=ppt/slides/slide16.xml><?xml version="1.0" encoding="utf-8"?>
 <p:sld xmlns:a="http://schemas.openxmlformats.org/drawingml/2006/main" xmlns:r="http://schemas.openxmlformats.org/officeDocument/2006/relationships" xmlns:p="http://schemas.openxmlformats.org/presentationml/2006/main">
   <p:cSld>
+    <p:bg>
+      <p:bgPr>
+        <a:solidFill>
+          <a:schemeClr val="bg2"/>
+        </a:solidFill>
+        <a:effectLst/>
+      </p:bgPr>
+    </p:bg>
     <p:spTree>
       <p:nvGrpSpPr>
         <p:cNvPr id="1" name=""/>
@@ -16194,11 +17374,231 @@
             <p:ph type="title"/>
           </p:nvPr>
         </p:nvSpPr>
-        <p:spPr/>
+        <p:spPr>
+          <a:xfrm>
+            <a:off x="810000" y="447188"/>
+            <a:ext cx="10571998" cy="970450"/>
+          </a:xfrm>
+        </p:spPr>
         <p:txBody>
-          <a:bodyPr/>
+          <a:bodyPr>
+            <a:normAutofit/>
+          </a:bodyPr>
           <a:lstStyle/>
           <a:p>
+            <a:pPr>
+              <a:lnSpc>
+                <a:spcPct val="90000"/>
+              </a:lnSpc>
+            </a:pPr>
+            <a:r>
+              <a:rPr lang="es-ES" sz="3100"/>
+              <a:t>Entorno tecnológico: Implementación de la aplicación</a:t>
+            </a:r>
+          </a:p>
+        </p:txBody>
+      </p:sp>
+      <p:sp>
+        <p:nvSpPr>
+          <p:cNvPr id="9" name="Content Placeholder 8">
+            <a:extLst>
+              <a:ext uri="{FF2B5EF4-FFF2-40B4-BE49-F238E27FC236}">
+                <a16:creationId xmlns:a16="http://schemas.microsoft.com/office/drawing/2014/main" id="{B1A8406E-EC73-4FC4-8299-472E77109DCC}"/>
+              </a:ext>
+            </a:extLst>
+          </p:cNvPr>
+          <p:cNvSpPr>
+            <a:spLocks noGrp="1"/>
+          </p:cNvSpPr>
+          <p:nvPr>
+            <p:ph idx="1"/>
+          </p:nvPr>
+        </p:nvSpPr>
+        <p:spPr>
+          <a:xfrm>
+            <a:off x="818713" y="2413000"/>
+            <a:ext cx="4283137" cy="3632200"/>
+          </a:xfrm>
+        </p:spPr>
+        <p:txBody>
+          <a:bodyPr>
+            <a:normAutofit/>
+          </a:bodyPr>
+          <a:lstStyle/>
+          <a:p>
+            <a:r>
+              <a:rPr lang="en-US" dirty="0" err="1"/>
+              <a:t>Función</a:t>
+            </a:r>
+            <a:r>
+              <a:rPr lang="en-US" dirty="0"/>
+              <a:t> </a:t>
+            </a:r>
+            <a:r>
+              <a:rPr lang="en-US" dirty="0" err="1"/>
+              <a:t>inicializadora</a:t>
+            </a:r>
+            <a:r>
+              <a:rPr lang="en-US" dirty="0"/>
+              <a:t> start()</a:t>
+            </a:r>
+          </a:p>
+          <a:p>
+            <a:r>
+              <a:rPr lang="en-US" dirty="0" err="1"/>
+              <a:t>Inicializado</a:t>
+            </a:r>
+            <a:r>
+              <a:rPr lang="en-US" dirty="0"/>
+              <a:t> de buffers.</a:t>
+            </a:r>
+          </a:p>
+          <a:p>
+            <a:r>
+              <a:rPr lang="en-US" dirty="0"/>
+              <a:t>Se divide </a:t>
+            </a:r>
+            <a:r>
+              <a:rPr lang="en-US" dirty="0" err="1"/>
+              <a:t>en</a:t>
+            </a:r>
+            <a:r>
+              <a:rPr lang="en-US" dirty="0"/>
+              <a:t> dos </a:t>
+            </a:r>
+            <a:r>
+              <a:rPr lang="en-US" dirty="0" err="1"/>
+              <a:t>partes</a:t>
+            </a:r>
+            <a:r>
+              <a:rPr lang="en-US" dirty="0"/>
+              <a:t>:</a:t>
+            </a:r>
+          </a:p>
+          <a:p>
+            <a:pPr lvl="1"/>
+            <a:r>
+              <a:rPr lang="en-US" sz="1800" dirty="0"/>
+              <a:t>Loop que </a:t>
+            </a:r>
+            <a:r>
+              <a:rPr lang="en-US" sz="1800" dirty="0" err="1"/>
+              <a:t>actualiza</a:t>
+            </a:r>
+            <a:r>
+              <a:rPr lang="en-US" sz="1800" dirty="0"/>
+              <a:t> los </a:t>
+            </a:r>
+            <a:r>
+              <a:rPr lang="en-US" sz="1800" dirty="0" err="1"/>
+              <a:t>valores</a:t>
+            </a:r>
+            <a:r>
+              <a:rPr lang="en-US" sz="1800" dirty="0"/>
+              <a:t> de </a:t>
+            </a:r>
+            <a:r>
+              <a:rPr lang="en-US" sz="1800" dirty="0" err="1"/>
+              <a:t>posición</a:t>
+            </a:r>
+            <a:r>
+              <a:rPr lang="en-US" sz="1800" dirty="0"/>
+              <a:t>.</a:t>
+            </a:r>
+          </a:p>
+          <a:p>
+            <a:pPr lvl="1"/>
+            <a:r>
+              <a:rPr lang="en-US" sz="1800" dirty="0"/>
+              <a:t>Loop que </a:t>
+            </a:r>
+            <a:r>
+              <a:rPr lang="en-US" sz="1800" dirty="0" err="1"/>
+              <a:t>renderiza</a:t>
+            </a:r>
+            <a:r>
+              <a:rPr lang="en-US" sz="1800" dirty="0"/>
+              <a:t> la </a:t>
+            </a:r>
+            <a:r>
+              <a:rPr lang="en-US" sz="1800" dirty="0" err="1"/>
+              <a:t>escena</a:t>
+            </a:r>
+            <a:r>
+              <a:rPr lang="en-US" sz="1800" dirty="0"/>
+              <a:t>.</a:t>
+            </a:r>
+          </a:p>
+          <a:p>
+            <a:r>
+              <a:rPr lang="en-US" dirty="0" err="1"/>
+              <a:t>Toji</a:t>
+            </a:r>
+            <a:r>
+              <a:rPr lang="en-US" dirty="0"/>
+              <a:t> – </a:t>
+            </a:r>
+            <a:r>
+              <a:rPr lang="en-US" dirty="0" err="1"/>
+              <a:t>glmatrix</a:t>
+            </a:r>
+            <a:r>
+              <a:rPr lang="en-US" dirty="0"/>
+              <a:t> para el </a:t>
+            </a:r>
+            <a:r>
+              <a:rPr lang="en-US" dirty="0" err="1"/>
+              <a:t>manejo</a:t>
+            </a:r>
+            <a:r>
+              <a:rPr lang="en-US" dirty="0"/>
+              <a:t> de matrices.</a:t>
+            </a:r>
+          </a:p>
+        </p:txBody>
+      </p:sp>
+      <p:sp>
+        <p:nvSpPr>
+          <p:cNvPr id="3" name="Marcador de número de diapositiva 2">
+            <a:extLst>
+              <a:ext uri="{FF2B5EF4-FFF2-40B4-BE49-F238E27FC236}">
+                <a16:creationId xmlns:a16="http://schemas.microsoft.com/office/drawing/2014/main" id="{2CA4BCF1-BC65-4C9E-BD39-1EF864639DEB}"/>
+              </a:ext>
+            </a:extLst>
+          </p:cNvPr>
+          <p:cNvSpPr>
+            <a:spLocks noGrp="1"/>
+          </p:cNvSpPr>
+          <p:nvPr>
+            <p:ph type="sldNum" sz="quarter" idx="12"/>
+          </p:nvPr>
+        </p:nvSpPr>
+        <p:spPr>
+          <a:xfrm>
+            <a:off x="10317045" y="6129338"/>
+            <a:ext cx="1062155" cy="490599"/>
+          </a:xfrm>
+        </p:spPr>
+        <p:txBody>
+          <a:bodyPr>
+            <a:normAutofit/>
+          </a:bodyPr>
+          <a:lstStyle/>
+          <a:p>
+            <a:pPr>
+              <a:spcAft>
+                <a:spcPts val="600"/>
+              </a:spcAft>
+            </a:pPr>
+            <a:fld id="{5452FDC3-B045-4A3B-9520-6737031B2C45}" type="slidenum">
+              <a:rPr lang="es-ES" smtClean="0"/>
+              <a:pPr>
+                <a:spcAft>
+                  <a:spcPts val="600"/>
+                </a:spcAft>
+              </a:pPr>
+              <a:t>16</a:t>
+            </a:fld>
             <a:endParaRPr lang="es-ES"/>
           </a:p>
         </p:txBody>
@@ -16213,14 +17613,12 @@
             </a:extLst>
           </p:cNvPr>
           <p:cNvPicPr>
-            <a:picLocks noGrp="1" noChangeAspect="1"/>
+            <a:picLocks noChangeAspect="1"/>
           </p:cNvPicPr>
-          <p:nvPr>
-            <p:ph idx="1"/>
-          </p:nvPr>
+          <p:nvPr/>
         </p:nvPicPr>
         <p:blipFill>
-          <a:blip r:embed="rId2">
+          <a:blip r:embed="rId3">
             <a:extLst>
               <a:ext uri="{28A0092B-C50C-407E-A947-70E740481C1C}">
                 <a14:useLocalDpi xmlns:a14="http://schemas.microsoft.com/office/drawing/2010/main" val="0"/>
@@ -16233,297 +17631,26 @@
         </p:blipFill>
         <p:spPr>
           <a:xfrm>
-            <a:off x="2814623" y="2085790"/>
-            <a:ext cx="6562754" cy="4236275"/>
+            <a:off x="5359643" y="2413000"/>
+            <a:ext cx="5761764" cy="3716338"/>
           </a:xfrm>
+          <a:prstGeom prst="roundRect">
+            <a:avLst>
+              <a:gd name="adj" fmla="val 3876"/>
+            </a:avLst>
+          </a:prstGeom>
+          <a:ln>
+            <a:solidFill>
+              <a:schemeClr val="accent1"/>
+            </a:solidFill>
+          </a:ln>
+          <a:effectLst/>
         </p:spPr>
       </p:pic>
     </p:spTree>
     <p:extLst>
       <p:ext uri="{BB962C8B-B14F-4D97-AF65-F5344CB8AC3E}">
         <p14:creationId xmlns:p14="http://schemas.microsoft.com/office/powerpoint/2010/main" val="4196594312"/>
-      </p:ext>
-    </p:extLst>
-  </p:cSld>
-  <p:clrMapOvr>
-    <a:masterClrMapping/>
-  </p:clrMapOvr>
-</p:sld>
-</file>
-
-<file path=ppt/slides/slide14.xml><?xml version="1.0" encoding="utf-8"?>
-<p:sld xmlns:a="http://schemas.openxmlformats.org/drawingml/2006/main" xmlns:r="http://schemas.openxmlformats.org/officeDocument/2006/relationships" xmlns:p="http://schemas.openxmlformats.org/presentationml/2006/main">
-  <p:cSld>
-    <p:spTree>
-      <p:nvGrpSpPr>
-        <p:cNvPr id="1" name=""/>
-        <p:cNvGrpSpPr/>
-        <p:nvPr/>
-      </p:nvGrpSpPr>
-      <p:grpSpPr>
-        <a:xfrm>
-          <a:off x="0" y="0"/>
-          <a:ext cx="0" cy="0"/>
-          <a:chOff x="0" y="0"/>
-          <a:chExt cx="0" cy="0"/>
-        </a:xfrm>
-      </p:grpSpPr>
-      <p:sp>
-        <p:nvSpPr>
-          <p:cNvPr id="2" name="Título 1">
-            <a:extLst>
-              <a:ext uri="{FF2B5EF4-FFF2-40B4-BE49-F238E27FC236}">
-                <a16:creationId xmlns:a16="http://schemas.microsoft.com/office/drawing/2014/main" id="{37013231-49A2-468F-AF76-4E10B1C314A6}"/>
-              </a:ext>
-            </a:extLst>
-          </p:cNvPr>
-          <p:cNvSpPr>
-            <a:spLocks noGrp="1"/>
-          </p:cNvSpPr>
-          <p:nvPr>
-            <p:ph type="title"/>
-          </p:nvPr>
-        </p:nvSpPr>
-        <p:spPr/>
-        <p:txBody>
-          <a:bodyPr/>
-          <a:lstStyle/>
-          <a:p>
-            <a:r>
-              <a:rPr lang="es-ES" dirty="0" err="1"/>
-              <a:t>Librerias</a:t>
-            </a:r>
-            <a:r>
-              <a:rPr lang="es-ES" dirty="0"/>
-              <a:t> adicionales</a:t>
-            </a:r>
-          </a:p>
-        </p:txBody>
-      </p:sp>
-      <p:sp>
-        <p:nvSpPr>
-          <p:cNvPr id="3" name="Marcador de contenido 2">
-            <a:extLst>
-              <a:ext uri="{FF2B5EF4-FFF2-40B4-BE49-F238E27FC236}">
-                <a16:creationId xmlns:a16="http://schemas.microsoft.com/office/drawing/2014/main" id="{DAB2BEC2-652B-41F9-905A-C15E1E772B6E}"/>
-              </a:ext>
-            </a:extLst>
-          </p:cNvPr>
-          <p:cNvSpPr>
-            <a:spLocks noGrp="1"/>
-          </p:cNvSpPr>
-          <p:nvPr>
-            <p:ph idx="1"/>
-          </p:nvPr>
-        </p:nvSpPr>
-        <p:spPr/>
-        <p:txBody>
-          <a:bodyPr/>
-          <a:lstStyle/>
-          <a:p>
-            <a:r>
-              <a:rPr lang="es-ES" dirty="0" err="1"/>
-              <a:t>Toji-glmatrix</a:t>
-            </a:r>
-            <a:r>
-              <a:rPr lang="es-ES" dirty="0"/>
-              <a:t> parte de </a:t>
-            </a:r>
-            <a:r>
-              <a:rPr lang="es-ES" dirty="0" err="1"/>
-              <a:t>gl-matrix</a:t>
-            </a:r>
-            <a:endParaRPr lang="es-ES" dirty="0"/>
-          </a:p>
-        </p:txBody>
-      </p:sp>
-    </p:spTree>
-    <p:extLst>
-      <p:ext uri="{BB962C8B-B14F-4D97-AF65-F5344CB8AC3E}">
-        <p14:creationId xmlns:p14="http://schemas.microsoft.com/office/powerpoint/2010/main" val="3524921213"/>
-      </p:ext>
-    </p:extLst>
-  </p:cSld>
-  <p:clrMapOvr>
-    <a:masterClrMapping/>
-  </p:clrMapOvr>
-</p:sld>
-</file>
-
-<file path=ppt/slides/slide15.xml><?xml version="1.0" encoding="utf-8"?>
-<p:sld xmlns:a="http://schemas.openxmlformats.org/drawingml/2006/main" xmlns:r="http://schemas.openxmlformats.org/officeDocument/2006/relationships" xmlns:p="http://schemas.openxmlformats.org/presentationml/2006/main">
-  <p:cSld>
-    <p:spTree>
-      <p:nvGrpSpPr>
-        <p:cNvPr id="1" name=""/>
-        <p:cNvGrpSpPr/>
-        <p:nvPr/>
-      </p:nvGrpSpPr>
-      <p:grpSpPr>
-        <a:xfrm>
-          <a:off x="0" y="0"/>
-          <a:ext cx="0" cy="0"/>
-          <a:chOff x="0" y="0"/>
-          <a:chExt cx="0" cy="0"/>
-        </a:xfrm>
-      </p:grpSpPr>
-      <p:sp>
-        <p:nvSpPr>
-          <p:cNvPr id="2" name="Título 1">
-            <a:extLst>
-              <a:ext uri="{FF2B5EF4-FFF2-40B4-BE49-F238E27FC236}">
-                <a16:creationId xmlns:a16="http://schemas.microsoft.com/office/drawing/2014/main" id="{F1570A21-69F7-488D-BC46-90DE033DFABB}"/>
-              </a:ext>
-            </a:extLst>
-          </p:cNvPr>
-          <p:cNvSpPr>
-            <a:spLocks noGrp="1"/>
-          </p:cNvSpPr>
-          <p:nvPr>
-            <p:ph type="title"/>
-          </p:nvPr>
-        </p:nvSpPr>
-        <p:spPr/>
-        <p:txBody>
-          <a:bodyPr/>
-          <a:lstStyle/>
-          <a:p>
-            <a:r>
-              <a:rPr lang="es-ES" dirty="0"/>
-              <a:t>4. </a:t>
-            </a:r>
-            <a:r>
-              <a:rPr lang="es-ES" dirty="0" err="1"/>
-              <a:t>Descripcion</a:t>
-            </a:r>
-            <a:r>
-              <a:rPr lang="es-ES" dirty="0"/>
-              <a:t> de la aplicación</a:t>
-            </a:r>
-          </a:p>
-        </p:txBody>
-      </p:sp>
-      <p:sp>
-        <p:nvSpPr>
-          <p:cNvPr id="3" name="Marcador de contenido 2">
-            <a:extLst>
-              <a:ext uri="{FF2B5EF4-FFF2-40B4-BE49-F238E27FC236}">
-                <a16:creationId xmlns:a16="http://schemas.microsoft.com/office/drawing/2014/main" id="{4BC22BB4-4C23-4D7D-AE05-031D32321ECD}"/>
-              </a:ext>
-            </a:extLst>
-          </p:cNvPr>
-          <p:cNvSpPr>
-            <a:spLocks noGrp="1"/>
-          </p:cNvSpPr>
-          <p:nvPr>
-            <p:ph idx="1"/>
-          </p:nvPr>
-        </p:nvSpPr>
-        <p:spPr/>
-        <p:txBody>
-          <a:bodyPr/>
-          <a:lstStyle/>
-          <a:p>
-            <a:r>
-              <a:rPr lang="es-ES" dirty="0"/>
-              <a:t>Imagen de la aplicación.</a:t>
-            </a:r>
-          </a:p>
-          <a:p>
-            <a:r>
-              <a:rPr lang="es-ES" dirty="0"/>
-              <a:t>Comentar las zonas que tenemos.</a:t>
-            </a:r>
-          </a:p>
-        </p:txBody>
-      </p:sp>
-    </p:spTree>
-    <p:extLst>
-      <p:ext uri="{BB962C8B-B14F-4D97-AF65-F5344CB8AC3E}">
-        <p14:creationId xmlns:p14="http://schemas.microsoft.com/office/powerpoint/2010/main" val="3426221640"/>
-      </p:ext>
-    </p:extLst>
-  </p:cSld>
-  <p:clrMapOvr>
-    <a:masterClrMapping/>
-  </p:clrMapOvr>
-</p:sld>
-</file>
-
-<file path=ppt/slides/slide16.xml><?xml version="1.0" encoding="utf-8"?>
-<p:sld xmlns:a="http://schemas.openxmlformats.org/drawingml/2006/main" xmlns:r="http://schemas.openxmlformats.org/officeDocument/2006/relationships" xmlns:p="http://schemas.openxmlformats.org/presentationml/2006/main">
-  <p:cSld>
-    <p:spTree>
-      <p:nvGrpSpPr>
-        <p:cNvPr id="1" name=""/>
-        <p:cNvGrpSpPr/>
-        <p:nvPr/>
-      </p:nvGrpSpPr>
-      <p:grpSpPr>
-        <a:xfrm>
-          <a:off x="0" y="0"/>
-          <a:ext cx="0" cy="0"/>
-          <a:chOff x="0" y="0"/>
-          <a:chExt cx="0" cy="0"/>
-        </a:xfrm>
-      </p:grpSpPr>
-      <p:sp>
-        <p:nvSpPr>
-          <p:cNvPr id="2" name="Título 1">
-            <a:extLst>
-              <a:ext uri="{FF2B5EF4-FFF2-40B4-BE49-F238E27FC236}">
-                <a16:creationId xmlns:a16="http://schemas.microsoft.com/office/drawing/2014/main" id="{41CCF0A6-9D20-4BF9-B413-B977DC741AF6}"/>
-              </a:ext>
-            </a:extLst>
-          </p:cNvPr>
-          <p:cNvSpPr>
-            <a:spLocks noGrp="1"/>
-          </p:cNvSpPr>
-          <p:nvPr>
-            <p:ph type="title"/>
-          </p:nvPr>
-        </p:nvSpPr>
-        <p:spPr/>
-        <p:txBody>
-          <a:bodyPr/>
-          <a:lstStyle/>
-          <a:p>
-            <a:r>
-              <a:rPr lang="es-ES" dirty="0"/>
-              <a:t>Pruebas.</a:t>
-            </a:r>
-          </a:p>
-        </p:txBody>
-      </p:sp>
-      <p:sp>
-        <p:nvSpPr>
-          <p:cNvPr id="3" name="Marcador de contenido 2">
-            <a:extLst>
-              <a:ext uri="{FF2B5EF4-FFF2-40B4-BE49-F238E27FC236}">
-                <a16:creationId xmlns:a16="http://schemas.microsoft.com/office/drawing/2014/main" id="{B6732B76-27B9-4356-8666-57608C5D441B}"/>
-              </a:ext>
-            </a:extLst>
-          </p:cNvPr>
-          <p:cNvSpPr>
-            <a:spLocks noGrp="1"/>
-          </p:cNvSpPr>
-          <p:nvPr>
-            <p:ph idx="1"/>
-          </p:nvPr>
-        </p:nvSpPr>
-        <p:spPr/>
-        <p:txBody>
-          <a:bodyPr/>
-          <a:lstStyle/>
-          <a:p>
-            <a:endParaRPr lang="es-ES"/>
-          </a:p>
-        </p:txBody>
-      </p:sp>
-    </p:spTree>
-    <p:extLst>
-      <p:ext uri="{BB962C8B-B14F-4D97-AF65-F5344CB8AC3E}">
-        <p14:creationId xmlns:p14="http://schemas.microsoft.com/office/powerpoint/2010/main" val="2586806260"/>
       </p:ext>
     </p:extLst>
   </p:cSld>
@@ -16555,7 +17682,7 @@
           <p:cNvPr id="2" name="Título 1">
             <a:extLst>
               <a:ext uri="{FF2B5EF4-FFF2-40B4-BE49-F238E27FC236}">
-                <a16:creationId xmlns:a16="http://schemas.microsoft.com/office/drawing/2014/main" id="{5D1F1BAB-3A2D-4896-BBB2-BE3352857610}"/>
+                <a16:creationId xmlns:a16="http://schemas.microsoft.com/office/drawing/2014/main" id="{99629A13-BBCD-4675-B0AF-1422BC481D47}"/>
               </a:ext>
             </a:extLst>
           </p:cNvPr>
@@ -16573,7 +17700,7 @@
           <a:p>
             <a:r>
               <a:rPr lang="es-ES" dirty="0"/>
-              <a:t>Video</a:t>
+              <a:t>Índice</a:t>
             </a:r>
           </a:p>
         </p:txBody>
@@ -16583,7 +17710,7 @@
           <p:cNvPr id="3" name="Marcador de contenido 2">
             <a:extLst>
               <a:ext uri="{FF2B5EF4-FFF2-40B4-BE49-F238E27FC236}">
-                <a16:creationId xmlns:a16="http://schemas.microsoft.com/office/drawing/2014/main" id="{6923C868-5F19-4D46-B9A2-887B107F7953}"/>
+                <a16:creationId xmlns:a16="http://schemas.microsoft.com/office/drawing/2014/main" id="{19FDC435-2252-4AAA-B09D-7D31BF9DAC5B}"/>
               </a:ext>
             </a:extLst>
           </p:cNvPr>
@@ -16594,11 +17721,96 @@
             <p:ph idx="1"/>
           </p:nvPr>
         </p:nvSpPr>
+        <p:spPr>
+          <a:xfrm>
+            <a:off x="810000" y="2921620"/>
+            <a:ext cx="10554574" cy="3936380"/>
+          </a:xfrm>
+        </p:spPr>
+        <p:txBody>
+          <a:bodyPr>
+            <a:normAutofit fontScale="85000" lnSpcReduction="20000"/>
+          </a:bodyPr>
+          <a:lstStyle/>
+          <a:p>
+            <a:r>
+              <a:rPr lang="es-ES" sz="3600" dirty="0"/>
+              <a:t>Introducción</a:t>
+            </a:r>
+          </a:p>
+          <a:p>
+            <a:r>
+              <a:rPr lang="es-ES" sz="3600" dirty="0"/>
+              <a:t>Modelado del sistema</a:t>
+            </a:r>
+          </a:p>
+          <a:p>
+            <a:r>
+              <a:rPr lang="es-ES" sz="3600" dirty="0"/>
+              <a:t>Entorno tecnológico</a:t>
+            </a:r>
+          </a:p>
+          <a:p>
+            <a:r>
+              <a:rPr lang="es-ES" sz="3600" b="1" dirty="0"/>
+              <a:t>Descripción de la aplicación</a:t>
+            </a:r>
+          </a:p>
+          <a:p>
+            <a:r>
+              <a:rPr lang="es-ES" sz="3600" dirty="0"/>
+              <a:t>Pruebas</a:t>
+            </a:r>
+          </a:p>
+          <a:p>
+            <a:r>
+              <a:rPr lang="es-ES" sz="3600" dirty="0"/>
+              <a:t>Video</a:t>
+            </a:r>
+            <a:endParaRPr lang="es-ES" sz="3600" b="1" dirty="0"/>
+          </a:p>
+          <a:p>
+            <a:r>
+              <a:rPr lang="es-ES" sz="3600" dirty="0"/>
+              <a:t>Conclusiones</a:t>
+            </a:r>
+          </a:p>
+          <a:p>
+            <a:endParaRPr lang="es-ES" dirty="0"/>
+          </a:p>
+          <a:p>
+            <a:endParaRPr lang="es-ES" dirty="0"/>
+          </a:p>
+          <a:p>
+            <a:endParaRPr lang="es-ES" dirty="0"/>
+          </a:p>
+        </p:txBody>
+      </p:sp>
+      <p:sp>
+        <p:nvSpPr>
+          <p:cNvPr id="4" name="Marcador de número de diapositiva 3">
+            <a:extLst>
+              <a:ext uri="{FF2B5EF4-FFF2-40B4-BE49-F238E27FC236}">
+                <a16:creationId xmlns:a16="http://schemas.microsoft.com/office/drawing/2014/main" id="{4CB7E394-5AF0-4E29-912E-88635E0ECD2A}"/>
+              </a:ext>
+            </a:extLst>
+          </p:cNvPr>
+          <p:cNvSpPr>
+            <a:spLocks noGrp="1"/>
+          </p:cNvSpPr>
+          <p:nvPr>
+            <p:ph type="sldNum" sz="quarter" idx="12"/>
+          </p:nvPr>
+        </p:nvSpPr>
         <p:spPr/>
         <p:txBody>
           <a:bodyPr/>
           <a:lstStyle/>
           <a:p>
+            <a:fld id="{5452FDC3-B045-4A3B-9520-6737031B2C45}" type="slidenum">
+              <a:rPr lang="es-ES" smtClean="0"/>
+              <a:t>17</a:t>
+            </a:fld>
             <a:endParaRPr lang="es-ES" dirty="0"/>
           </a:p>
         </p:txBody>
@@ -16606,7 +17818,7 @@
     </p:spTree>
     <p:extLst>
       <p:ext uri="{BB962C8B-B14F-4D97-AF65-F5344CB8AC3E}">
-        <p14:creationId xmlns:p14="http://schemas.microsoft.com/office/powerpoint/2010/main" val="3875991642"/>
+        <p14:creationId xmlns:p14="http://schemas.microsoft.com/office/powerpoint/2010/main" val="2568551233"/>
       </p:ext>
     </p:extLst>
   </p:cSld>
@@ -16617,6 +17829,401 @@
 </file>
 
 <file path=ppt/slides/slide18.xml><?xml version="1.0" encoding="utf-8"?>
+<p:sld xmlns:a="http://schemas.openxmlformats.org/drawingml/2006/main" xmlns:r="http://schemas.openxmlformats.org/officeDocument/2006/relationships" xmlns:p="http://schemas.openxmlformats.org/presentationml/2006/main">
+  <p:cSld>
+    <p:bg>
+      <p:bgPr>
+        <a:solidFill>
+          <a:schemeClr val="bg2"/>
+        </a:solidFill>
+        <a:effectLst/>
+      </p:bgPr>
+    </p:bg>
+    <p:spTree>
+      <p:nvGrpSpPr>
+        <p:cNvPr id="1" name=""/>
+        <p:cNvGrpSpPr/>
+        <p:nvPr/>
+      </p:nvGrpSpPr>
+      <p:grpSpPr>
+        <a:xfrm>
+          <a:off x="0" y="0"/>
+          <a:ext cx="0" cy="0"/>
+          <a:chOff x="0" y="0"/>
+          <a:chExt cx="0" cy="0"/>
+        </a:xfrm>
+      </p:grpSpPr>
+      <p:sp>
+        <p:nvSpPr>
+          <p:cNvPr id="2" name="Título 1">
+            <a:extLst>
+              <a:ext uri="{FF2B5EF4-FFF2-40B4-BE49-F238E27FC236}">
+                <a16:creationId xmlns:a16="http://schemas.microsoft.com/office/drawing/2014/main" id="{F1570A21-69F7-488D-BC46-90DE033DFABB}"/>
+              </a:ext>
+            </a:extLst>
+          </p:cNvPr>
+          <p:cNvSpPr>
+            <a:spLocks noGrp="1"/>
+          </p:cNvSpPr>
+          <p:nvPr>
+            <p:ph type="title"/>
+          </p:nvPr>
+        </p:nvSpPr>
+        <p:spPr>
+          <a:xfrm>
+            <a:off x="810000" y="447188"/>
+            <a:ext cx="10571998" cy="970450"/>
+          </a:xfrm>
+        </p:spPr>
+        <p:txBody>
+          <a:bodyPr>
+            <a:normAutofit/>
+          </a:bodyPr>
+          <a:lstStyle/>
+          <a:p>
+            <a:r>
+              <a:rPr lang="es-ES" dirty="0"/>
+              <a:t>4. Descripción de la aplicación</a:t>
+            </a:r>
+          </a:p>
+        </p:txBody>
+      </p:sp>
+      <p:sp>
+        <p:nvSpPr>
+          <p:cNvPr id="4" name="Marcador de número de diapositiva 3">
+            <a:extLst>
+              <a:ext uri="{FF2B5EF4-FFF2-40B4-BE49-F238E27FC236}">
+                <a16:creationId xmlns:a16="http://schemas.microsoft.com/office/drawing/2014/main" id="{8FBE1191-78BF-444D-87A4-0C4158446DFB}"/>
+              </a:ext>
+            </a:extLst>
+          </p:cNvPr>
+          <p:cNvSpPr>
+            <a:spLocks noGrp="1"/>
+          </p:cNvSpPr>
+          <p:nvPr>
+            <p:ph type="sldNum" sz="quarter" idx="12"/>
+          </p:nvPr>
+        </p:nvSpPr>
+        <p:spPr>
+          <a:xfrm>
+            <a:off x="10317045" y="6129338"/>
+            <a:ext cx="1062155" cy="490599"/>
+          </a:xfrm>
+        </p:spPr>
+        <p:txBody>
+          <a:bodyPr>
+            <a:normAutofit/>
+          </a:bodyPr>
+          <a:lstStyle/>
+          <a:p>
+            <a:pPr>
+              <a:spcAft>
+                <a:spcPts val="600"/>
+              </a:spcAft>
+            </a:pPr>
+            <a:fld id="{5452FDC3-B045-4A3B-9520-6737031B2C45}" type="slidenum">
+              <a:rPr lang="es-ES" smtClean="0"/>
+              <a:pPr>
+                <a:spcAft>
+                  <a:spcPts val="600"/>
+                </a:spcAft>
+              </a:pPr>
+              <a:t>18</a:t>
+            </a:fld>
+            <a:endParaRPr lang="es-ES"/>
+          </a:p>
+        </p:txBody>
+      </p:sp>
+      <p:pic>
+        <p:nvPicPr>
+          <p:cNvPr id="6" name="Imagen 5" descr="Interfaz de usuario gráfica&#10;&#10;Descripción generada automáticamente">
+            <a:extLst>
+              <a:ext uri="{FF2B5EF4-FFF2-40B4-BE49-F238E27FC236}">
+                <a16:creationId xmlns:a16="http://schemas.microsoft.com/office/drawing/2014/main" id="{383BC53D-92BF-4FA6-8ACB-3C5060624609}"/>
+              </a:ext>
+            </a:extLst>
+          </p:cNvPr>
+          <p:cNvPicPr>
+            <a:picLocks noChangeAspect="1"/>
+          </p:cNvPicPr>
+          <p:nvPr/>
+        </p:nvPicPr>
+        <p:blipFill>
+          <a:blip r:embed="rId3">
+            <a:extLst>
+              <a:ext uri="{28A0092B-C50C-407E-A947-70E740481C1C}">
+                <a14:useLocalDpi xmlns:a14="http://schemas.microsoft.com/office/drawing/2010/main" val="0"/>
+              </a:ext>
+            </a:extLst>
+          </a:blip>
+          <a:stretch>
+            <a:fillRect/>
+          </a:stretch>
+        </p:blipFill>
+        <p:spPr>
+          <a:xfrm>
+            <a:off x="2447872" y="2341756"/>
+            <a:ext cx="7364806" cy="4069055"/>
+          </a:xfrm>
+          <a:prstGeom prst="roundRect">
+            <a:avLst>
+              <a:gd name="adj" fmla="val 3876"/>
+            </a:avLst>
+          </a:prstGeom>
+          <a:ln>
+            <a:solidFill>
+              <a:schemeClr val="accent1"/>
+            </a:solidFill>
+          </a:ln>
+          <a:effectLst/>
+        </p:spPr>
+      </p:pic>
+    </p:spTree>
+    <p:extLst>
+      <p:ext uri="{BB962C8B-B14F-4D97-AF65-F5344CB8AC3E}">
+        <p14:creationId xmlns:p14="http://schemas.microsoft.com/office/powerpoint/2010/main" val="3700689250"/>
+      </p:ext>
+    </p:extLst>
+  </p:cSld>
+  <p:clrMapOvr>
+    <a:masterClrMapping/>
+  </p:clrMapOvr>
+</p:sld>
+</file>
+
+<file path=ppt/slides/slide19.xml><?xml version="1.0" encoding="utf-8"?>
+<p:sld xmlns:a="http://schemas.openxmlformats.org/drawingml/2006/main" xmlns:r="http://schemas.openxmlformats.org/officeDocument/2006/relationships" xmlns:p="http://schemas.openxmlformats.org/presentationml/2006/main">
+  <p:cSld>
+    <p:bg>
+      <p:bgPr>
+        <a:solidFill>
+          <a:schemeClr val="bg2"/>
+        </a:solidFill>
+        <a:effectLst/>
+      </p:bgPr>
+    </p:bg>
+    <p:spTree>
+      <p:nvGrpSpPr>
+        <p:cNvPr id="1" name=""/>
+        <p:cNvGrpSpPr/>
+        <p:nvPr/>
+      </p:nvGrpSpPr>
+      <p:grpSpPr>
+        <a:xfrm>
+          <a:off x="0" y="0"/>
+          <a:ext cx="0" cy="0"/>
+          <a:chOff x="0" y="0"/>
+          <a:chExt cx="0" cy="0"/>
+        </a:xfrm>
+      </p:grpSpPr>
+      <p:sp>
+        <p:nvSpPr>
+          <p:cNvPr id="2" name="Título 1">
+            <a:extLst>
+              <a:ext uri="{FF2B5EF4-FFF2-40B4-BE49-F238E27FC236}">
+                <a16:creationId xmlns:a16="http://schemas.microsoft.com/office/drawing/2014/main" id="{F1570A21-69F7-488D-BC46-90DE033DFABB}"/>
+              </a:ext>
+            </a:extLst>
+          </p:cNvPr>
+          <p:cNvSpPr>
+            <a:spLocks noGrp="1"/>
+          </p:cNvSpPr>
+          <p:nvPr>
+            <p:ph type="title"/>
+          </p:nvPr>
+        </p:nvSpPr>
+        <p:spPr>
+          <a:xfrm>
+            <a:off x="810000" y="447188"/>
+            <a:ext cx="10571998" cy="970450"/>
+          </a:xfrm>
+        </p:spPr>
+        <p:txBody>
+          <a:bodyPr>
+            <a:normAutofit/>
+          </a:bodyPr>
+          <a:lstStyle/>
+          <a:p>
+            <a:r>
+              <a:rPr lang="es-ES" sz="3700"/>
+              <a:t>4. Descripción de la aplicación: Información</a:t>
+            </a:r>
+          </a:p>
+        </p:txBody>
+      </p:sp>
+      <p:sp>
+        <p:nvSpPr>
+          <p:cNvPr id="3" name="Marcador de contenido 2">
+            <a:extLst>
+              <a:ext uri="{FF2B5EF4-FFF2-40B4-BE49-F238E27FC236}">
+                <a16:creationId xmlns:a16="http://schemas.microsoft.com/office/drawing/2014/main" id="{4BC22BB4-4C23-4D7D-AE05-031D32321ECD}"/>
+              </a:ext>
+            </a:extLst>
+          </p:cNvPr>
+          <p:cNvSpPr>
+            <a:spLocks noGrp="1"/>
+          </p:cNvSpPr>
+          <p:nvPr>
+            <p:ph idx="1"/>
+          </p:nvPr>
+        </p:nvSpPr>
+        <p:spPr>
+          <a:xfrm>
+            <a:off x="818713" y="2413000"/>
+            <a:ext cx="3835583" cy="3632200"/>
+          </a:xfrm>
+        </p:spPr>
+        <p:txBody>
+          <a:bodyPr>
+            <a:normAutofit/>
+          </a:bodyPr>
+          <a:lstStyle/>
+          <a:p>
+            <a:r>
+              <a:rPr lang="es-ES" sz="2000" dirty="0"/>
+              <a:t>Información</a:t>
+            </a:r>
+          </a:p>
+          <a:p>
+            <a:pPr lvl="1"/>
+            <a:r>
+              <a:rPr lang="es-ES" sz="1800" dirty="0"/>
+              <a:t>Número de toques</a:t>
+            </a:r>
+          </a:p>
+          <a:p>
+            <a:pPr lvl="1"/>
+            <a:r>
+              <a:rPr lang="es-ES" sz="1800" dirty="0"/>
+              <a:t>Cronómetro.</a:t>
+            </a:r>
+          </a:p>
+          <a:p>
+            <a:r>
+              <a:rPr lang="es-ES" sz="2000" dirty="0"/>
+              <a:t>Vueltas</a:t>
+            </a:r>
+          </a:p>
+          <a:p>
+            <a:pPr lvl="1"/>
+            <a:r>
+              <a:rPr lang="es-ES" sz="1800" dirty="0"/>
+              <a:t>Número de toques por vuelta.</a:t>
+            </a:r>
+          </a:p>
+          <a:p>
+            <a:pPr lvl="1"/>
+            <a:r>
+              <a:rPr lang="es-ES" sz="1800" dirty="0"/>
+              <a:t>Tiempo en dar la vuelta.</a:t>
+            </a:r>
+          </a:p>
+        </p:txBody>
+      </p:sp>
+      <p:sp>
+        <p:nvSpPr>
+          <p:cNvPr id="4" name="Marcador de número de diapositiva 3">
+            <a:extLst>
+              <a:ext uri="{FF2B5EF4-FFF2-40B4-BE49-F238E27FC236}">
+                <a16:creationId xmlns:a16="http://schemas.microsoft.com/office/drawing/2014/main" id="{8FBE1191-78BF-444D-87A4-0C4158446DFB}"/>
+              </a:ext>
+            </a:extLst>
+          </p:cNvPr>
+          <p:cNvSpPr>
+            <a:spLocks noGrp="1"/>
+          </p:cNvSpPr>
+          <p:nvPr>
+            <p:ph type="sldNum" sz="quarter" idx="12"/>
+          </p:nvPr>
+        </p:nvSpPr>
+        <p:spPr>
+          <a:xfrm>
+            <a:off x="10317045" y="6129338"/>
+            <a:ext cx="1062155" cy="490599"/>
+          </a:xfrm>
+        </p:spPr>
+        <p:txBody>
+          <a:bodyPr>
+            <a:normAutofit/>
+          </a:bodyPr>
+          <a:lstStyle/>
+          <a:p>
+            <a:pPr>
+              <a:spcAft>
+                <a:spcPts val="600"/>
+              </a:spcAft>
+            </a:pPr>
+            <a:fld id="{5452FDC3-B045-4A3B-9520-6737031B2C45}" type="slidenum">
+              <a:rPr lang="es-ES" smtClean="0"/>
+              <a:pPr>
+                <a:spcAft>
+                  <a:spcPts val="600"/>
+                </a:spcAft>
+              </a:pPr>
+              <a:t>19</a:t>
+            </a:fld>
+            <a:endParaRPr lang="es-ES"/>
+          </a:p>
+        </p:txBody>
+      </p:sp>
+      <p:pic>
+        <p:nvPicPr>
+          <p:cNvPr id="6" name="Imagen 5" descr="Imagen que contiene Interfaz de usuario gráfica&#10;&#10;Descripción generada automáticamente">
+            <a:extLst>
+              <a:ext uri="{FF2B5EF4-FFF2-40B4-BE49-F238E27FC236}">
+                <a16:creationId xmlns:a16="http://schemas.microsoft.com/office/drawing/2014/main" id="{8F334AC0-BA2C-4018-8029-6C66E3B5B400}"/>
+              </a:ext>
+            </a:extLst>
+          </p:cNvPr>
+          <p:cNvPicPr>
+            <a:picLocks noChangeAspect="1"/>
+          </p:cNvPicPr>
+          <p:nvPr/>
+        </p:nvPicPr>
+        <p:blipFill>
+          <a:blip r:embed="rId3">
+            <a:extLst>
+              <a:ext uri="{28A0092B-C50C-407E-A947-70E740481C1C}">
+                <a14:useLocalDpi xmlns:a14="http://schemas.microsoft.com/office/drawing/2010/main" val="0"/>
+              </a:ext>
+            </a:extLst>
+          </a:blip>
+          <a:stretch>
+            <a:fillRect/>
+          </a:stretch>
+        </p:blipFill>
+        <p:spPr>
+          <a:xfrm>
+            <a:off x="5101851" y="2826823"/>
+            <a:ext cx="6277349" cy="2888692"/>
+          </a:xfrm>
+          <a:prstGeom prst="roundRect">
+            <a:avLst>
+              <a:gd name="adj" fmla="val 3876"/>
+            </a:avLst>
+          </a:prstGeom>
+          <a:ln>
+            <a:solidFill>
+              <a:schemeClr val="accent1"/>
+            </a:solidFill>
+          </a:ln>
+          <a:effectLst/>
+        </p:spPr>
+      </p:pic>
+    </p:spTree>
+    <p:extLst>
+      <p:ext uri="{BB962C8B-B14F-4D97-AF65-F5344CB8AC3E}">
+        <p14:creationId xmlns:p14="http://schemas.microsoft.com/office/powerpoint/2010/main" val="3426221640"/>
+      </p:ext>
+    </p:extLst>
+  </p:cSld>
+  <p:clrMapOvr>
+    <a:masterClrMapping/>
+  </p:clrMapOvr>
+</p:sld>
+</file>
+
+<file path=ppt/slides/slide2.xml><?xml version="1.0" encoding="utf-8"?>
 <p:sld xmlns:a="http://schemas.openxmlformats.org/drawingml/2006/main" xmlns:r="http://schemas.openxmlformats.org/officeDocument/2006/relationships" xmlns:p="http://schemas.openxmlformats.org/presentationml/2006/main">
   <p:cSld>
     <p:spTree>
@@ -16638,7 +18245,7 @@
           <p:cNvPr id="2" name="Título 1">
             <a:extLst>
               <a:ext uri="{FF2B5EF4-FFF2-40B4-BE49-F238E27FC236}">
-                <a16:creationId xmlns:a16="http://schemas.microsoft.com/office/drawing/2014/main" id="{BCAAC17A-9891-4919-982E-93CF89D25419}"/>
+                <a16:creationId xmlns:a16="http://schemas.microsoft.com/office/drawing/2014/main" id="{99629A13-BBCD-4675-B0AF-1422BC481D47}"/>
               </a:ext>
             </a:extLst>
           </p:cNvPr>
@@ -16656,7 +18263,7 @@
           <a:p>
             <a:r>
               <a:rPr lang="es-ES" dirty="0"/>
-              <a:t>Conclusiones</a:t>
+              <a:t>Índice</a:t>
             </a:r>
           </a:p>
         </p:txBody>
@@ -16666,7 +18273,7 @@
           <p:cNvPr id="3" name="Marcador de contenido 2">
             <a:extLst>
               <a:ext uri="{FF2B5EF4-FFF2-40B4-BE49-F238E27FC236}">
-                <a16:creationId xmlns:a16="http://schemas.microsoft.com/office/drawing/2014/main" id="{C117F27F-1936-4BF0-8D8C-E60D5BF86370}"/>
+                <a16:creationId xmlns:a16="http://schemas.microsoft.com/office/drawing/2014/main" id="{19FDC435-2252-4AAA-B09D-7D31BF9DAC5B}"/>
               </a:ext>
             </a:extLst>
           </p:cNvPr>
@@ -16677,19 +18284,104 @@
             <p:ph idx="1"/>
           </p:nvPr>
         </p:nvSpPr>
+        <p:spPr>
+          <a:xfrm>
+            <a:off x="810000" y="2921620"/>
+            <a:ext cx="10554574" cy="3936380"/>
+          </a:xfrm>
+        </p:spPr>
+        <p:txBody>
+          <a:bodyPr>
+            <a:normAutofit fontScale="85000" lnSpcReduction="20000"/>
+          </a:bodyPr>
+          <a:lstStyle/>
+          <a:p>
+            <a:r>
+              <a:rPr lang="es-ES" sz="3600" b="1" dirty="0"/>
+              <a:t>Introducción</a:t>
+            </a:r>
+          </a:p>
+          <a:p>
+            <a:r>
+              <a:rPr lang="es-ES" sz="3600" dirty="0"/>
+              <a:t>Modelado del sistema</a:t>
+            </a:r>
+          </a:p>
+          <a:p>
+            <a:r>
+              <a:rPr lang="es-ES" sz="3600" dirty="0"/>
+              <a:t>Entorno tecnológico</a:t>
+            </a:r>
+          </a:p>
+          <a:p>
+            <a:r>
+              <a:rPr lang="es-ES" sz="3600" dirty="0"/>
+              <a:t>Descripción de la aplicación</a:t>
+            </a:r>
+          </a:p>
+          <a:p>
+            <a:r>
+              <a:rPr lang="es-ES" sz="3600" dirty="0"/>
+              <a:t>Pruebas</a:t>
+            </a:r>
+          </a:p>
+          <a:p>
+            <a:r>
+              <a:rPr lang="es-ES" sz="3600" dirty="0"/>
+              <a:t>Video</a:t>
+            </a:r>
+            <a:endParaRPr lang="es-ES" sz="3600" b="1" dirty="0"/>
+          </a:p>
+          <a:p>
+            <a:r>
+              <a:rPr lang="es-ES" sz="3600" dirty="0"/>
+              <a:t>Conclusiones</a:t>
+            </a:r>
+          </a:p>
+          <a:p>
+            <a:endParaRPr lang="es-ES" dirty="0"/>
+          </a:p>
+          <a:p>
+            <a:endParaRPr lang="es-ES" dirty="0"/>
+          </a:p>
+          <a:p>
+            <a:endParaRPr lang="es-ES" dirty="0"/>
+          </a:p>
+        </p:txBody>
+      </p:sp>
+      <p:sp>
+        <p:nvSpPr>
+          <p:cNvPr id="4" name="Marcador de número de diapositiva 3">
+            <a:extLst>
+              <a:ext uri="{FF2B5EF4-FFF2-40B4-BE49-F238E27FC236}">
+                <a16:creationId xmlns:a16="http://schemas.microsoft.com/office/drawing/2014/main" id="{4CB7E394-5AF0-4E29-912E-88635E0ECD2A}"/>
+              </a:ext>
+            </a:extLst>
+          </p:cNvPr>
+          <p:cNvSpPr>
+            <a:spLocks noGrp="1"/>
+          </p:cNvSpPr>
+          <p:nvPr>
+            <p:ph type="sldNum" sz="quarter" idx="12"/>
+          </p:nvPr>
+        </p:nvSpPr>
         <p:spPr/>
         <p:txBody>
           <a:bodyPr/>
           <a:lstStyle/>
           <a:p>
-            <a:endParaRPr lang="es-ES"/>
+            <a:fld id="{5452FDC3-B045-4A3B-9520-6737031B2C45}" type="slidenum">
+              <a:rPr lang="es-ES" smtClean="0"/>
+              <a:t>2</a:t>
+            </a:fld>
+            <a:endParaRPr lang="es-ES" dirty="0"/>
           </a:p>
         </p:txBody>
       </p:sp>
     </p:spTree>
     <p:extLst>
       <p:ext uri="{BB962C8B-B14F-4D97-AF65-F5344CB8AC3E}">
-        <p14:creationId xmlns:p14="http://schemas.microsoft.com/office/powerpoint/2010/main" val="2020336755"/>
+        <p14:creationId xmlns:p14="http://schemas.microsoft.com/office/powerpoint/2010/main" val="59324365"/>
       </p:ext>
     </p:extLst>
   </p:cSld>
@@ -16699,7 +18391,420 @@
 </p:sld>
 </file>
 
-<file path=ppt/slides/slide19.xml><?xml version="1.0" encoding="utf-8"?>
+<file path=ppt/slides/slide20.xml><?xml version="1.0" encoding="utf-8"?>
+<p:sld xmlns:a="http://schemas.openxmlformats.org/drawingml/2006/main" xmlns:r="http://schemas.openxmlformats.org/officeDocument/2006/relationships" xmlns:p="http://schemas.openxmlformats.org/presentationml/2006/main">
+  <p:cSld>
+    <p:bg>
+      <p:bgPr>
+        <a:solidFill>
+          <a:schemeClr val="bg2"/>
+        </a:solidFill>
+        <a:effectLst/>
+      </p:bgPr>
+    </p:bg>
+    <p:spTree>
+      <p:nvGrpSpPr>
+        <p:cNvPr id="1" name=""/>
+        <p:cNvGrpSpPr/>
+        <p:nvPr/>
+      </p:nvGrpSpPr>
+      <p:grpSpPr>
+        <a:xfrm>
+          <a:off x="0" y="0"/>
+          <a:ext cx="0" cy="0"/>
+          <a:chOff x="0" y="0"/>
+          <a:chExt cx="0" cy="0"/>
+        </a:xfrm>
+      </p:grpSpPr>
+      <p:sp>
+        <p:nvSpPr>
+          <p:cNvPr id="2" name="Título 1">
+            <a:extLst>
+              <a:ext uri="{FF2B5EF4-FFF2-40B4-BE49-F238E27FC236}">
+                <a16:creationId xmlns:a16="http://schemas.microsoft.com/office/drawing/2014/main" id="{F1570A21-69F7-488D-BC46-90DE033DFABB}"/>
+              </a:ext>
+            </a:extLst>
+          </p:cNvPr>
+          <p:cNvSpPr>
+            <a:spLocks noGrp="1"/>
+          </p:cNvSpPr>
+          <p:nvPr>
+            <p:ph type="title"/>
+          </p:nvPr>
+        </p:nvSpPr>
+        <p:spPr>
+          <a:xfrm>
+            <a:off x="810000" y="447188"/>
+            <a:ext cx="10571998" cy="970450"/>
+          </a:xfrm>
+        </p:spPr>
+        <p:txBody>
+          <a:bodyPr>
+            <a:normAutofit/>
+          </a:bodyPr>
+          <a:lstStyle/>
+          <a:p>
+            <a:r>
+              <a:rPr lang="es-ES"/>
+              <a:t>4. Descripción de la aplicación: Entradas</a:t>
+            </a:r>
+          </a:p>
+        </p:txBody>
+      </p:sp>
+      <p:sp>
+        <p:nvSpPr>
+          <p:cNvPr id="3" name="Marcador de contenido 2">
+            <a:extLst>
+              <a:ext uri="{FF2B5EF4-FFF2-40B4-BE49-F238E27FC236}">
+                <a16:creationId xmlns:a16="http://schemas.microsoft.com/office/drawing/2014/main" id="{4BC22BB4-4C23-4D7D-AE05-031D32321ECD}"/>
+              </a:ext>
+            </a:extLst>
+          </p:cNvPr>
+          <p:cNvSpPr>
+            <a:spLocks noGrp="1"/>
+          </p:cNvSpPr>
+          <p:nvPr>
+            <p:ph idx="1"/>
+          </p:nvPr>
+        </p:nvSpPr>
+        <p:spPr>
+          <a:xfrm>
+            <a:off x="818713" y="2413000"/>
+            <a:ext cx="4199336" cy="3632200"/>
+          </a:xfrm>
+        </p:spPr>
+        <p:txBody>
+          <a:bodyPr>
+            <a:normAutofit/>
+          </a:bodyPr>
+          <a:lstStyle/>
+          <a:p>
+            <a:r>
+              <a:rPr lang="es-ES" sz="2000" dirty="0"/>
+              <a:t>Geometría del robot.</a:t>
+            </a:r>
+          </a:p>
+          <a:p>
+            <a:r>
+              <a:rPr lang="es-ES" sz="2000" dirty="0"/>
+              <a:t>Añadir circuito y comenzarlo.</a:t>
+            </a:r>
+          </a:p>
+        </p:txBody>
+      </p:sp>
+      <p:sp>
+        <p:nvSpPr>
+          <p:cNvPr id="4" name="Marcador de número de diapositiva 3">
+            <a:extLst>
+              <a:ext uri="{FF2B5EF4-FFF2-40B4-BE49-F238E27FC236}">
+                <a16:creationId xmlns:a16="http://schemas.microsoft.com/office/drawing/2014/main" id="{8FBE1191-78BF-444D-87A4-0C4158446DFB}"/>
+              </a:ext>
+            </a:extLst>
+          </p:cNvPr>
+          <p:cNvSpPr>
+            <a:spLocks noGrp="1"/>
+          </p:cNvSpPr>
+          <p:nvPr>
+            <p:ph type="sldNum" sz="quarter" idx="12"/>
+          </p:nvPr>
+        </p:nvSpPr>
+        <p:spPr>
+          <a:xfrm>
+            <a:off x="10317045" y="6129338"/>
+            <a:ext cx="1062155" cy="490599"/>
+          </a:xfrm>
+        </p:spPr>
+        <p:txBody>
+          <a:bodyPr>
+            <a:normAutofit/>
+          </a:bodyPr>
+          <a:lstStyle/>
+          <a:p>
+            <a:pPr>
+              <a:spcAft>
+                <a:spcPts val="600"/>
+              </a:spcAft>
+            </a:pPr>
+            <a:fld id="{5452FDC3-B045-4A3B-9520-6737031B2C45}" type="slidenum">
+              <a:rPr lang="es-ES" smtClean="0"/>
+              <a:pPr>
+                <a:spcAft>
+                  <a:spcPts val="600"/>
+                </a:spcAft>
+              </a:pPr>
+              <a:t>20</a:t>
+            </a:fld>
+            <a:endParaRPr lang="es-ES"/>
+          </a:p>
+        </p:txBody>
+      </p:sp>
+      <p:pic>
+        <p:nvPicPr>
+          <p:cNvPr id="8" name="Imagen 7" descr="Interfaz de usuario gráfica, Texto, Aplicación, Correo electrónico&#10;&#10;Descripción generada automáticamente">
+            <a:extLst>
+              <a:ext uri="{FF2B5EF4-FFF2-40B4-BE49-F238E27FC236}">
+                <a16:creationId xmlns:a16="http://schemas.microsoft.com/office/drawing/2014/main" id="{41BD3E6C-6F76-44BF-849A-18AA8852F7E9}"/>
+              </a:ext>
+            </a:extLst>
+          </p:cNvPr>
+          <p:cNvPicPr>
+            <a:picLocks noChangeAspect="1"/>
+          </p:cNvPicPr>
+          <p:nvPr/>
+        </p:nvPicPr>
+        <p:blipFill>
+          <a:blip r:embed="rId3">
+            <a:extLst>
+              <a:ext uri="{28A0092B-C50C-407E-A947-70E740481C1C}">
+                <a14:useLocalDpi xmlns:a14="http://schemas.microsoft.com/office/drawing/2010/main" val="0"/>
+              </a:ext>
+            </a:extLst>
+          </a:blip>
+          <a:stretch>
+            <a:fillRect/>
+          </a:stretch>
+        </p:blipFill>
+        <p:spPr>
+          <a:xfrm>
+            <a:off x="5425118" y="2413000"/>
+            <a:ext cx="5630815" cy="3716338"/>
+          </a:xfrm>
+          <a:prstGeom prst="roundRect">
+            <a:avLst>
+              <a:gd name="adj" fmla="val 3876"/>
+            </a:avLst>
+          </a:prstGeom>
+          <a:ln>
+            <a:solidFill>
+              <a:schemeClr val="accent1"/>
+            </a:solidFill>
+          </a:ln>
+          <a:effectLst/>
+        </p:spPr>
+      </p:pic>
+    </p:spTree>
+    <p:extLst>
+      <p:ext uri="{BB962C8B-B14F-4D97-AF65-F5344CB8AC3E}">
+        <p14:creationId xmlns:p14="http://schemas.microsoft.com/office/powerpoint/2010/main" val="1308325122"/>
+      </p:ext>
+    </p:extLst>
+  </p:cSld>
+  <p:clrMapOvr>
+    <a:masterClrMapping/>
+  </p:clrMapOvr>
+</p:sld>
+</file>
+
+<file path=ppt/slides/slide21.xml><?xml version="1.0" encoding="utf-8"?>
+<p:sld xmlns:a="http://schemas.openxmlformats.org/drawingml/2006/main" xmlns:r="http://schemas.openxmlformats.org/officeDocument/2006/relationships" xmlns:p="http://schemas.openxmlformats.org/presentationml/2006/main">
+  <p:cSld>
+    <p:bg>
+      <p:bgPr>
+        <a:solidFill>
+          <a:schemeClr val="bg2"/>
+        </a:solidFill>
+        <a:effectLst/>
+      </p:bgPr>
+    </p:bg>
+    <p:spTree>
+      <p:nvGrpSpPr>
+        <p:cNvPr id="1" name=""/>
+        <p:cNvGrpSpPr/>
+        <p:nvPr/>
+      </p:nvGrpSpPr>
+      <p:grpSpPr>
+        <a:xfrm>
+          <a:off x="0" y="0"/>
+          <a:ext cx="0" cy="0"/>
+          <a:chOff x="0" y="0"/>
+          <a:chExt cx="0" cy="0"/>
+        </a:xfrm>
+      </p:grpSpPr>
+      <p:sp>
+        <p:nvSpPr>
+          <p:cNvPr id="2" name="Título 1">
+            <a:extLst>
+              <a:ext uri="{FF2B5EF4-FFF2-40B4-BE49-F238E27FC236}">
+                <a16:creationId xmlns:a16="http://schemas.microsoft.com/office/drawing/2014/main" id="{F1570A21-69F7-488D-BC46-90DE033DFABB}"/>
+              </a:ext>
+            </a:extLst>
+          </p:cNvPr>
+          <p:cNvSpPr>
+            <a:spLocks noGrp="1"/>
+          </p:cNvSpPr>
+          <p:nvPr>
+            <p:ph type="title"/>
+          </p:nvPr>
+        </p:nvSpPr>
+        <p:spPr>
+          <a:xfrm>
+            <a:off x="810000" y="447188"/>
+            <a:ext cx="10571998" cy="970450"/>
+          </a:xfrm>
+        </p:spPr>
+        <p:txBody>
+          <a:bodyPr>
+            <a:normAutofit/>
+          </a:bodyPr>
+          <a:lstStyle/>
+          <a:p>
+            <a:r>
+              <a:rPr lang="es-ES"/>
+              <a:t>4. Descripción de la aplicación: </a:t>
+            </a:r>
+            <a:r>
+              <a:rPr lang="es-ES" err="1"/>
+              <a:t>Viewport</a:t>
+            </a:r>
+            <a:endParaRPr lang="es-ES"/>
+          </a:p>
+        </p:txBody>
+      </p:sp>
+      <p:sp>
+        <p:nvSpPr>
+          <p:cNvPr id="3" name="Marcador de contenido 2">
+            <a:extLst>
+              <a:ext uri="{FF2B5EF4-FFF2-40B4-BE49-F238E27FC236}">
+                <a16:creationId xmlns:a16="http://schemas.microsoft.com/office/drawing/2014/main" id="{4BC22BB4-4C23-4D7D-AE05-031D32321ECD}"/>
+              </a:ext>
+            </a:extLst>
+          </p:cNvPr>
+          <p:cNvSpPr>
+            <a:spLocks noGrp="1"/>
+          </p:cNvSpPr>
+          <p:nvPr>
+            <p:ph idx="1"/>
+          </p:nvPr>
+        </p:nvSpPr>
+        <p:spPr>
+          <a:xfrm>
+            <a:off x="818713" y="2413000"/>
+            <a:ext cx="4935316" cy="3632200"/>
+          </a:xfrm>
+        </p:spPr>
+        <p:txBody>
+          <a:bodyPr>
+            <a:normAutofit/>
+          </a:bodyPr>
+          <a:lstStyle/>
+          <a:p>
+            <a:r>
+              <a:rPr lang="es-ES" sz="2000" dirty="0"/>
+              <a:t>Visualización del vehículo.</a:t>
+            </a:r>
+          </a:p>
+          <a:p>
+            <a:r>
+              <a:rPr lang="es-ES" sz="2000" dirty="0"/>
+              <a:t>Cambio de cámaras</a:t>
+            </a:r>
+          </a:p>
+        </p:txBody>
+      </p:sp>
+      <p:sp>
+        <p:nvSpPr>
+          <p:cNvPr id="4" name="Marcador de número de diapositiva 3">
+            <a:extLst>
+              <a:ext uri="{FF2B5EF4-FFF2-40B4-BE49-F238E27FC236}">
+                <a16:creationId xmlns:a16="http://schemas.microsoft.com/office/drawing/2014/main" id="{8FBE1191-78BF-444D-87A4-0C4158446DFB}"/>
+              </a:ext>
+            </a:extLst>
+          </p:cNvPr>
+          <p:cNvSpPr>
+            <a:spLocks noGrp="1"/>
+          </p:cNvSpPr>
+          <p:nvPr>
+            <p:ph type="sldNum" sz="quarter" idx="12"/>
+          </p:nvPr>
+        </p:nvSpPr>
+        <p:spPr>
+          <a:xfrm>
+            <a:off x="10317045" y="6129338"/>
+            <a:ext cx="1062155" cy="490599"/>
+          </a:xfrm>
+        </p:spPr>
+        <p:txBody>
+          <a:bodyPr>
+            <a:normAutofit/>
+          </a:bodyPr>
+          <a:lstStyle/>
+          <a:p>
+            <a:pPr>
+              <a:spcAft>
+                <a:spcPts val="600"/>
+              </a:spcAft>
+            </a:pPr>
+            <a:fld id="{5452FDC3-B045-4A3B-9520-6737031B2C45}" type="slidenum">
+              <a:rPr lang="es-ES" smtClean="0"/>
+              <a:pPr>
+                <a:spcAft>
+                  <a:spcPts val="600"/>
+                </a:spcAft>
+              </a:pPr>
+              <a:t>21</a:t>
+            </a:fld>
+            <a:endParaRPr lang="es-ES"/>
+          </a:p>
+        </p:txBody>
+      </p:sp>
+      <p:pic>
+        <p:nvPicPr>
+          <p:cNvPr id="8" name="Imagen 7" descr="Interfaz de usuario gráfica, Aplicación&#10;&#10;Descripción generada automáticamente">
+            <a:extLst>
+              <a:ext uri="{FF2B5EF4-FFF2-40B4-BE49-F238E27FC236}">
+                <a16:creationId xmlns:a16="http://schemas.microsoft.com/office/drawing/2014/main" id="{3C49B3F5-CD0F-4FCA-B86A-FD7F11212D48}"/>
+              </a:ext>
+            </a:extLst>
+          </p:cNvPr>
+          <p:cNvPicPr>
+            <a:picLocks noChangeAspect="1"/>
+          </p:cNvPicPr>
+          <p:nvPr/>
+        </p:nvPicPr>
+        <p:blipFill>
+          <a:blip r:embed="rId3">
+            <a:extLst>
+              <a:ext uri="{28A0092B-C50C-407E-A947-70E740481C1C}">
+                <a14:useLocalDpi xmlns:a14="http://schemas.microsoft.com/office/drawing/2010/main" val="0"/>
+              </a:ext>
+            </a:extLst>
+          </a:blip>
+          <a:stretch>
+            <a:fillRect/>
+          </a:stretch>
+        </p:blipFill>
+        <p:spPr>
+          <a:xfrm>
+            <a:off x="6258479" y="2413000"/>
+            <a:ext cx="3964093" cy="3716338"/>
+          </a:xfrm>
+          <a:prstGeom prst="roundRect">
+            <a:avLst>
+              <a:gd name="adj" fmla="val 3876"/>
+            </a:avLst>
+          </a:prstGeom>
+          <a:ln>
+            <a:solidFill>
+              <a:schemeClr val="accent1"/>
+            </a:solidFill>
+          </a:ln>
+          <a:effectLst/>
+        </p:spPr>
+      </p:pic>
+    </p:spTree>
+    <p:extLst>
+      <p:ext uri="{BB962C8B-B14F-4D97-AF65-F5344CB8AC3E}">
+        <p14:creationId xmlns:p14="http://schemas.microsoft.com/office/powerpoint/2010/main" val="1214538851"/>
+      </p:ext>
+    </p:extLst>
+  </p:cSld>
+  <p:clrMapOvr>
+    <a:masterClrMapping/>
+  </p:clrMapOvr>
+</p:sld>
+</file>
+
+<file path=ppt/slides/slide22.xml><?xml version="1.0" encoding="utf-8"?>
 <p:sld xmlns:a="http://schemas.openxmlformats.org/drawingml/2006/main" xmlns:r="http://schemas.openxmlformats.org/officeDocument/2006/relationships" xmlns:p="http://schemas.openxmlformats.org/presentationml/2006/main">
   <p:cSld>
     <p:spTree>
@@ -16721,6 +18826,844 @@
           <p:cNvPr id="2" name="Título 1">
             <a:extLst>
               <a:ext uri="{FF2B5EF4-FFF2-40B4-BE49-F238E27FC236}">
+                <a16:creationId xmlns:a16="http://schemas.microsoft.com/office/drawing/2014/main" id="{99629A13-BBCD-4675-B0AF-1422BC481D47}"/>
+              </a:ext>
+            </a:extLst>
+          </p:cNvPr>
+          <p:cNvSpPr>
+            <a:spLocks noGrp="1"/>
+          </p:cNvSpPr>
+          <p:nvPr>
+            <p:ph type="title"/>
+          </p:nvPr>
+        </p:nvSpPr>
+        <p:spPr/>
+        <p:txBody>
+          <a:bodyPr/>
+          <a:lstStyle/>
+          <a:p>
+            <a:r>
+              <a:rPr lang="es-ES" dirty="0"/>
+              <a:t>Índice</a:t>
+            </a:r>
+          </a:p>
+        </p:txBody>
+      </p:sp>
+      <p:sp>
+        <p:nvSpPr>
+          <p:cNvPr id="3" name="Marcador de contenido 2">
+            <a:extLst>
+              <a:ext uri="{FF2B5EF4-FFF2-40B4-BE49-F238E27FC236}">
+                <a16:creationId xmlns:a16="http://schemas.microsoft.com/office/drawing/2014/main" id="{19FDC435-2252-4AAA-B09D-7D31BF9DAC5B}"/>
+              </a:ext>
+            </a:extLst>
+          </p:cNvPr>
+          <p:cNvSpPr>
+            <a:spLocks noGrp="1"/>
+          </p:cNvSpPr>
+          <p:nvPr>
+            <p:ph idx="1"/>
+          </p:nvPr>
+        </p:nvSpPr>
+        <p:spPr>
+          <a:xfrm>
+            <a:off x="810000" y="2921620"/>
+            <a:ext cx="10554574" cy="3936380"/>
+          </a:xfrm>
+        </p:spPr>
+        <p:txBody>
+          <a:bodyPr>
+            <a:normAutofit fontScale="85000" lnSpcReduction="20000"/>
+          </a:bodyPr>
+          <a:lstStyle/>
+          <a:p>
+            <a:r>
+              <a:rPr lang="es-ES" sz="3600" dirty="0"/>
+              <a:t>Introducción</a:t>
+            </a:r>
+          </a:p>
+          <a:p>
+            <a:r>
+              <a:rPr lang="es-ES" sz="3600" dirty="0"/>
+              <a:t>Modelado del sistema</a:t>
+            </a:r>
+          </a:p>
+          <a:p>
+            <a:r>
+              <a:rPr lang="es-ES" sz="3600" dirty="0"/>
+              <a:t>Entorno tecnológico</a:t>
+            </a:r>
+          </a:p>
+          <a:p>
+            <a:r>
+              <a:rPr lang="es-ES" sz="3600" dirty="0"/>
+              <a:t>Descripción de la aplicación</a:t>
+            </a:r>
+          </a:p>
+          <a:p>
+            <a:r>
+              <a:rPr lang="es-ES" sz="3600" b="1" dirty="0"/>
+              <a:t>Pruebas</a:t>
+            </a:r>
+          </a:p>
+          <a:p>
+            <a:r>
+              <a:rPr lang="es-ES" sz="3600" dirty="0"/>
+              <a:t>Video</a:t>
+            </a:r>
+            <a:endParaRPr lang="es-ES" sz="3600" b="1" dirty="0"/>
+          </a:p>
+          <a:p>
+            <a:r>
+              <a:rPr lang="es-ES" sz="3600" dirty="0"/>
+              <a:t>Conclusiones</a:t>
+            </a:r>
+          </a:p>
+          <a:p>
+            <a:endParaRPr lang="es-ES" dirty="0"/>
+          </a:p>
+          <a:p>
+            <a:endParaRPr lang="es-ES" dirty="0"/>
+          </a:p>
+          <a:p>
+            <a:endParaRPr lang="es-ES" dirty="0"/>
+          </a:p>
+        </p:txBody>
+      </p:sp>
+      <p:sp>
+        <p:nvSpPr>
+          <p:cNvPr id="4" name="Marcador de número de diapositiva 3">
+            <a:extLst>
+              <a:ext uri="{FF2B5EF4-FFF2-40B4-BE49-F238E27FC236}">
+                <a16:creationId xmlns:a16="http://schemas.microsoft.com/office/drawing/2014/main" id="{4CB7E394-5AF0-4E29-912E-88635E0ECD2A}"/>
+              </a:ext>
+            </a:extLst>
+          </p:cNvPr>
+          <p:cNvSpPr>
+            <a:spLocks noGrp="1"/>
+          </p:cNvSpPr>
+          <p:nvPr>
+            <p:ph type="sldNum" sz="quarter" idx="12"/>
+          </p:nvPr>
+        </p:nvSpPr>
+        <p:spPr/>
+        <p:txBody>
+          <a:bodyPr/>
+          <a:lstStyle/>
+          <a:p>
+            <a:fld id="{5452FDC3-B045-4A3B-9520-6737031B2C45}" type="slidenum">
+              <a:rPr lang="es-ES" smtClean="0"/>
+              <a:t>22</a:t>
+            </a:fld>
+            <a:endParaRPr lang="es-ES" dirty="0"/>
+          </a:p>
+        </p:txBody>
+      </p:sp>
+    </p:spTree>
+    <p:extLst>
+      <p:ext uri="{BB962C8B-B14F-4D97-AF65-F5344CB8AC3E}">
+        <p14:creationId xmlns:p14="http://schemas.microsoft.com/office/powerpoint/2010/main" val="896977484"/>
+      </p:ext>
+    </p:extLst>
+  </p:cSld>
+  <p:clrMapOvr>
+    <a:masterClrMapping/>
+  </p:clrMapOvr>
+</p:sld>
+</file>
+
+<file path=ppt/slides/slide23.xml><?xml version="1.0" encoding="utf-8"?>
+<p:sld xmlns:a="http://schemas.openxmlformats.org/drawingml/2006/main" xmlns:r="http://schemas.openxmlformats.org/officeDocument/2006/relationships" xmlns:p="http://schemas.openxmlformats.org/presentationml/2006/main">
+  <p:cSld>
+    <p:spTree>
+      <p:nvGrpSpPr>
+        <p:cNvPr id="1" name=""/>
+        <p:cNvGrpSpPr/>
+        <p:nvPr/>
+      </p:nvGrpSpPr>
+      <p:grpSpPr>
+        <a:xfrm>
+          <a:off x="0" y="0"/>
+          <a:ext cx="0" cy="0"/>
+          <a:chOff x="0" y="0"/>
+          <a:chExt cx="0" cy="0"/>
+        </a:xfrm>
+      </p:grpSpPr>
+      <p:sp>
+        <p:nvSpPr>
+          <p:cNvPr id="2" name="Título 1">
+            <a:extLst>
+              <a:ext uri="{FF2B5EF4-FFF2-40B4-BE49-F238E27FC236}">
+                <a16:creationId xmlns:a16="http://schemas.microsoft.com/office/drawing/2014/main" id="{41CCF0A6-9D20-4BF9-B413-B977DC741AF6}"/>
+              </a:ext>
+            </a:extLst>
+          </p:cNvPr>
+          <p:cNvSpPr>
+            <a:spLocks noGrp="1"/>
+          </p:cNvSpPr>
+          <p:nvPr>
+            <p:ph type="title"/>
+          </p:nvPr>
+        </p:nvSpPr>
+        <p:spPr/>
+        <p:txBody>
+          <a:bodyPr/>
+          <a:lstStyle/>
+          <a:p>
+            <a:r>
+              <a:rPr lang="es-ES" dirty="0"/>
+              <a:t>Pruebas.</a:t>
+            </a:r>
+          </a:p>
+        </p:txBody>
+      </p:sp>
+      <p:sp>
+        <p:nvSpPr>
+          <p:cNvPr id="3" name="Marcador de contenido 2">
+            <a:extLst>
+              <a:ext uri="{FF2B5EF4-FFF2-40B4-BE49-F238E27FC236}">
+                <a16:creationId xmlns:a16="http://schemas.microsoft.com/office/drawing/2014/main" id="{B6732B76-27B9-4356-8666-57608C5D441B}"/>
+              </a:ext>
+            </a:extLst>
+          </p:cNvPr>
+          <p:cNvSpPr>
+            <a:spLocks noGrp="1"/>
+          </p:cNvSpPr>
+          <p:nvPr>
+            <p:ph idx="1"/>
+          </p:nvPr>
+        </p:nvSpPr>
+        <p:spPr/>
+        <p:txBody>
+          <a:bodyPr/>
+          <a:lstStyle/>
+          <a:p>
+            <a:endParaRPr lang="es-ES"/>
+          </a:p>
+        </p:txBody>
+      </p:sp>
+      <p:sp>
+        <p:nvSpPr>
+          <p:cNvPr id="4" name="Marcador de número de diapositiva 3">
+            <a:extLst>
+              <a:ext uri="{FF2B5EF4-FFF2-40B4-BE49-F238E27FC236}">
+                <a16:creationId xmlns:a16="http://schemas.microsoft.com/office/drawing/2014/main" id="{6AEFF735-6130-496F-B57C-85F185D6BD07}"/>
+              </a:ext>
+            </a:extLst>
+          </p:cNvPr>
+          <p:cNvSpPr>
+            <a:spLocks noGrp="1"/>
+          </p:cNvSpPr>
+          <p:nvPr>
+            <p:ph type="sldNum" sz="quarter" idx="12"/>
+          </p:nvPr>
+        </p:nvSpPr>
+        <p:spPr/>
+        <p:txBody>
+          <a:bodyPr/>
+          <a:lstStyle/>
+          <a:p>
+            <a:fld id="{5452FDC3-B045-4A3B-9520-6737031B2C45}" type="slidenum">
+              <a:rPr lang="es-ES" smtClean="0"/>
+              <a:t>23</a:t>
+            </a:fld>
+            <a:endParaRPr lang="es-ES"/>
+          </a:p>
+        </p:txBody>
+      </p:sp>
+    </p:spTree>
+    <p:extLst>
+      <p:ext uri="{BB962C8B-B14F-4D97-AF65-F5344CB8AC3E}">
+        <p14:creationId xmlns:p14="http://schemas.microsoft.com/office/powerpoint/2010/main" val="2586806260"/>
+      </p:ext>
+    </p:extLst>
+  </p:cSld>
+  <p:clrMapOvr>
+    <a:masterClrMapping/>
+  </p:clrMapOvr>
+</p:sld>
+</file>
+
+<file path=ppt/slides/slide24.xml><?xml version="1.0" encoding="utf-8"?>
+<p:sld xmlns:a="http://schemas.openxmlformats.org/drawingml/2006/main" xmlns:r="http://schemas.openxmlformats.org/officeDocument/2006/relationships" xmlns:p="http://schemas.openxmlformats.org/presentationml/2006/main">
+  <p:cSld>
+    <p:spTree>
+      <p:nvGrpSpPr>
+        <p:cNvPr id="1" name=""/>
+        <p:cNvGrpSpPr/>
+        <p:nvPr/>
+      </p:nvGrpSpPr>
+      <p:grpSpPr>
+        <a:xfrm>
+          <a:off x="0" y="0"/>
+          <a:ext cx="0" cy="0"/>
+          <a:chOff x="0" y="0"/>
+          <a:chExt cx="0" cy="0"/>
+        </a:xfrm>
+      </p:grpSpPr>
+      <p:sp>
+        <p:nvSpPr>
+          <p:cNvPr id="2" name="Título 1">
+            <a:extLst>
+              <a:ext uri="{FF2B5EF4-FFF2-40B4-BE49-F238E27FC236}">
+                <a16:creationId xmlns:a16="http://schemas.microsoft.com/office/drawing/2014/main" id="{99629A13-BBCD-4675-B0AF-1422BC481D47}"/>
+              </a:ext>
+            </a:extLst>
+          </p:cNvPr>
+          <p:cNvSpPr>
+            <a:spLocks noGrp="1"/>
+          </p:cNvSpPr>
+          <p:nvPr>
+            <p:ph type="title"/>
+          </p:nvPr>
+        </p:nvSpPr>
+        <p:spPr/>
+        <p:txBody>
+          <a:bodyPr/>
+          <a:lstStyle/>
+          <a:p>
+            <a:r>
+              <a:rPr lang="es-ES" dirty="0"/>
+              <a:t>Índice</a:t>
+            </a:r>
+          </a:p>
+        </p:txBody>
+      </p:sp>
+      <p:sp>
+        <p:nvSpPr>
+          <p:cNvPr id="3" name="Marcador de contenido 2">
+            <a:extLst>
+              <a:ext uri="{FF2B5EF4-FFF2-40B4-BE49-F238E27FC236}">
+                <a16:creationId xmlns:a16="http://schemas.microsoft.com/office/drawing/2014/main" id="{19FDC435-2252-4AAA-B09D-7D31BF9DAC5B}"/>
+              </a:ext>
+            </a:extLst>
+          </p:cNvPr>
+          <p:cNvSpPr>
+            <a:spLocks noGrp="1"/>
+          </p:cNvSpPr>
+          <p:nvPr>
+            <p:ph idx="1"/>
+          </p:nvPr>
+        </p:nvSpPr>
+        <p:spPr>
+          <a:xfrm>
+            <a:off x="810000" y="2921620"/>
+            <a:ext cx="10554574" cy="3936380"/>
+          </a:xfrm>
+        </p:spPr>
+        <p:txBody>
+          <a:bodyPr>
+            <a:normAutofit fontScale="85000" lnSpcReduction="20000"/>
+          </a:bodyPr>
+          <a:lstStyle/>
+          <a:p>
+            <a:r>
+              <a:rPr lang="es-ES" sz="3600" dirty="0"/>
+              <a:t>Introducción</a:t>
+            </a:r>
+          </a:p>
+          <a:p>
+            <a:r>
+              <a:rPr lang="es-ES" sz="3600" dirty="0"/>
+              <a:t>Modelado del sistema</a:t>
+            </a:r>
+          </a:p>
+          <a:p>
+            <a:r>
+              <a:rPr lang="es-ES" sz="3600" dirty="0"/>
+              <a:t>Entorno tecnológico</a:t>
+            </a:r>
+          </a:p>
+          <a:p>
+            <a:r>
+              <a:rPr lang="es-ES" sz="3600" dirty="0"/>
+              <a:t>Descripción de la aplicación</a:t>
+            </a:r>
+          </a:p>
+          <a:p>
+            <a:r>
+              <a:rPr lang="es-ES" sz="3600" dirty="0"/>
+              <a:t>Pruebas</a:t>
+            </a:r>
+          </a:p>
+          <a:p>
+            <a:r>
+              <a:rPr lang="es-ES" sz="3600" b="1" dirty="0"/>
+              <a:t>Video</a:t>
+            </a:r>
+          </a:p>
+          <a:p>
+            <a:r>
+              <a:rPr lang="es-ES" sz="3600" dirty="0"/>
+              <a:t>Conclusiones</a:t>
+            </a:r>
+          </a:p>
+          <a:p>
+            <a:endParaRPr lang="es-ES" dirty="0"/>
+          </a:p>
+          <a:p>
+            <a:endParaRPr lang="es-ES" dirty="0"/>
+          </a:p>
+          <a:p>
+            <a:endParaRPr lang="es-ES" dirty="0"/>
+          </a:p>
+        </p:txBody>
+      </p:sp>
+      <p:sp>
+        <p:nvSpPr>
+          <p:cNvPr id="4" name="Marcador de número de diapositiva 3">
+            <a:extLst>
+              <a:ext uri="{FF2B5EF4-FFF2-40B4-BE49-F238E27FC236}">
+                <a16:creationId xmlns:a16="http://schemas.microsoft.com/office/drawing/2014/main" id="{4CB7E394-5AF0-4E29-912E-88635E0ECD2A}"/>
+              </a:ext>
+            </a:extLst>
+          </p:cNvPr>
+          <p:cNvSpPr>
+            <a:spLocks noGrp="1"/>
+          </p:cNvSpPr>
+          <p:nvPr>
+            <p:ph type="sldNum" sz="quarter" idx="12"/>
+          </p:nvPr>
+        </p:nvSpPr>
+        <p:spPr/>
+        <p:txBody>
+          <a:bodyPr/>
+          <a:lstStyle/>
+          <a:p>
+            <a:fld id="{5452FDC3-B045-4A3B-9520-6737031B2C45}" type="slidenum">
+              <a:rPr lang="es-ES" smtClean="0"/>
+              <a:t>24</a:t>
+            </a:fld>
+            <a:endParaRPr lang="es-ES" dirty="0"/>
+          </a:p>
+        </p:txBody>
+      </p:sp>
+    </p:spTree>
+    <p:extLst>
+      <p:ext uri="{BB962C8B-B14F-4D97-AF65-F5344CB8AC3E}">
+        <p14:creationId xmlns:p14="http://schemas.microsoft.com/office/powerpoint/2010/main" val="1207708785"/>
+      </p:ext>
+    </p:extLst>
+  </p:cSld>
+  <p:clrMapOvr>
+    <a:masterClrMapping/>
+  </p:clrMapOvr>
+</p:sld>
+</file>
+
+<file path=ppt/slides/slide25.xml><?xml version="1.0" encoding="utf-8"?>
+<p:sld xmlns:a="http://schemas.openxmlformats.org/drawingml/2006/main" xmlns:r="http://schemas.openxmlformats.org/officeDocument/2006/relationships" xmlns:p="http://schemas.openxmlformats.org/presentationml/2006/main">
+  <p:cSld>
+    <p:spTree>
+      <p:nvGrpSpPr>
+        <p:cNvPr id="1" name=""/>
+        <p:cNvGrpSpPr/>
+        <p:nvPr/>
+      </p:nvGrpSpPr>
+      <p:grpSpPr>
+        <a:xfrm>
+          <a:off x="0" y="0"/>
+          <a:ext cx="0" cy="0"/>
+          <a:chOff x="0" y="0"/>
+          <a:chExt cx="0" cy="0"/>
+        </a:xfrm>
+      </p:grpSpPr>
+      <p:sp>
+        <p:nvSpPr>
+          <p:cNvPr id="2" name="Título 1">
+            <a:extLst>
+              <a:ext uri="{FF2B5EF4-FFF2-40B4-BE49-F238E27FC236}">
+                <a16:creationId xmlns:a16="http://schemas.microsoft.com/office/drawing/2014/main" id="{5D1F1BAB-3A2D-4896-BBB2-BE3352857610}"/>
+              </a:ext>
+            </a:extLst>
+          </p:cNvPr>
+          <p:cNvSpPr>
+            <a:spLocks noGrp="1"/>
+          </p:cNvSpPr>
+          <p:nvPr>
+            <p:ph type="title"/>
+          </p:nvPr>
+        </p:nvSpPr>
+        <p:spPr/>
+        <p:txBody>
+          <a:bodyPr/>
+          <a:lstStyle/>
+          <a:p>
+            <a:r>
+              <a:rPr lang="es-ES" dirty="0"/>
+              <a:t>Video</a:t>
+            </a:r>
+          </a:p>
+        </p:txBody>
+      </p:sp>
+      <p:sp>
+        <p:nvSpPr>
+          <p:cNvPr id="3" name="Marcador de contenido 2">
+            <a:extLst>
+              <a:ext uri="{FF2B5EF4-FFF2-40B4-BE49-F238E27FC236}">
+                <a16:creationId xmlns:a16="http://schemas.microsoft.com/office/drawing/2014/main" id="{6923C868-5F19-4D46-B9A2-887B107F7953}"/>
+              </a:ext>
+            </a:extLst>
+          </p:cNvPr>
+          <p:cNvSpPr>
+            <a:spLocks noGrp="1"/>
+          </p:cNvSpPr>
+          <p:nvPr>
+            <p:ph idx="1"/>
+          </p:nvPr>
+        </p:nvSpPr>
+        <p:spPr/>
+        <p:txBody>
+          <a:bodyPr/>
+          <a:lstStyle/>
+          <a:p>
+            <a:endParaRPr lang="es-ES" dirty="0"/>
+          </a:p>
+        </p:txBody>
+      </p:sp>
+      <p:sp>
+        <p:nvSpPr>
+          <p:cNvPr id="4" name="Marcador de número de diapositiva 3">
+            <a:extLst>
+              <a:ext uri="{FF2B5EF4-FFF2-40B4-BE49-F238E27FC236}">
+                <a16:creationId xmlns:a16="http://schemas.microsoft.com/office/drawing/2014/main" id="{BA2507A4-065D-423F-A40D-9986A066F15B}"/>
+              </a:ext>
+            </a:extLst>
+          </p:cNvPr>
+          <p:cNvSpPr>
+            <a:spLocks noGrp="1"/>
+          </p:cNvSpPr>
+          <p:nvPr>
+            <p:ph type="sldNum" sz="quarter" idx="12"/>
+          </p:nvPr>
+        </p:nvSpPr>
+        <p:spPr/>
+        <p:txBody>
+          <a:bodyPr/>
+          <a:lstStyle/>
+          <a:p>
+            <a:fld id="{5452FDC3-B045-4A3B-9520-6737031B2C45}" type="slidenum">
+              <a:rPr lang="es-ES" smtClean="0"/>
+              <a:t>25</a:t>
+            </a:fld>
+            <a:endParaRPr lang="es-ES"/>
+          </a:p>
+        </p:txBody>
+      </p:sp>
+    </p:spTree>
+    <p:extLst>
+      <p:ext uri="{BB962C8B-B14F-4D97-AF65-F5344CB8AC3E}">
+        <p14:creationId xmlns:p14="http://schemas.microsoft.com/office/powerpoint/2010/main" val="3875991642"/>
+      </p:ext>
+    </p:extLst>
+  </p:cSld>
+  <p:clrMapOvr>
+    <a:masterClrMapping/>
+  </p:clrMapOvr>
+</p:sld>
+</file>
+
+<file path=ppt/slides/slide26.xml><?xml version="1.0" encoding="utf-8"?>
+<p:sld xmlns:a="http://schemas.openxmlformats.org/drawingml/2006/main" xmlns:r="http://schemas.openxmlformats.org/officeDocument/2006/relationships" xmlns:p="http://schemas.openxmlformats.org/presentationml/2006/main">
+  <p:cSld>
+    <p:spTree>
+      <p:nvGrpSpPr>
+        <p:cNvPr id="1" name=""/>
+        <p:cNvGrpSpPr/>
+        <p:nvPr/>
+      </p:nvGrpSpPr>
+      <p:grpSpPr>
+        <a:xfrm>
+          <a:off x="0" y="0"/>
+          <a:ext cx="0" cy="0"/>
+          <a:chOff x="0" y="0"/>
+          <a:chExt cx="0" cy="0"/>
+        </a:xfrm>
+      </p:grpSpPr>
+      <p:sp>
+        <p:nvSpPr>
+          <p:cNvPr id="2" name="Título 1">
+            <a:extLst>
+              <a:ext uri="{FF2B5EF4-FFF2-40B4-BE49-F238E27FC236}">
+                <a16:creationId xmlns:a16="http://schemas.microsoft.com/office/drawing/2014/main" id="{99629A13-BBCD-4675-B0AF-1422BC481D47}"/>
+              </a:ext>
+            </a:extLst>
+          </p:cNvPr>
+          <p:cNvSpPr>
+            <a:spLocks noGrp="1"/>
+          </p:cNvSpPr>
+          <p:nvPr>
+            <p:ph type="title"/>
+          </p:nvPr>
+        </p:nvSpPr>
+        <p:spPr/>
+        <p:txBody>
+          <a:bodyPr/>
+          <a:lstStyle/>
+          <a:p>
+            <a:r>
+              <a:rPr lang="es-ES" dirty="0"/>
+              <a:t>Índice</a:t>
+            </a:r>
+          </a:p>
+        </p:txBody>
+      </p:sp>
+      <p:sp>
+        <p:nvSpPr>
+          <p:cNvPr id="3" name="Marcador de contenido 2">
+            <a:extLst>
+              <a:ext uri="{FF2B5EF4-FFF2-40B4-BE49-F238E27FC236}">
+                <a16:creationId xmlns:a16="http://schemas.microsoft.com/office/drawing/2014/main" id="{19FDC435-2252-4AAA-B09D-7D31BF9DAC5B}"/>
+              </a:ext>
+            </a:extLst>
+          </p:cNvPr>
+          <p:cNvSpPr>
+            <a:spLocks noGrp="1"/>
+          </p:cNvSpPr>
+          <p:nvPr>
+            <p:ph idx="1"/>
+          </p:nvPr>
+        </p:nvSpPr>
+        <p:spPr>
+          <a:xfrm>
+            <a:off x="810000" y="2921620"/>
+            <a:ext cx="10554574" cy="3936380"/>
+          </a:xfrm>
+        </p:spPr>
+        <p:txBody>
+          <a:bodyPr>
+            <a:normAutofit fontScale="85000" lnSpcReduction="20000"/>
+          </a:bodyPr>
+          <a:lstStyle/>
+          <a:p>
+            <a:r>
+              <a:rPr lang="es-ES" sz="3600" dirty="0"/>
+              <a:t>Introducción</a:t>
+            </a:r>
+          </a:p>
+          <a:p>
+            <a:r>
+              <a:rPr lang="es-ES" sz="3600" dirty="0"/>
+              <a:t>Modelado del sistema</a:t>
+            </a:r>
+          </a:p>
+          <a:p>
+            <a:r>
+              <a:rPr lang="es-ES" sz="3600" dirty="0"/>
+              <a:t>Entorno tecnológico</a:t>
+            </a:r>
+          </a:p>
+          <a:p>
+            <a:r>
+              <a:rPr lang="es-ES" sz="3600" dirty="0"/>
+              <a:t>Descripción de la aplicación</a:t>
+            </a:r>
+          </a:p>
+          <a:p>
+            <a:r>
+              <a:rPr lang="es-ES" sz="3600" dirty="0"/>
+              <a:t>Pruebas</a:t>
+            </a:r>
+          </a:p>
+          <a:p>
+            <a:r>
+              <a:rPr lang="es-ES" sz="3600" dirty="0"/>
+              <a:t>Video</a:t>
+            </a:r>
+          </a:p>
+          <a:p>
+            <a:r>
+              <a:rPr lang="es-ES" sz="3600" b="1" dirty="0"/>
+              <a:t>Conclusiones</a:t>
+            </a:r>
+          </a:p>
+          <a:p>
+            <a:endParaRPr lang="es-ES" dirty="0"/>
+          </a:p>
+          <a:p>
+            <a:endParaRPr lang="es-ES" dirty="0"/>
+          </a:p>
+          <a:p>
+            <a:endParaRPr lang="es-ES" dirty="0"/>
+          </a:p>
+        </p:txBody>
+      </p:sp>
+      <p:sp>
+        <p:nvSpPr>
+          <p:cNvPr id="4" name="Marcador de número de diapositiva 3">
+            <a:extLst>
+              <a:ext uri="{FF2B5EF4-FFF2-40B4-BE49-F238E27FC236}">
+                <a16:creationId xmlns:a16="http://schemas.microsoft.com/office/drawing/2014/main" id="{4CB7E394-5AF0-4E29-912E-88635E0ECD2A}"/>
+              </a:ext>
+            </a:extLst>
+          </p:cNvPr>
+          <p:cNvSpPr>
+            <a:spLocks noGrp="1"/>
+          </p:cNvSpPr>
+          <p:nvPr>
+            <p:ph type="sldNum" sz="quarter" idx="12"/>
+          </p:nvPr>
+        </p:nvSpPr>
+        <p:spPr/>
+        <p:txBody>
+          <a:bodyPr/>
+          <a:lstStyle/>
+          <a:p>
+            <a:fld id="{5452FDC3-B045-4A3B-9520-6737031B2C45}" type="slidenum">
+              <a:rPr lang="es-ES" smtClean="0"/>
+              <a:t>26</a:t>
+            </a:fld>
+            <a:endParaRPr lang="es-ES" dirty="0"/>
+          </a:p>
+        </p:txBody>
+      </p:sp>
+    </p:spTree>
+    <p:extLst>
+      <p:ext uri="{BB962C8B-B14F-4D97-AF65-F5344CB8AC3E}">
+        <p14:creationId xmlns:p14="http://schemas.microsoft.com/office/powerpoint/2010/main" val="3764456662"/>
+      </p:ext>
+    </p:extLst>
+  </p:cSld>
+  <p:clrMapOvr>
+    <a:masterClrMapping/>
+  </p:clrMapOvr>
+</p:sld>
+</file>
+
+<file path=ppt/slides/slide27.xml><?xml version="1.0" encoding="utf-8"?>
+<p:sld xmlns:a="http://schemas.openxmlformats.org/drawingml/2006/main" xmlns:r="http://schemas.openxmlformats.org/officeDocument/2006/relationships" xmlns:p="http://schemas.openxmlformats.org/presentationml/2006/main">
+  <p:cSld>
+    <p:spTree>
+      <p:nvGrpSpPr>
+        <p:cNvPr id="1" name=""/>
+        <p:cNvGrpSpPr/>
+        <p:nvPr/>
+      </p:nvGrpSpPr>
+      <p:grpSpPr>
+        <a:xfrm>
+          <a:off x="0" y="0"/>
+          <a:ext cx="0" cy="0"/>
+          <a:chOff x="0" y="0"/>
+          <a:chExt cx="0" cy="0"/>
+        </a:xfrm>
+      </p:grpSpPr>
+      <p:sp>
+        <p:nvSpPr>
+          <p:cNvPr id="2" name="Título 1">
+            <a:extLst>
+              <a:ext uri="{FF2B5EF4-FFF2-40B4-BE49-F238E27FC236}">
+                <a16:creationId xmlns:a16="http://schemas.microsoft.com/office/drawing/2014/main" id="{BCAAC17A-9891-4919-982E-93CF89D25419}"/>
+              </a:ext>
+            </a:extLst>
+          </p:cNvPr>
+          <p:cNvSpPr>
+            <a:spLocks noGrp="1"/>
+          </p:cNvSpPr>
+          <p:nvPr>
+            <p:ph type="title"/>
+          </p:nvPr>
+        </p:nvSpPr>
+        <p:spPr/>
+        <p:txBody>
+          <a:bodyPr/>
+          <a:lstStyle/>
+          <a:p>
+            <a:r>
+              <a:rPr lang="es-ES" dirty="0"/>
+              <a:t>Conclusiones</a:t>
+            </a:r>
+          </a:p>
+        </p:txBody>
+      </p:sp>
+      <p:sp>
+        <p:nvSpPr>
+          <p:cNvPr id="3" name="Marcador de contenido 2">
+            <a:extLst>
+              <a:ext uri="{FF2B5EF4-FFF2-40B4-BE49-F238E27FC236}">
+                <a16:creationId xmlns:a16="http://schemas.microsoft.com/office/drawing/2014/main" id="{C117F27F-1936-4BF0-8D8C-E60D5BF86370}"/>
+              </a:ext>
+            </a:extLst>
+          </p:cNvPr>
+          <p:cNvSpPr>
+            <a:spLocks noGrp="1"/>
+          </p:cNvSpPr>
+          <p:nvPr>
+            <p:ph idx="1"/>
+          </p:nvPr>
+        </p:nvSpPr>
+        <p:spPr/>
+        <p:txBody>
+          <a:bodyPr/>
+          <a:lstStyle/>
+          <a:p>
+            <a:endParaRPr lang="es-ES"/>
+          </a:p>
+        </p:txBody>
+      </p:sp>
+      <p:sp>
+        <p:nvSpPr>
+          <p:cNvPr id="4" name="Marcador de número de diapositiva 3">
+            <a:extLst>
+              <a:ext uri="{FF2B5EF4-FFF2-40B4-BE49-F238E27FC236}">
+                <a16:creationId xmlns:a16="http://schemas.microsoft.com/office/drawing/2014/main" id="{5389D4E5-8FF9-4BEF-A2FC-05C08C5D5D44}"/>
+              </a:ext>
+            </a:extLst>
+          </p:cNvPr>
+          <p:cNvSpPr>
+            <a:spLocks noGrp="1"/>
+          </p:cNvSpPr>
+          <p:nvPr>
+            <p:ph type="sldNum" sz="quarter" idx="12"/>
+          </p:nvPr>
+        </p:nvSpPr>
+        <p:spPr/>
+        <p:txBody>
+          <a:bodyPr/>
+          <a:lstStyle/>
+          <a:p>
+            <a:fld id="{5452FDC3-B045-4A3B-9520-6737031B2C45}" type="slidenum">
+              <a:rPr lang="es-ES" smtClean="0"/>
+              <a:t>27</a:t>
+            </a:fld>
+            <a:endParaRPr lang="es-ES"/>
+          </a:p>
+        </p:txBody>
+      </p:sp>
+    </p:spTree>
+    <p:extLst>
+      <p:ext uri="{BB962C8B-B14F-4D97-AF65-F5344CB8AC3E}">
+        <p14:creationId xmlns:p14="http://schemas.microsoft.com/office/powerpoint/2010/main" val="2020336755"/>
+      </p:ext>
+    </p:extLst>
+  </p:cSld>
+  <p:clrMapOvr>
+    <a:masterClrMapping/>
+  </p:clrMapOvr>
+</p:sld>
+</file>
+
+<file path=ppt/slides/slide28.xml><?xml version="1.0" encoding="utf-8"?>
+<p:sld xmlns:a="http://schemas.openxmlformats.org/drawingml/2006/main" xmlns:r="http://schemas.openxmlformats.org/officeDocument/2006/relationships" xmlns:p="http://schemas.openxmlformats.org/presentationml/2006/main">
+  <p:cSld>
+    <p:spTree>
+      <p:nvGrpSpPr>
+        <p:cNvPr id="1" name=""/>
+        <p:cNvGrpSpPr/>
+        <p:nvPr/>
+      </p:nvGrpSpPr>
+      <p:grpSpPr>
+        <a:xfrm>
+          <a:off x="0" y="0"/>
+          <a:ext cx="0" cy="0"/>
+          <a:chOff x="0" y="0"/>
+          <a:chExt cx="0" cy="0"/>
+        </a:xfrm>
+      </p:grpSpPr>
+      <p:sp>
+        <p:nvSpPr>
+          <p:cNvPr id="2" name="Título 1">
+            <a:extLst>
+              <a:ext uri="{FF2B5EF4-FFF2-40B4-BE49-F238E27FC236}">
                 <a16:creationId xmlns:a16="http://schemas.microsoft.com/office/drawing/2014/main" id="{B0156483-6551-46CC-A2B0-A2EFEF81DC7C}"/>
               </a:ext>
             </a:extLst>
@@ -16775,6 +19718,35 @@
           </a:p>
         </p:txBody>
       </p:sp>
+      <p:sp>
+        <p:nvSpPr>
+          <p:cNvPr id="4" name="Marcador de número de diapositiva 3">
+            <a:extLst>
+              <a:ext uri="{FF2B5EF4-FFF2-40B4-BE49-F238E27FC236}">
+                <a16:creationId xmlns:a16="http://schemas.microsoft.com/office/drawing/2014/main" id="{586A661B-2268-4237-8C62-8E0A2ADE3F80}"/>
+              </a:ext>
+            </a:extLst>
+          </p:cNvPr>
+          <p:cNvSpPr>
+            <a:spLocks noGrp="1"/>
+          </p:cNvSpPr>
+          <p:nvPr>
+            <p:ph type="sldNum" sz="quarter" idx="12"/>
+          </p:nvPr>
+        </p:nvSpPr>
+        <p:spPr/>
+        <p:txBody>
+          <a:bodyPr/>
+          <a:lstStyle/>
+          <a:p>
+            <a:fld id="{5452FDC3-B045-4A3B-9520-6737031B2C45}" type="slidenum">
+              <a:rPr lang="es-ES" smtClean="0"/>
+              <a:t>28</a:t>
+            </a:fld>
+            <a:endParaRPr lang="es-ES"/>
+          </a:p>
+        </p:txBody>
+      </p:sp>
     </p:spTree>
     <p:extLst>
       <p:ext uri="{BB962C8B-B14F-4D97-AF65-F5344CB8AC3E}">
@@ -16788,7 +19760,7 @@
 </p:sld>
 </file>
 
-<file path=ppt/slides/slide2.xml><?xml version="1.0" encoding="utf-8"?>
+<file path=ppt/slides/slide3.xml><?xml version="1.0" encoding="utf-8"?>
 <p:sld xmlns:a="http://schemas.openxmlformats.org/drawingml/2006/main" xmlns:r="http://schemas.openxmlformats.org/officeDocument/2006/relationships" xmlns:p="http://schemas.openxmlformats.org/presentationml/2006/main">
   <p:cSld>
     <p:bg>
@@ -17022,6 +19994,35 @@
           </a:p>
         </p:txBody>
       </p:sp>
+      <p:sp>
+        <p:nvSpPr>
+          <p:cNvPr id="8" name="Marcador de número de diapositiva 7">
+            <a:extLst>
+              <a:ext uri="{FF2B5EF4-FFF2-40B4-BE49-F238E27FC236}">
+                <a16:creationId xmlns:a16="http://schemas.microsoft.com/office/drawing/2014/main" id="{8AB07DD3-91EC-408C-BB6D-6E92FF793DD6}"/>
+              </a:ext>
+            </a:extLst>
+          </p:cNvPr>
+          <p:cNvSpPr>
+            <a:spLocks noGrp="1"/>
+          </p:cNvSpPr>
+          <p:nvPr>
+            <p:ph type="sldNum" sz="quarter" idx="12"/>
+          </p:nvPr>
+        </p:nvSpPr>
+        <p:spPr/>
+        <p:txBody>
+          <a:bodyPr/>
+          <a:lstStyle/>
+          <a:p>
+            <a:fld id="{5452FDC3-B045-4A3B-9520-6737031B2C45}" type="slidenum">
+              <a:rPr lang="es-ES" smtClean="0"/>
+              <a:t>3</a:t>
+            </a:fld>
+            <a:endParaRPr lang="es-ES"/>
+          </a:p>
+        </p:txBody>
+      </p:sp>
     </p:spTree>
     <p:extLst>
       <p:ext uri="{BB962C8B-B14F-4D97-AF65-F5344CB8AC3E}">
@@ -17035,7 +20036,7 @@
 </p:sld>
 </file>
 
-<file path=ppt/slides/slide3.xml><?xml version="1.0" encoding="utf-8"?>
+<file path=ppt/slides/slide4.xml><?xml version="1.0" encoding="utf-8"?>
 <p:sld xmlns:a="http://schemas.openxmlformats.org/drawingml/2006/main" xmlns:r="http://schemas.openxmlformats.org/officeDocument/2006/relationships" xmlns:p="http://schemas.openxmlformats.org/presentationml/2006/main">
   <p:cSld>
     <p:bg>
@@ -17226,6 +20227,35 @@
           </a:p>
         </p:txBody>
       </p:sp>
+      <p:sp>
+        <p:nvSpPr>
+          <p:cNvPr id="5" name="Marcador de número de diapositiva 4">
+            <a:extLst>
+              <a:ext uri="{FF2B5EF4-FFF2-40B4-BE49-F238E27FC236}">
+                <a16:creationId xmlns:a16="http://schemas.microsoft.com/office/drawing/2014/main" id="{F65FA1C5-386F-49BD-9CF9-3AB374502447}"/>
+              </a:ext>
+            </a:extLst>
+          </p:cNvPr>
+          <p:cNvSpPr>
+            <a:spLocks noGrp="1"/>
+          </p:cNvSpPr>
+          <p:nvPr>
+            <p:ph type="sldNum" sz="quarter" idx="12"/>
+          </p:nvPr>
+        </p:nvSpPr>
+        <p:spPr/>
+        <p:txBody>
+          <a:bodyPr/>
+          <a:lstStyle/>
+          <a:p>
+            <a:fld id="{5452FDC3-B045-4A3B-9520-6737031B2C45}" type="slidenum">
+              <a:rPr lang="es-ES" smtClean="0"/>
+              <a:t>4</a:t>
+            </a:fld>
+            <a:endParaRPr lang="es-ES"/>
+          </a:p>
+        </p:txBody>
+      </p:sp>
     </p:spTree>
     <p:extLst>
       <p:ext uri="{BB962C8B-B14F-4D97-AF65-F5344CB8AC3E}">
@@ -17239,7 +20269,7 @@
 </p:sld>
 </file>
 
-<file path=ppt/slides/slide4.xml><?xml version="1.0" encoding="utf-8"?>
+<file path=ppt/slides/slide5.xml><?xml version="1.0" encoding="utf-8"?>
 <p:sld xmlns:a="http://schemas.openxmlformats.org/drawingml/2006/main" xmlns:r="http://schemas.openxmlformats.org/officeDocument/2006/relationships" xmlns:p="http://schemas.openxmlformats.org/presentationml/2006/main">
   <p:cSld>
     <p:bg>
@@ -17449,6 +20479,35 @@
           </a:p>
         </p:txBody>
       </p:sp>
+      <p:sp>
+        <p:nvSpPr>
+          <p:cNvPr id="3" name="Marcador de número de diapositiva 2">
+            <a:extLst>
+              <a:ext uri="{FF2B5EF4-FFF2-40B4-BE49-F238E27FC236}">
+                <a16:creationId xmlns:a16="http://schemas.microsoft.com/office/drawing/2014/main" id="{A52B10C7-CCA1-4051-9DA9-A064C24A1013}"/>
+              </a:ext>
+            </a:extLst>
+          </p:cNvPr>
+          <p:cNvSpPr>
+            <a:spLocks noGrp="1"/>
+          </p:cNvSpPr>
+          <p:nvPr>
+            <p:ph type="sldNum" sz="quarter" idx="12"/>
+          </p:nvPr>
+        </p:nvSpPr>
+        <p:spPr/>
+        <p:txBody>
+          <a:bodyPr/>
+          <a:lstStyle/>
+          <a:p>
+            <a:fld id="{5452FDC3-B045-4A3B-9520-6737031B2C45}" type="slidenum">
+              <a:rPr lang="es-ES" smtClean="0"/>
+              <a:t>5</a:t>
+            </a:fld>
+            <a:endParaRPr lang="es-ES"/>
+          </a:p>
+        </p:txBody>
+      </p:sp>
     </p:spTree>
     <p:extLst>
       <p:ext uri="{BB962C8B-B14F-4D97-AF65-F5344CB8AC3E}">
@@ -17462,7 +20521,7 @@
 </p:sld>
 </file>
 
-<file path=ppt/slides/slide5.xml><?xml version="1.0" encoding="utf-8"?>
+<file path=ppt/slides/slide6.xml><?xml version="1.0" encoding="utf-8"?>
 <p:sld xmlns:a="http://schemas.openxmlformats.org/drawingml/2006/main" xmlns:r="http://schemas.openxmlformats.org/officeDocument/2006/relationships" xmlns:p="http://schemas.openxmlformats.org/presentationml/2006/main">
   <p:cSld>
     <p:bg>
@@ -17781,6 +20840,35 @@
           </a:p>
         </p:txBody>
       </p:sp>
+      <p:sp>
+        <p:nvSpPr>
+          <p:cNvPr id="4" name="Marcador de número de diapositiva 3">
+            <a:extLst>
+              <a:ext uri="{FF2B5EF4-FFF2-40B4-BE49-F238E27FC236}">
+                <a16:creationId xmlns:a16="http://schemas.microsoft.com/office/drawing/2014/main" id="{12B12659-986D-4BAD-8CBD-AD90D394D389}"/>
+              </a:ext>
+            </a:extLst>
+          </p:cNvPr>
+          <p:cNvSpPr>
+            <a:spLocks noGrp="1"/>
+          </p:cNvSpPr>
+          <p:nvPr>
+            <p:ph type="sldNum" sz="quarter" idx="12"/>
+          </p:nvPr>
+        </p:nvSpPr>
+        <p:spPr/>
+        <p:txBody>
+          <a:bodyPr/>
+          <a:lstStyle/>
+          <a:p>
+            <a:fld id="{5452FDC3-B045-4A3B-9520-6737031B2C45}" type="slidenum">
+              <a:rPr lang="es-ES" smtClean="0"/>
+              <a:t>6</a:t>
+            </a:fld>
+            <a:endParaRPr lang="es-ES"/>
+          </a:p>
+        </p:txBody>
+      </p:sp>
     </p:spTree>
     <p:extLst>
       <p:ext uri="{BB962C8B-B14F-4D97-AF65-F5344CB8AC3E}">
@@ -17794,7 +20882,175 @@
 </p:sld>
 </file>
 
-<file path=ppt/slides/slide6.xml><?xml version="1.0" encoding="utf-8"?>
+<file path=ppt/slides/slide7.xml><?xml version="1.0" encoding="utf-8"?>
+<p:sld xmlns:a="http://schemas.openxmlformats.org/drawingml/2006/main" xmlns:r="http://schemas.openxmlformats.org/officeDocument/2006/relationships" xmlns:p="http://schemas.openxmlformats.org/presentationml/2006/main">
+  <p:cSld>
+    <p:spTree>
+      <p:nvGrpSpPr>
+        <p:cNvPr id="1" name=""/>
+        <p:cNvGrpSpPr/>
+        <p:nvPr/>
+      </p:nvGrpSpPr>
+      <p:grpSpPr>
+        <a:xfrm>
+          <a:off x="0" y="0"/>
+          <a:ext cx="0" cy="0"/>
+          <a:chOff x="0" y="0"/>
+          <a:chExt cx="0" cy="0"/>
+        </a:xfrm>
+      </p:grpSpPr>
+      <p:sp>
+        <p:nvSpPr>
+          <p:cNvPr id="2" name="Título 1">
+            <a:extLst>
+              <a:ext uri="{FF2B5EF4-FFF2-40B4-BE49-F238E27FC236}">
+                <a16:creationId xmlns:a16="http://schemas.microsoft.com/office/drawing/2014/main" id="{99629A13-BBCD-4675-B0AF-1422BC481D47}"/>
+              </a:ext>
+            </a:extLst>
+          </p:cNvPr>
+          <p:cNvSpPr>
+            <a:spLocks noGrp="1"/>
+          </p:cNvSpPr>
+          <p:nvPr>
+            <p:ph type="title"/>
+          </p:nvPr>
+        </p:nvSpPr>
+        <p:spPr/>
+        <p:txBody>
+          <a:bodyPr/>
+          <a:lstStyle/>
+          <a:p>
+            <a:r>
+              <a:rPr lang="es-ES" dirty="0"/>
+              <a:t>Índice</a:t>
+            </a:r>
+          </a:p>
+        </p:txBody>
+      </p:sp>
+      <p:sp>
+        <p:nvSpPr>
+          <p:cNvPr id="3" name="Marcador de contenido 2">
+            <a:extLst>
+              <a:ext uri="{FF2B5EF4-FFF2-40B4-BE49-F238E27FC236}">
+                <a16:creationId xmlns:a16="http://schemas.microsoft.com/office/drawing/2014/main" id="{19FDC435-2252-4AAA-B09D-7D31BF9DAC5B}"/>
+              </a:ext>
+            </a:extLst>
+          </p:cNvPr>
+          <p:cNvSpPr>
+            <a:spLocks noGrp="1"/>
+          </p:cNvSpPr>
+          <p:nvPr>
+            <p:ph idx="1"/>
+          </p:nvPr>
+        </p:nvSpPr>
+        <p:spPr>
+          <a:xfrm>
+            <a:off x="810000" y="2921620"/>
+            <a:ext cx="10554574" cy="3936380"/>
+          </a:xfrm>
+        </p:spPr>
+        <p:txBody>
+          <a:bodyPr>
+            <a:normAutofit fontScale="85000" lnSpcReduction="20000"/>
+          </a:bodyPr>
+          <a:lstStyle/>
+          <a:p>
+            <a:r>
+              <a:rPr lang="es-ES" sz="3600" dirty="0"/>
+              <a:t>Introducción</a:t>
+            </a:r>
+          </a:p>
+          <a:p>
+            <a:r>
+              <a:rPr lang="es-ES" sz="3600" b="1" dirty="0"/>
+              <a:t>Modelado del sistema</a:t>
+            </a:r>
+          </a:p>
+          <a:p>
+            <a:r>
+              <a:rPr lang="es-ES" sz="3600" dirty="0"/>
+              <a:t>Entorno tecnológico</a:t>
+            </a:r>
+          </a:p>
+          <a:p>
+            <a:r>
+              <a:rPr lang="es-ES" sz="3600" dirty="0"/>
+              <a:t>Descripción de la aplicación</a:t>
+            </a:r>
+          </a:p>
+          <a:p>
+            <a:r>
+              <a:rPr lang="es-ES" sz="3600" dirty="0"/>
+              <a:t>Pruebas</a:t>
+            </a:r>
+          </a:p>
+          <a:p>
+            <a:r>
+              <a:rPr lang="es-ES" sz="3600" dirty="0"/>
+              <a:t>Video</a:t>
+            </a:r>
+            <a:endParaRPr lang="es-ES" sz="3600" b="1" dirty="0"/>
+          </a:p>
+          <a:p>
+            <a:r>
+              <a:rPr lang="es-ES" sz="3600" dirty="0"/>
+              <a:t>Conclusiones</a:t>
+            </a:r>
+          </a:p>
+          <a:p>
+            <a:endParaRPr lang="es-ES" dirty="0"/>
+          </a:p>
+          <a:p>
+            <a:endParaRPr lang="es-ES" dirty="0"/>
+          </a:p>
+          <a:p>
+            <a:endParaRPr lang="es-ES" dirty="0"/>
+          </a:p>
+        </p:txBody>
+      </p:sp>
+      <p:sp>
+        <p:nvSpPr>
+          <p:cNvPr id="4" name="Marcador de número de diapositiva 3">
+            <a:extLst>
+              <a:ext uri="{FF2B5EF4-FFF2-40B4-BE49-F238E27FC236}">
+                <a16:creationId xmlns:a16="http://schemas.microsoft.com/office/drawing/2014/main" id="{4CB7E394-5AF0-4E29-912E-88635E0ECD2A}"/>
+              </a:ext>
+            </a:extLst>
+          </p:cNvPr>
+          <p:cNvSpPr>
+            <a:spLocks noGrp="1"/>
+          </p:cNvSpPr>
+          <p:nvPr>
+            <p:ph type="sldNum" sz="quarter" idx="12"/>
+          </p:nvPr>
+        </p:nvSpPr>
+        <p:spPr/>
+        <p:txBody>
+          <a:bodyPr/>
+          <a:lstStyle/>
+          <a:p>
+            <a:fld id="{5452FDC3-B045-4A3B-9520-6737031B2C45}" type="slidenum">
+              <a:rPr lang="es-ES" smtClean="0"/>
+              <a:t>7</a:t>
+            </a:fld>
+            <a:endParaRPr lang="es-ES" dirty="0"/>
+          </a:p>
+        </p:txBody>
+      </p:sp>
+    </p:spTree>
+    <p:extLst>
+      <p:ext uri="{BB962C8B-B14F-4D97-AF65-F5344CB8AC3E}">
+        <p14:creationId xmlns:p14="http://schemas.microsoft.com/office/powerpoint/2010/main" val="3347161810"/>
+      </p:ext>
+    </p:extLst>
+  </p:cSld>
+  <p:clrMapOvr>
+    <a:masterClrMapping/>
+  </p:clrMapOvr>
+</p:sld>
+</file>
+
+<file path=ppt/slides/slide8.xml><?xml version="1.0" encoding="utf-8"?>
 <p:sld xmlns:a="http://schemas.openxmlformats.org/drawingml/2006/main" xmlns:r="http://schemas.openxmlformats.org/officeDocument/2006/relationships" xmlns:p="http://schemas.openxmlformats.org/presentationml/2006/main">
   <p:cSld>
     <p:bg>
@@ -17884,6 +21140,35 @@
           </a:graphicData>
         </a:graphic>
       </p:graphicFrame>
+      <p:sp>
+        <p:nvSpPr>
+          <p:cNvPr id="3" name="Marcador de número de diapositiva 2">
+            <a:extLst>
+              <a:ext uri="{FF2B5EF4-FFF2-40B4-BE49-F238E27FC236}">
+                <a16:creationId xmlns:a16="http://schemas.microsoft.com/office/drawing/2014/main" id="{8A9072D1-DC72-4FA5-B487-A9FBAF6F7BE1}"/>
+              </a:ext>
+            </a:extLst>
+          </p:cNvPr>
+          <p:cNvSpPr>
+            <a:spLocks noGrp="1"/>
+          </p:cNvSpPr>
+          <p:nvPr>
+            <p:ph type="sldNum" sz="quarter" idx="12"/>
+          </p:nvPr>
+        </p:nvSpPr>
+        <p:spPr/>
+        <p:txBody>
+          <a:bodyPr/>
+          <a:lstStyle/>
+          <a:p>
+            <a:fld id="{5452FDC3-B045-4A3B-9520-6737031B2C45}" type="slidenum">
+              <a:rPr lang="es-ES" smtClean="0"/>
+              <a:t>8</a:t>
+            </a:fld>
+            <a:endParaRPr lang="es-ES"/>
+          </a:p>
+        </p:txBody>
+      </p:sp>
     </p:spTree>
     <p:extLst>
       <p:ext uri="{BB962C8B-B14F-4D97-AF65-F5344CB8AC3E}">
@@ -17897,7 +21182,7 @@
 </p:sld>
 </file>
 
-<file path=ppt/slides/slide7.xml><?xml version="1.0" encoding="utf-8"?>
+<file path=ppt/slides/slide9.xml><?xml version="1.0" encoding="utf-8"?>
 <p:sld xmlns:a="http://schemas.openxmlformats.org/drawingml/2006/main" xmlns:r="http://schemas.openxmlformats.org/officeDocument/2006/relationships" xmlns:p="http://schemas.openxmlformats.org/presentationml/2006/main">
   <p:cSld>
     <p:bg>
@@ -18085,50 +21370,12 @@
           <a:effectLst/>
         </p:spPr>
       </p:pic>
-    </p:spTree>
-    <p:extLst>
-      <p:ext uri="{BB962C8B-B14F-4D97-AF65-F5344CB8AC3E}">
-        <p14:creationId xmlns:p14="http://schemas.microsoft.com/office/powerpoint/2010/main" val="3612007770"/>
-      </p:ext>
-    </p:extLst>
-  </p:cSld>
-  <p:clrMapOvr>
-    <a:masterClrMapping/>
-  </p:clrMapOvr>
-</p:sld>
-</file>
-
-<file path=ppt/slides/slide8.xml><?xml version="1.0" encoding="utf-8"?>
-<p:sld xmlns:a="http://schemas.openxmlformats.org/drawingml/2006/main" xmlns:r="http://schemas.openxmlformats.org/officeDocument/2006/relationships" xmlns:p="http://schemas.openxmlformats.org/presentationml/2006/main">
-  <p:cSld>
-    <p:bg>
-      <p:bgPr>
-        <a:solidFill>
-          <a:schemeClr val="bg2"/>
-        </a:solidFill>
-        <a:effectLst/>
-      </p:bgPr>
-    </p:bg>
-    <p:spTree>
-      <p:nvGrpSpPr>
-        <p:cNvPr id="1" name=""/>
-        <p:cNvGrpSpPr/>
-        <p:nvPr/>
-      </p:nvGrpSpPr>
-      <p:grpSpPr>
-        <a:xfrm>
-          <a:off x="0" y="0"/>
-          <a:ext cx="0" cy="0"/>
-          <a:chOff x="0" y="0"/>
-          <a:chExt cx="0" cy="0"/>
-        </a:xfrm>
-      </p:grpSpPr>
-      <p:sp>
-        <p:nvSpPr>
-          <p:cNvPr id="2" name="Título 1">
+      <p:sp>
+        <p:nvSpPr>
+          <p:cNvPr id="4" name="Marcador de número de diapositiva 3">
             <a:extLst>
               <a:ext uri="{FF2B5EF4-FFF2-40B4-BE49-F238E27FC236}">
-                <a16:creationId xmlns:a16="http://schemas.microsoft.com/office/drawing/2014/main" id="{8DD7DBAB-0BC6-46E1-9C2E-E415BE9F58BE}"/>
+                <a16:creationId xmlns:a16="http://schemas.microsoft.com/office/drawing/2014/main" id="{587AB61C-B198-41E8-9613-D5D43CE06919}"/>
               </a:ext>
             </a:extLst>
           </p:cNvPr>
@@ -18136,332 +21383,26 @@
             <a:spLocks noGrp="1"/>
           </p:cNvSpPr>
           <p:nvPr>
-            <p:ph type="title"/>
+            <p:ph type="sldNum" sz="quarter" idx="12"/>
           </p:nvPr>
         </p:nvSpPr>
-        <p:spPr>
-          <a:xfrm>
-            <a:off x="810000" y="447188"/>
-            <a:ext cx="10571998" cy="970450"/>
-          </a:xfrm>
-        </p:spPr>
+        <p:spPr/>
         <p:txBody>
-          <a:bodyPr>
-            <a:normAutofit/>
-          </a:bodyPr>
+          <a:bodyPr/>
           <a:lstStyle/>
           <a:p>
-            <a:r>
-              <a:rPr lang="es-ES" sz="3700" dirty="0"/>
-              <a:t>Robótica móvil: Direccionamiento diferencial</a:t>
-            </a:r>
+            <a:fld id="{5452FDC3-B045-4A3B-9520-6737031B2C45}" type="slidenum">
+              <a:rPr lang="es-ES" smtClean="0"/>
+              <a:t>9</a:t>
+            </a:fld>
+            <a:endParaRPr lang="es-ES"/>
           </a:p>
         </p:txBody>
       </p:sp>
-      <p:sp>
-        <p:nvSpPr>
-          <p:cNvPr id="3" name="Marcador de contenido 2">
-            <a:extLst>
-              <a:ext uri="{FF2B5EF4-FFF2-40B4-BE49-F238E27FC236}">
-                <a16:creationId xmlns:a16="http://schemas.microsoft.com/office/drawing/2014/main" id="{52CEDFD3-8582-4655-A6F1-2AFAADDFCF79}"/>
-              </a:ext>
-            </a:extLst>
-          </p:cNvPr>
-          <p:cNvSpPr>
-            <a:spLocks noGrp="1"/>
-          </p:cNvSpPr>
-          <p:nvPr>
-            <p:ph idx="1"/>
-          </p:nvPr>
-        </p:nvSpPr>
-        <p:spPr>
-          <a:xfrm>
-            <a:off x="810000" y="2018371"/>
-            <a:ext cx="10859426" cy="1930400"/>
-          </a:xfrm>
-        </p:spPr>
-        <p:txBody>
-          <a:bodyPr>
-            <a:normAutofit/>
-          </a:bodyPr>
-          <a:lstStyle/>
-          <a:p>
-            <a:r>
-              <a:rPr lang="es-ES" dirty="0"/>
-              <a:t>Simularemos posición y rotación del robot.</a:t>
-            </a:r>
-          </a:p>
-          <a:p>
-            <a:r>
-              <a:rPr lang="es-ES" dirty="0"/>
-              <a:t>Uniendo los modelos cinemático y discreto obtenemos las ecuaciones.</a:t>
-            </a:r>
-          </a:p>
-        </p:txBody>
-      </p:sp>
-      <p:pic>
-        <p:nvPicPr>
-          <p:cNvPr id="9" name="Imagen 8" descr="Gráfico, Gráfico radial&#10;&#10;Descripción generada automáticamente">
-            <a:extLst>
-              <a:ext uri="{FF2B5EF4-FFF2-40B4-BE49-F238E27FC236}">
-                <a16:creationId xmlns:a16="http://schemas.microsoft.com/office/drawing/2014/main" id="{7B5BB724-3E4F-44AE-B1DE-AEF3E41212EC}"/>
-              </a:ext>
-            </a:extLst>
-          </p:cNvPr>
-          <p:cNvPicPr>
-            <a:picLocks noChangeAspect="1"/>
-          </p:cNvPicPr>
-          <p:nvPr/>
-        </p:nvPicPr>
-        <p:blipFill>
-          <a:blip r:embed="rId3">
-            <a:extLst>
-              <a:ext uri="{28A0092B-C50C-407E-A947-70E740481C1C}">
-                <a14:useLocalDpi xmlns:a14="http://schemas.microsoft.com/office/drawing/2010/main" val="0"/>
-              </a:ext>
-            </a:extLst>
-          </a:blip>
-          <a:stretch>
-            <a:fillRect/>
-          </a:stretch>
-        </p:blipFill>
-        <p:spPr>
-          <a:xfrm>
-            <a:off x="810000" y="3579540"/>
-            <a:ext cx="3918715" cy="2831271"/>
-          </a:xfrm>
-          <a:prstGeom prst="roundRect">
-            <a:avLst>
-              <a:gd name="adj" fmla="val 3876"/>
-            </a:avLst>
-          </a:prstGeom>
-          <a:ln>
-            <a:solidFill>
-              <a:schemeClr val="accent1"/>
-            </a:solidFill>
-          </a:ln>
-          <a:effectLst/>
-        </p:spPr>
-      </p:pic>
-      <p:pic>
-        <p:nvPicPr>
-          <p:cNvPr id="5" name="Imagen 4" descr="Imagen que contiene Tabla&#10;&#10;Descripción generada automáticamente">
-            <a:extLst>
-              <a:ext uri="{FF2B5EF4-FFF2-40B4-BE49-F238E27FC236}">
-                <a16:creationId xmlns:a16="http://schemas.microsoft.com/office/drawing/2014/main" id="{E739502E-0C82-47B0-8800-2F6BFDDEA835}"/>
-              </a:ext>
-            </a:extLst>
-          </p:cNvPr>
-          <p:cNvPicPr>
-            <a:picLocks noChangeAspect="1"/>
-          </p:cNvPicPr>
-          <p:nvPr/>
-        </p:nvPicPr>
-        <p:blipFill>
-          <a:blip r:embed="rId4">
-            <a:extLst>
-              <a:ext uri="{28A0092B-C50C-407E-A947-70E740481C1C}">
-                <a14:useLocalDpi xmlns:a14="http://schemas.microsoft.com/office/drawing/2010/main" val="0"/>
-              </a:ext>
-            </a:extLst>
-          </a:blip>
-          <a:stretch>
-            <a:fillRect/>
-          </a:stretch>
-        </p:blipFill>
-        <p:spPr>
-          <a:xfrm>
-            <a:off x="6887917" y="3579540"/>
-            <a:ext cx="4494081" cy="2831271"/>
-          </a:xfrm>
-          <a:prstGeom prst="roundRect">
-            <a:avLst>
-              <a:gd name="adj" fmla="val 3876"/>
-            </a:avLst>
-          </a:prstGeom>
-          <a:ln>
-            <a:solidFill>
-              <a:schemeClr val="accent1"/>
-            </a:solidFill>
-          </a:ln>
-          <a:effectLst/>
-        </p:spPr>
-      </p:pic>
     </p:spTree>
     <p:extLst>
       <p:ext uri="{BB962C8B-B14F-4D97-AF65-F5344CB8AC3E}">
-        <p14:creationId xmlns:p14="http://schemas.microsoft.com/office/powerpoint/2010/main" val="1558112525"/>
-      </p:ext>
-    </p:extLst>
-  </p:cSld>
-  <p:clrMapOvr>
-    <a:masterClrMapping/>
-  </p:clrMapOvr>
-</p:sld>
-</file>
-
-<file path=ppt/slides/slide9.xml><?xml version="1.0" encoding="utf-8"?>
-<p:sld xmlns:a="http://schemas.openxmlformats.org/drawingml/2006/main" xmlns:r="http://schemas.openxmlformats.org/officeDocument/2006/relationships" xmlns:p="http://schemas.openxmlformats.org/presentationml/2006/main">
-  <p:cSld>
-    <p:bg>
-      <p:bgPr>
-        <a:solidFill>
-          <a:schemeClr val="bg2"/>
-        </a:solidFill>
-        <a:effectLst/>
-      </p:bgPr>
-    </p:bg>
-    <p:spTree>
-      <p:nvGrpSpPr>
-        <p:cNvPr id="1" name=""/>
-        <p:cNvGrpSpPr/>
-        <p:nvPr/>
-      </p:nvGrpSpPr>
-      <p:grpSpPr>
-        <a:xfrm>
-          <a:off x="0" y="0"/>
-          <a:ext cx="0" cy="0"/>
-          <a:chOff x="0" y="0"/>
-          <a:chExt cx="0" cy="0"/>
-        </a:xfrm>
-      </p:grpSpPr>
-      <p:sp>
-        <p:nvSpPr>
-          <p:cNvPr id="2" name="Título 1">
-            <a:extLst>
-              <a:ext uri="{FF2B5EF4-FFF2-40B4-BE49-F238E27FC236}">
-                <a16:creationId xmlns:a16="http://schemas.microsoft.com/office/drawing/2014/main" id="{D619F776-0560-4232-A8DB-B2806B1A549C}"/>
-              </a:ext>
-            </a:extLst>
-          </p:cNvPr>
-          <p:cNvSpPr>
-            <a:spLocks noGrp="1"/>
-          </p:cNvSpPr>
-          <p:nvPr>
-            <p:ph type="title"/>
-          </p:nvPr>
-        </p:nvSpPr>
-        <p:spPr>
-          <a:xfrm>
-            <a:off x="810000" y="447188"/>
-            <a:ext cx="10571998" cy="970450"/>
-          </a:xfrm>
-        </p:spPr>
-        <p:txBody>
-          <a:bodyPr>
-            <a:normAutofit/>
-          </a:bodyPr>
-          <a:lstStyle/>
-          <a:p>
-            <a:r>
-              <a:rPr lang="es-ES" sz="3700"/>
-              <a:t>Robótica móvil: Direccionamiento </a:t>
-            </a:r>
-            <a:r>
-              <a:rPr lang="es-ES" sz="3700" dirty="0"/>
-              <a:t>diferencial</a:t>
-            </a:r>
-          </a:p>
-        </p:txBody>
-      </p:sp>
-      <p:sp>
-        <p:nvSpPr>
-          <p:cNvPr id="3" name="Marcador de contenido 2">
-            <a:extLst>
-              <a:ext uri="{FF2B5EF4-FFF2-40B4-BE49-F238E27FC236}">
-                <a16:creationId xmlns:a16="http://schemas.microsoft.com/office/drawing/2014/main" id="{4DC99629-5F4B-4C39-B3B4-67FD74BC42F0}"/>
-              </a:ext>
-            </a:extLst>
-          </p:cNvPr>
-          <p:cNvSpPr>
-            <a:spLocks noGrp="1"/>
-          </p:cNvSpPr>
-          <p:nvPr>
-            <p:ph idx="1"/>
-          </p:nvPr>
-        </p:nvSpPr>
-        <p:spPr>
-          <a:xfrm>
-            <a:off x="810000" y="2550222"/>
-            <a:ext cx="10563285" cy="1757556"/>
-          </a:xfrm>
-        </p:spPr>
-        <p:txBody>
-          <a:bodyPr>
-            <a:normAutofit/>
-          </a:bodyPr>
-          <a:lstStyle/>
-          <a:p>
-            <a:r>
-              <a:rPr lang="es-ES" sz="2000" dirty="0"/>
-              <a:t>Etapas del cauce gráfico que modificaremos: Transformaciones y Proyecciones.</a:t>
-            </a:r>
-          </a:p>
-          <a:p>
-            <a:r>
-              <a:rPr lang="es-ES" sz="2000" dirty="0"/>
-              <a:t>Utilizando las ecuaciones vistas antes, obtenemos las matrices de translación y rotación.</a:t>
-            </a:r>
-          </a:p>
-          <a:p>
-            <a:r>
-              <a:rPr lang="es-ES" sz="2000" dirty="0"/>
-              <a:t>Tras obtenerlas, proyectaremos los puntos del espacio 3D en un plano 2D.</a:t>
-            </a:r>
-          </a:p>
-          <a:p>
-            <a:endParaRPr lang="es-ES" sz="1600" dirty="0"/>
-          </a:p>
-        </p:txBody>
-      </p:sp>
-      <p:pic>
-        <p:nvPicPr>
-          <p:cNvPr id="5" name="Imagen 4" descr="Diagrama&#10;&#10;Descripción generada automáticamente">
-            <a:extLst>
-              <a:ext uri="{FF2B5EF4-FFF2-40B4-BE49-F238E27FC236}">
-                <a16:creationId xmlns:a16="http://schemas.microsoft.com/office/drawing/2014/main" id="{E04E5D4E-8925-4F0E-ABE0-8A3312441256}"/>
-              </a:ext>
-            </a:extLst>
-          </p:cNvPr>
-          <p:cNvPicPr>
-            <a:picLocks noChangeAspect="1"/>
-          </p:cNvPicPr>
-          <p:nvPr/>
-        </p:nvPicPr>
-        <p:blipFill>
-          <a:blip r:embed="rId3">
-            <a:extLst>
-              <a:ext uri="{28A0092B-C50C-407E-A947-70E740481C1C}">
-                <a14:useLocalDpi xmlns:a14="http://schemas.microsoft.com/office/drawing/2010/main" val="0"/>
-              </a:ext>
-            </a:extLst>
-          </a:blip>
-          <a:stretch>
-            <a:fillRect/>
-          </a:stretch>
-        </p:blipFill>
-        <p:spPr>
-          <a:xfrm>
-            <a:off x="2957324" y="4390169"/>
-            <a:ext cx="6277349" cy="1836125"/>
-          </a:xfrm>
-          <a:prstGeom prst="roundRect">
-            <a:avLst>
-              <a:gd name="adj" fmla="val 3876"/>
-            </a:avLst>
-          </a:prstGeom>
-          <a:ln>
-            <a:solidFill>
-              <a:schemeClr val="accent1"/>
-            </a:solidFill>
-          </a:ln>
-          <a:effectLst/>
-        </p:spPr>
-      </p:pic>
-    </p:spTree>
-    <p:extLst>
-      <p:ext uri="{BB962C8B-B14F-4D97-AF65-F5344CB8AC3E}">
-        <p14:creationId xmlns:p14="http://schemas.microsoft.com/office/powerpoint/2010/main" val="2712864746"/>
+        <p14:creationId xmlns:p14="http://schemas.microsoft.com/office/powerpoint/2010/main" val="3612007770"/>
       </p:ext>
     </p:extLst>
   </p:cSld>

--- a/Presentación/Presentacion TFG.pptx
+++ b/Presentación/Presentacion TFG.pptx
@@ -5,7 +5,7 @@
     <p:sldMasterId id="2147483660" r:id="rId1"/>
   </p:sldMasterIdLst>
   <p:notesMasterIdLst>
-    <p:notesMasterId r:id="rId30"/>
+    <p:notesMasterId r:id="rId31"/>
   </p:notesMasterIdLst>
   <p:sldIdLst>
     <p:sldId id="256" r:id="rId2"/>
@@ -31,11 +31,12 @@
     <p:sldId id="290" r:id="rId22"/>
     <p:sldId id="281" r:id="rId23"/>
     <p:sldId id="274" r:id="rId24"/>
-    <p:sldId id="282" r:id="rId25"/>
-    <p:sldId id="275" r:id="rId26"/>
-    <p:sldId id="287" r:id="rId27"/>
-    <p:sldId id="264" r:id="rId28"/>
-    <p:sldId id="265" r:id="rId29"/>
+    <p:sldId id="291" r:id="rId25"/>
+    <p:sldId id="282" r:id="rId26"/>
+    <p:sldId id="275" r:id="rId27"/>
+    <p:sldId id="287" r:id="rId28"/>
+    <p:sldId id="264" r:id="rId29"/>
+    <p:sldId id="265" r:id="rId30"/>
   </p:sldIdLst>
   <p:sldSz cx="12192000" cy="6858000"/>
   <p:notesSz cx="6858000" cy="9144000"/>
@@ -182,6 +183,7 @@
           <p14:sldIdLst>
             <p14:sldId id="281"/>
             <p14:sldId id="274"/>
+            <p14:sldId id="291"/>
           </p14:sldIdLst>
         </p14:section>
         <p14:section name="Vídeo" id="{7CA64AED-32DD-4074-942A-93E8446C7ECC}">
@@ -8869,7 +8871,7 @@
           <a:p>
             <a:fld id="{85F0EFCF-B614-4068-B216-F7563730AD52}" type="datetimeFigureOut">
               <a:rPr lang="es-ES" smtClean="0"/>
-              <a:t>12/10/2020</a:t>
+              <a:t>13/10/2020</a:t>
             </a:fld>
             <a:endParaRPr lang="es-ES"/>
           </a:p>
@@ -9651,6 +9653,202 @@
 </p:notes>
 </file>
 
+<file path=ppt/notesSlides/notesSlide15.xml><?xml version="1.0" encoding="utf-8"?>
+<p:notes xmlns:a="http://schemas.openxmlformats.org/drawingml/2006/main" xmlns:r="http://schemas.openxmlformats.org/officeDocument/2006/relationships" xmlns:p="http://schemas.openxmlformats.org/presentationml/2006/main">
+  <p:cSld>
+    <p:spTree>
+      <p:nvGrpSpPr>
+        <p:cNvPr id="1" name=""/>
+        <p:cNvGrpSpPr/>
+        <p:nvPr/>
+      </p:nvGrpSpPr>
+      <p:grpSpPr>
+        <a:xfrm>
+          <a:off x="0" y="0"/>
+          <a:ext cx="0" cy="0"/>
+          <a:chOff x="0" y="0"/>
+          <a:chExt cx="0" cy="0"/>
+        </a:xfrm>
+      </p:grpSpPr>
+      <p:sp>
+        <p:nvSpPr>
+          <p:cNvPr id="2" name="Marcador de imagen de diapositiva 1"/>
+          <p:cNvSpPr>
+            <a:spLocks noGrp="1" noRot="1" noChangeAspect="1"/>
+          </p:cNvSpPr>
+          <p:nvPr>
+            <p:ph type="sldImg"/>
+          </p:nvPr>
+        </p:nvSpPr>
+        <p:spPr/>
+      </p:sp>
+      <p:sp>
+        <p:nvSpPr>
+          <p:cNvPr id="3" name="Marcador de notas 2"/>
+          <p:cNvSpPr>
+            <a:spLocks noGrp="1"/>
+          </p:cNvSpPr>
+          <p:nvPr>
+            <p:ph type="body" idx="1"/>
+          </p:nvPr>
+        </p:nvSpPr>
+        <p:spPr/>
+        <p:txBody>
+          <a:bodyPr/>
+          <a:lstStyle/>
+          <a:p>
+            <a:endParaRPr lang="es-ES" dirty="0"/>
+          </a:p>
+        </p:txBody>
+      </p:sp>
+      <p:sp>
+        <p:nvSpPr>
+          <p:cNvPr id="4" name="Marcador de número de diapositiva 3"/>
+          <p:cNvSpPr>
+            <a:spLocks noGrp="1"/>
+          </p:cNvSpPr>
+          <p:nvPr>
+            <p:ph type="sldNum" sz="quarter" idx="5"/>
+          </p:nvPr>
+        </p:nvSpPr>
+        <p:spPr/>
+        <p:txBody>
+          <a:bodyPr/>
+          <a:lstStyle/>
+          <a:p>
+            <a:fld id="{363962C0-CA5D-4093-8E58-B0A79430F5E4}" type="slidenum">
+              <a:rPr lang="es-ES" smtClean="0"/>
+              <a:t>24</a:t>
+            </a:fld>
+            <a:endParaRPr lang="es-ES"/>
+          </a:p>
+        </p:txBody>
+      </p:sp>
+    </p:spTree>
+    <p:extLst>
+      <p:ext uri="{BB962C8B-B14F-4D97-AF65-F5344CB8AC3E}">
+        <p14:creationId xmlns:p14="http://schemas.microsoft.com/office/powerpoint/2010/main" val="3028427543"/>
+      </p:ext>
+    </p:extLst>
+  </p:cSld>
+  <p:clrMapOvr>
+    <a:masterClrMapping/>
+  </p:clrMapOvr>
+</p:notes>
+</file>
+
+<file path=ppt/notesSlides/notesSlide16.xml><?xml version="1.0" encoding="utf-8"?>
+<p:notes xmlns:a="http://schemas.openxmlformats.org/drawingml/2006/main" xmlns:r="http://schemas.openxmlformats.org/officeDocument/2006/relationships" xmlns:p="http://schemas.openxmlformats.org/presentationml/2006/main">
+  <p:cSld>
+    <p:spTree>
+      <p:nvGrpSpPr>
+        <p:cNvPr id="1" name=""/>
+        <p:cNvGrpSpPr/>
+        <p:nvPr/>
+      </p:nvGrpSpPr>
+      <p:grpSpPr>
+        <a:xfrm>
+          <a:off x="0" y="0"/>
+          <a:ext cx="0" cy="0"/>
+          <a:chOff x="0" y="0"/>
+          <a:chExt cx="0" cy="0"/>
+        </a:xfrm>
+      </p:grpSpPr>
+      <p:sp>
+        <p:nvSpPr>
+          <p:cNvPr id="2" name="Marcador de imagen de diapositiva 1"/>
+          <p:cNvSpPr>
+            <a:spLocks noGrp="1" noRot="1" noChangeAspect="1"/>
+          </p:cNvSpPr>
+          <p:nvPr>
+            <p:ph type="sldImg"/>
+          </p:nvPr>
+        </p:nvSpPr>
+        <p:spPr/>
+      </p:sp>
+      <p:sp>
+        <p:nvSpPr>
+          <p:cNvPr id="3" name="Marcador de notas 2"/>
+          <p:cNvSpPr>
+            <a:spLocks noGrp="1"/>
+          </p:cNvSpPr>
+          <p:nvPr>
+            <p:ph type="body" idx="1"/>
+          </p:nvPr>
+        </p:nvSpPr>
+        <p:spPr/>
+        <p:txBody>
+          <a:bodyPr/>
+          <a:lstStyle/>
+          <a:p>
+            <a:pPr lvl="0"/>
+            <a:r>
+              <a:rPr lang="es-ES" sz="2000" dirty="0"/>
+              <a:t>Objetivos específicos:</a:t>
+            </a:r>
+          </a:p>
+          <a:p>
+            <a:pPr lvl="1"/>
+            <a:r>
+              <a:rPr lang="es-ES" sz="2000" dirty="0"/>
+              <a:t>Manipulación del vehículo con teclado y ratón.</a:t>
+            </a:r>
+          </a:p>
+          <a:p>
+            <a:pPr lvl="1"/>
+            <a:r>
+              <a:rPr lang="es-ES" sz="2000" dirty="0"/>
+              <a:t>Visualización con distintos tipos de proyección y con una cámara giratoria.</a:t>
+            </a:r>
+          </a:p>
+          <a:p>
+            <a:pPr lvl="1"/>
+            <a:r>
+              <a:rPr lang="es-ES" sz="2000" dirty="0"/>
+              <a:t>Poder añadir un circuito y recoger datos sobre las vueltas.</a:t>
+            </a:r>
+          </a:p>
+          <a:p>
+            <a:endParaRPr lang="es-ES" dirty="0"/>
+          </a:p>
+        </p:txBody>
+      </p:sp>
+      <p:sp>
+        <p:nvSpPr>
+          <p:cNvPr id="4" name="Marcador de número de diapositiva 3"/>
+          <p:cNvSpPr>
+            <a:spLocks noGrp="1"/>
+          </p:cNvSpPr>
+          <p:nvPr>
+            <p:ph type="sldNum" sz="quarter" idx="5"/>
+          </p:nvPr>
+        </p:nvSpPr>
+        <p:spPr/>
+        <p:txBody>
+          <a:bodyPr/>
+          <a:lstStyle/>
+          <a:p>
+            <a:fld id="{363962C0-CA5D-4093-8E58-B0A79430F5E4}" type="slidenum">
+              <a:rPr lang="es-ES" smtClean="0"/>
+              <a:t>28</a:t>
+            </a:fld>
+            <a:endParaRPr lang="es-ES"/>
+          </a:p>
+        </p:txBody>
+      </p:sp>
+    </p:spTree>
+    <p:extLst>
+      <p:ext uri="{BB962C8B-B14F-4D97-AF65-F5344CB8AC3E}">
+        <p14:creationId xmlns:p14="http://schemas.microsoft.com/office/powerpoint/2010/main" val="3064493464"/>
+      </p:ext>
+    </p:extLst>
+  </p:cSld>
+  <p:clrMapOvr>
+    <a:masterClrMapping/>
+  </p:clrMapOvr>
+</p:notes>
+</file>
+
 <file path=ppt/notesSlides/notesSlide2.xml><?xml version="1.0" encoding="utf-8"?>
 <p:notes xmlns:a="http://schemas.openxmlformats.org/drawingml/2006/main" xmlns:r="http://schemas.openxmlformats.org/officeDocument/2006/relationships" xmlns:p="http://schemas.openxmlformats.org/presentationml/2006/main">
   <p:cSld>
@@ -10544,7 +10742,7 @@
           <a:effectLst/>
           <a:extLst>
             <a:ext uri="{91240B29-F687-4f45-9708-019B960494DF}">
-              <a14:hiddenLine xmlns="" xmlns:a14="http://schemas.microsoft.com/office/drawing/2010/main" w="9525">
+              <a14:hiddenLine xmlns:a14="http://schemas.microsoft.com/office/drawing/2010/main" xmlns="" w="9525">
                 <a:solidFill>
                   <a:srgbClr val="000000"/>
                 </a:solidFill>
@@ -10736,7 +10934,7 @@
           <a:p>
             <a:fld id="{E28C9A9C-EDD8-4198-B192-13B318A0B9EE}" type="datetime1">
               <a:rPr lang="es-ES" smtClean="0"/>
-              <a:t>12/10/2020</a:t>
+              <a:t>13/10/2020</a:t>
             </a:fld>
             <a:endParaRPr lang="es-ES"/>
           </a:p>
@@ -11054,7 +11252,7 @@
           <a:p>
             <a:fld id="{5E94F8D1-073B-460D-9820-205B283E274C}" type="datetime1">
               <a:rPr lang="es-ES" smtClean="0"/>
-              <a:t>12/10/2020</a:t>
+              <a:t>13/10/2020</a:t>
             </a:fld>
             <a:endParaRPr lang="es-ES"/>
           </a:p>
@@ -11542,7 +11740,7 @@
           <a:p>
             <a:fld id="{A231AD32-90CF-4FEF-88F3-F155C88B574B}" type="datetime1">
               <a:rPr lang="es-ES" smtClean="0"/>
-              <a:t>12/10/2020</a:t>
+              <a:t>13/10/2020</a:t>
             </a:fld>
             <a:endParaRPr lang="es-ES"/>
           </a:p>
@@ -11911,7 +12109,7 @@
           <a:p>
             <a:fld id="{FEBA89A1-B4D8-4B74-A7BA-E90223D72943}" type="datetime1">
               <a:rPr lang="es-ES" smtClean="0"/>
-              <a:t>12/10/2020</a:t>
+              <a:t>13/10/2020</a:t>
             </a:fld>
             <a:endParaRPr lang="es-ES"/>
           </a:p>
@@ -12066,7 +12264,7 @@
           <a:ln/>
           <a:extLst>
             <a:ext uri="{91240B29-F687-4f45-9708-019B960494DF}">
-              <a14:hiddenLine xmlns="" xmlns:a14="http://schemas.microsoft.com/office/drawing/2010/main" w="9525">
+              <a14:hiddenLine xmlns:a14="http://schemas.microsoft.com/office/drawing/2010/main" xmlns="" w="9525">
                 <a:solidFill>
                   <a:srgbClr val="000000"/>
                 </a:solidFill>
@@ -12184,7 +12382,7 @@
           <a:p>
             <a:fld id="{13E6C600-E185-4E3A-A61A-809A5DB34737}" type="datetime1">
               <a:rPr lang="es-ES" smtClean="0"/>
-              <a:t>12/10/2020</a:t>
+              <a:t>13/10/2020</a:t>
             </a:fld>
             <a:endParaRPr lang="es-ES"/>
           </a:p>
@@ -12341,7 +12539,7 @@
           <a:ln/>
           <a:extLst>
             <a:ext uri="{91240B29-F687-4f45-9708-019B960494DF}">
-              <a14:hiddenLine xmlns="" xmlns:a14="http://schemas.microsoft.com/office/drawing/2010/main" w="9525">
+              <a14:hiddenLine xmlns:a14="http://schemas.microsoft.com/office/drawing/2010/main" xmlns="" w="9525">
                 <a:solidFill>
                   <a:srgbClr val="000000"/>
                 </a:solidFill>
@@ -12469,7 +12667,7 @@
           <a:p>
             <a:fld id="{BE274FD0-3B9E-402E-B02F-374DC9FBC0C4}" type="datetime1">
               <a:rPr lang="es-ES" smtClean="0"/>
-              <a:t>12/10/2020</a:t>
+              <a:t>13/10/2020</a:t>
             </a:fld>
             <a:endParaRPr lang="es-ES"/>
           </a:p>
@@ -12624,7 +12822,7 @@
           <a:ln/>
           <a:extLst>
             <a:ext uri="{91240B29-F687-4f45-9708-019B960494DF}">
-              <a14:hiddenLine xmlns="" xmlns:a14="http://schemas.microsoft.com/office/drawing/2010/main" w="9525">
+              <a14:hiddenLine xmlns:a14="http://schemas.microsoft.com/office/drawing/2010/main" xmlns="" w="9525">
                 <a:solidFill>
                   <a:srgbClr val="000000"/>
                 </a:solidFill>
@@ -12752,7 +12950,7 @@
           <a:p>
             <a:fld id="{E4B8BFAC-48AB-438D-B652-4924110593D1}" type="datetime1">
               <a:rPr lang="es-ES" smtClean="0"/>
-              <a:t>12/10/2020</a:t>
+              <a:t>13/10/2020</a:t>
             </a:fld>
             <a:endParaRPr lang="es-ES"/>
           </a:p>
@@ -13095,7 +13293,7 @@
           <a:p>
             <a:fld id="{F95C182E-DD2D-4FC8-88A8-3FFEDE76A2CA}" type="datetime1">
               <a:rPr lang="es-ES" smtClean="0"/>
-              <a:t>12/10/2020</a:t>
+              <a:t>13/10/2020</a:t>
             </a:fld>
             <a:endParaRPr lang="es-ES"/>
           </a:p>
@@ -13250,7 +13448,7 @@
           <a:ln/>
           <a:extLst>
             <a:ext uri="{91240B29-F687-4f45-9708-019B960494DF}">
-              <a14:hiddenLine xmlns="" xmlns:a14="http://schemas.microsoft.com/office/drawing/2010/main" w="9525">
+              <a14:hiddenLine xmlns:a14="http://schemas.microsoft.com/office/drawing/2010/main" xmlns="" w="9525">
                 <a:solidFill>
                   <a:srgbClr val="000000"/>
                 </a:solidFill>
@@ -13434,7 +13632,7 @@
           <a:p>
             <a:fld id="{D1488A95-6433-4542-82F5-3A0C3D545517}" type="datetime1">
               <a:rPr lang="es-ES" smtClean="0"/>
-              <a:t>12/10/2020</a:t>
+              <a:t>13/10/2020</a:t>
             </a:fld>
             <a:endParaRPr lang="es-ES"/>
           </a:p>
@@ -13589,7 +13787,7 @@
           <a:ln/>
           <a:extLst>
             <a:ext uri="{91240B29-F687-4f45-9708-019B960494DF}">
-              <a14:hiddenLine xmlns="" xmlns:a14="http://schemas.microsoft.com/office/drawing/2010/main" w="9525">
+              <a14:hiddenLine xmlns:a14="http://schemas.microsoft.com/office/drawing/2010/main" xmlns="" w="9525">
                 <a:solidFill>
                   <a:srgbClr val="000000"/>
                 </a:solidFill>
@@ -13911,7 +14109,7 @@
           <a:p>
             <a:fld id="{AB722415-5F60-4690-B3C3-AC8D94158B68}" type="datetime1">
               <a:rPr lang="es-ES" smtClean="0"/>
-              <a:t>12/10/2020</a:t>
+              <a:t>13/10/2020</a:t>
             </a:fld>
             <a:endParaRPr lang="es-ES"/>
           </a:p>
@@ -14066,7 +14264,7 @@
           <a:ln/>
           <a:extLst>
             <a:ext uri="{91240B29-F687-4f45-9708-019B960494DF}">
-              <a14:hiddenLine xmlns="" xmlns:a14="http://schemas.microsoft.com/office/drawing/2010/main" w="9525">
+              <a14:hiddenLine xmlns:a14="http://schemas.microsoft.com/office/drawing/2010/main" xmlns="" w="9525">
                 <a:solidFill>
                   <a:srgbClr val="000000"/>
                 </a:solidFill>
@@ -14132,7 +14330,7 @@
           <a:p>
             <a:fld id="{800CEFA6-ADC7-454C-B702-FB7806348B0E}" type="datetime1">
               <a:rPr lang="es-ES" smtClean="0"/>
-              <a:t>12/10/2020</a:t>
+              <a:t>13/10/2020</a:t>
             </a:fld>
             <a:endParaRPr lang="es-ES"/>
           </a:p>
@@ -14227,7 +14425,7 @@
           <a:p>
             <a:fld id="{28830155-37B9-484E-8BC2-8F7C83577E11}" type="datetime1">
               <a:rPr lang="es-ES" smtClean="0"/>
-              <a:t>12/10/2020</a:t>
+              <a:t>13/10/2020</a:t>
             </a:fld>
             <a:endParaRPr lang="es-ES"/>
           </a:p>
@@ -14495,7 +14693,7 @@
           <a:ln/>
           <a:extLst>
             <a:ext uri="{91240B29-F687-4f45-9708-019B960494DF}">
-              <a14:hiddenLine xmlns="" xmlns:a14="http://schemas.microsoft.com/office/drawing/2010/main" w="9525">
+              <a14:hiddenLine xmlns:a14="http://schemas.microsoft.com/office/drawing/2010/main" xmlns="" w="9525">
                 <a:solidFill>
                   <a:srgbClr val="000000"/>
                 </a:solidFill>
@@ -14694,7 +14892,7 @@
           <a:p>
             <a:fld id="{08ACD45F-798B-4BFC-95F6-033FB5F5CD0C}" type="datetime1">
               <a:rPr lang="es-ES" smtClean="0"/>
-              <a:t>12/10/2020</a:t>
+              <a:t>13/10/2020</a:t>
             </a:fld>
             <a:endParaRPr lang="es-ES"/>
           </a:p>
@@ -15007,7 +15205,7 @@
           <a:p>
             <a:fld id="{0C11F35B-53A6-4A04-843E-7763E1F6FEE8}" type="datetime1">
               <a:rPr lang="es-ES" smtClean="0"/>
-              <a:t>12/10/2020</a:t>
+              <a:t>13/10/2020</a:t>
             </a:fld>
             <a:endParaRPr lang="es-ES"/>
           </a:p>
@@ -15277,7 +15475,7 @@
           <a:p>
             <a:fld id="{920BE8E0-F37A-4E3F-AFD2-C92712EC0098}" type="datetime1">
               <a:rPr lang="es-ES" smtClean="0"/>
-              <a:t>12/10/2020</a:t>
+              <a:t>13/10/2020</a:t>
             </a:fld>
             <a:endParaRPr lang="es-ES"/>
           </a:p>
@@ -19033,12 +19231,96 @@
             <p:ph idx="1"/>
           </p:nvPr>
         </p:nvSpPr>
-        <p:spPr/>
+        <p:spPr>
+          <a:xfrm>
+            <a:off x="827424" y="2395297"/>
+            <a:ext cx="10554574" cy="3520591"/>
+          </a:xfrm>
+        </p:spPr>
         <p:txBody>
-          <a:bodyPr/>
+          <a:bodyPr numCol="2">
+            <a:normAutofit/>
+          </a:bodyPr>
           <a:lstStyle/>
           <a:p>
-            <a:endParaRPr lang="es-ES"/>
+            <a:r>
+              <a:rPr lang="es-ES" sz="2800" dirty="0"/>
+              <a:t>7 pruebas:</a:t>
+            </a:r>
+          </a:p>
+          <a:p>
+            <a:pPr lvl="1">
+              <a:buFont typeface="+mj-lt"/>
+              <a:buAutoNum type="arabicPeriod"/>
+            </a:pPr>
+            <a:r>
+              <a:rPr lang="es-ES" sz="2400" dirty="0"/>
+              <a:t>Estándar.</a:t>
+            </a:r>
+          </a:p>
+          <a:p>
+            <a:pPr lvl="1">
+              <a:buFont typeface="+mj-lt"/>
+              <a:buAutoNum type="arabicPeriod"/>
+            </a:pPr>
+            <a:r>
+              <a:rPr lang="es-ES" sz="2400" dirty="0"/>
+              <a:t>Reducción distancia entre ruedas.</a:t>
+            </a:r>
+          </a:p>
+          <a:p>
+            <a:pPr lvl="1">
+              <a:buFont typeface="+mj-lt"/>
+              <a:buAutoNum type="arabicPeriod"/>
+            </a:pPr>
+            <a:r>
+              <a:rPr lang="es-ES" sz="2400" dirty="0"/>
+              <a:t>Reducción distancia entre sensores.</a:t>
+            </a:r>
+          </a:p>
+          <a:p>
+            <a:pPr lvl="1">
+              <a:buFont typeface="+mj-lt"/>
+              <a:buAutoNum type="arabicPeriod"/>
+            </a:pPr>
+            <a:endParaRPr lang="es-ES" sz="2400" dirty="0"/>
+          </a:p>
+          <a:p>
+            <a:pPr lvl="1">
+              <a:buFont typeface="+mj-lt"/>
+              <a:buAutoNum type="arabicPeriod"/>
+            </a:pPr>
+            <a:endParaRPr lang="es-ES" sz="2400" dirty="0"/>
+          </a:p>
+          <a:p>
+            <a:pPr lvl="1">
+              <a:buFont typeface="+mj-lt"/>
+              <a:buAutoNum type="arabicPeriod"/>
+            </a:pPr>
+            <a:r>
+              <a:rPr lang="es-ES" sz="2400" dirty="0"/>
+              <a:t>Aumento distancia ruedas sensores.</a:t>
+            </a:r>
+          </a:p>
+          <a:p>
+            <a:pPr lvl="1">
+              <a:buFont typeface="+mj-lt"/>
+              <a:buAutoNum type="arabicPeriod"/>
+            </a:pPr>
+            <a:r>
+              <a:rPr lang="es-ES" sz="2400" dirty="0"/>
+              <a:t>Aumento de velocidad angular.</a:t>
+            </a:r>
+          </a:p>
+          <a:p>
+            <a:pPr lvl="1">
+              <a:buFont typeface="+mj-lt"/>
+              <a:buAutoNum type="arabicPeriod"/>
+            </a:pPr>
+            <a:r>
+              <a:rPr lang="es-ES" sz="2400" dirty="0"/>
+              <a:t>Aumento radio de las ruedas.</a:t>
+            </a:r>
           </a:p>
         </p:txBody>
       </p:sp>
@@ -19087,6 +19369,14 @@
 <file path=ppt/slides/slide24.xml><?xml version="1.0" encoding="utf-8"?>
 <p:sld xmlns:a="http://schemas.openxmlformats.org/drawingml/2006/main" xmlns:r="http://schemas.openxmlformats.org/officeDocument/2006/relationships" xmlns:p="http://schemas.openxmlformats.org/presentationml/2006/main">
   <p:cSld>
+    <p:bg>
+      <p:bgPr>
+        <a:solidFill>
+          <a:schemeClr val="bg2"/>
+        </a:solidFill>
+        <a:effectLst/>
+      </p:bgPr>
+    </p:bg>
     <p:spTree>
       <p:nvGrpSpPr>
         <p:cNvPr id="1" name=""/>
@@ -19106,7 +19396,7 @@
           <p:cNvPr id="2" name="Título 1">
             <a:extLst>
               <a:ext uri="{FF2B5EF4-FFF2-40B4-BE49-F238E27FC236}">
-                <a16:creationId xmlns:a16="http://schemas.microsoft.com/office/drawing/2014/main" id="{99629A13-BBCD-4675-B0AF-1422BC481D47}"/>
+                <a16:creationId xmlns:a16="http://schemas.microsoft.com/office/drawing/2014/main" id="{41CCF0A6-9D20-4BF9-B413-B977DC741AF6}"/>
               </a:ext>
             </a:extLst>
           </p:cNvPr>
@@ -19117,24 +19407,31 @@
             <p:ph type="title"/>
           </p:nvPr>
         </p:nvSpPr>
-        <p:spPr/>
+        <p:spPr>
+          <a:xfrm>
+            <a:off x="810000" y="447188"/>
+            <a:ext cx="10571998" cy="970450"/>
+          </a:xfrm>
+        </p:spPr>
         <p:txBody>
-          <a:bodyPr/>
+          <a:bodyPr>
+            <a:normAutofit/>
+          </a:bodyPr>
           <a:lstStyle/>
           <a:p>
             <a:r>
               <a:rPr lang="es-ES" dirty="0"/>
-              <a:t>Índice</a:t>
+              <a:t>Pruebas: Séptima prueba.</a:t>
             </a:r>
           </a:p>
         </p:txBody>
       </p:sp>
       <p:sp>
         <p:nvSpPr>
-          <p:cNvPr id="3" name="Marcador de contenido 2">
+          <p:cNvPr id="6" name="Marcador de contenido 5">
             <a:extLst>
               <a:ext uri="{FF2B5EF4-FFF2-40B4-BE49-F238E27FC236}">
-                <a16:creationId xmlns:a16="http://schemas.microsoft.com/office/drawing/2014/main" id="{19FDC435-2252-4AAA-B09D-7D31BF9DAC5B}"/>
+                <a16:creationId xmlns:a16="http://schemas.microsoft.com/office/drawing/2014/main" id="{2734F2EC-93DA-437E-9DEC-D04CA2FE935E}"/>
               </a:ext>
             </a:extLst>
           </p:cNvPr>
@@ -19147,65 +19444,20 @@
         </p:nvSpPr>
         <p:spPr>
           <a:xfrm>
-            <a:off x="810000" y="2921620"/>
-            <a:ext cx="10554574" cy="3936380"/>
+            <a:off x="818713" y="2312639"/>
+            <a:ext cx="8792979" cy="709341"/>
           </a:xfrm>
         </p:spPr>
         <p:txBody>
           <a:bodyPr>
-            <a:normAutofit fontScale="85000" lnSpcReduction="20000"/>
+            <a:normAutofit/>
           </a:bodyPr>
           <a:lstStyle/>
           <a:p>
             <a:r>
-              <a:rPr lang="es-ES" sz="3600" dirty="0"/>
-              <a:t>Introducción</a:t>
-            </a:r>
-          </a:p>
-          <a:p>
-            <a:r>
-              <a:rPr lang="es-ES" sz="3600" dirty="0"/>
-              <a:t>Modelado del sistema</a:t>
-            </a:r>
-          </a:p>
-          <a:p>
-            <a:r>
-              <a:rPr lang="es-ES" sz="3600" dirty="0"/>
-              <a:t>Entorno tecnológico</a:t>
-            </a:r>
-          </a:p>
-          <a:p>
-            <a:r>
-              <a:rPr lang="es-ES" sz="3600" dirty="0"/>
-              <a:t>Descripción de la aplicación</a:t>
-            </a:r>
-          </a:p>
-          <a:p>
-            <a:r>
-              <a:rPr lang="es-ES" sz="3600" dirty="0"/>
-              <a:t>Pruebas</a:t>
-            </a:r>
-          </a:p>
-          <a:p>
-            <a:r>
-              <a:rPr lang="es-ES" sz="3600" b="1" dirty="0"/>
-              <a:t>Video</a:t>
-            </a:r>
-          </a:p>
-          <a:p>
-            <a:r>
-              <a:rPr lang="es-ES" sz="3600" dirty="0"/>
-              <a:t>Conclusiones</a:t>
-            </a:r>
-          </a:p>
-          <a:p>
-            <a:endParaRPr lang="es-ES" dirty="0"/>
-          </a:p>
-          <a:p>
-            <a:endParaRPr lang="es-ES" dirty="0"/>
-          </a:p>
-          <a:p>
-            <a:endParaRPr lang="es-ES" dirty="0"/>
+              <a:rPr lang="es-ES" sz="1600" dirty="0"/>
+              <a:t>Buscamos el mejor resultado sin aumentar velocidad.</a:t>
+            </a:r>
           </a:p>
         </p:txBody>
       </p:sp>
@@ -19214,7 +19466,7 @@
           <p:cNvPr id="4" name="Marcador de número de diapositiva 3">
             <a:extLst>
               <a:ext uri="{FF2B5EF4-FFF2-40B4-BE49-F238E27FC236}">
-                <a16:creationId xmlns:a16="http://schemas.microsoft.com/office/drawing/2014/main" id="{4CB7E394-5AF0-4E29-912E-88635E0ECD2A}"/>
+                <a16:creationId xmlns:a16="http://schemas.microsoft.com/office/drawing/2014/main" id="{6AEFF735-6130-496F-B57C-85F185D6BD07}"/>
               </a:ext>
             </a:extLst>
           </p:cNvPr>
@@ -19225,23 +19477,84 @@
             <p:ph type="sldNum" sz="quarter" idx="12"/>
           </p:nvPr>
         </p:nvSpPr>
-        <p:spPr/>
+        <p:spPr>
+          <a:xfrm>
+            <a:off x="10317045" y="6129338"/>
+            <a:ext cx="1062155" cy="490599"/>
+          </a:xfrm>
+        </p:spPr>
         <p:txBody>
-          <a:bodyPr/>
+          <a:bodyPr>
+            <a:normAutofit/>
+          </a:bodyPr>
           <a:lstStyle/>
           <a:p>
+            <a:pPr>
+              <a:spcAft>
+                <a:spcPts val="600"/>
+              </a:spcAft>
+            </a:pPr>
             <a:fld id="{5452FDC3-B045-4A3B-9520-6737031B2C45}" type="slidenum">
               <a:rPr lang="es-ES" smtClean="0"/>
+              <a:pPr>
+                <a:spcAft>
+                  <a:spcPts val="600"/>
+                </a:spcAft>
+              </a:pPr>
               <a:t>24</a:t>
             </a:fld>
-            <a:endParaRPr lang="es-ES" dirty="0"/>
+            <a:endParaRPr lang="es-ES"/>
           </a:p>
         </p:txBody>
       </p:sp>
+      <p:pic>
+        <p:nvPicPr>
+          <p:cNvPr id="8" name="Imagen 7" descr="Tabla&#10;&#10;Descripción generada automáticamente">
+            <a:extLst>
+              <a:ext uri="{FF2B5EF4-FFF2-40B4-BE49-F238E27FC236}">
+                <a16:creationId xmlns:a16="http://schemas.microsoft.com/office/drawing/2014/main" id="{A402A0C5-C803-40C9-810B-644807A9FC07}"/>
+              </a:ext>
+            </a:extLst>
+          </p:cNvPr>
+          <p:cNvPicPr>
+            <a:picLocks noChangeAspect="1"/>
+          </p:cNvPicPr>
+          <p:nvPr/>
+        </p:nvPicPr>
+        <p:blipFill>
+          <a:blip r:embed="rId3">
+            <a:extLst>
+              <a:ext uri="{28A0092B-C50C-407E-A947-70E740481C1C}">
+                <a14:useLocalDpi xmlns:a14="http://schemas.microsoft.com/office/drawing/2010/main" val="0"/>
+              </a:ext>
+            </a:extLst>
+          </a:blip>
+          <a:stretch>
+            <a:fillRect/>
+          </a:stretch>
+        </p:blipFill>
+        <p:spPr>
+          <a:xfrm>
+            <a:off x="2577776" y="3122341"/>
+            <a:ext cx="7033916" cy="3006997"/>
+          </a:xfrm>
+          <a:prstGeom prst="roundRect">
+            <a:avLst>
+              <a:gd name="adj" fmla="val 3876"/>
+            </a:avLst>
+          </a:prstGeom>
+          <a:ln>
+            <a:solidFill>
+              <a:schemeClr val="accent1"/>
+            </a:solidFill>
+          </a:ln>
+          <a:effectLst/>
+        </p:spPr>
+      </p:pic>
     </p:spTree>
     <p:extLst>
       <p:ext uri="{BB962C8B-B14F-4D97-AF65-F5344CB8AC3E}">
-        <p14:creationId xmlns:p14="http://schemas.microsoft.com/office/powerpoint/2010/main" val="1207708785"/>
+        <p14:creationId xmlns:p14="http://schemas.microsoft.com/office/powerpoint/2010/main" val="848395969"/>
       </p:ext>
     </p:extLst>
   </p:cSld>
@@ -19273,7 +19586,7 @@
           <p:cNvPr id="2" name="Título 1">
             <a:extLst>
               <a:ext uri="{FF2B5EF4-FFF2-40B4-BE49-F238E27FC236}">
-                <a16:creationId xmlns:a16="http://schemas.microsoft.com/office/drawing/2014/main" id="{5D1F1BAB-3A2D-4896-BBB2-BE3352857610}"/>
+                <a16:creationId xmlns:a16="http://schemas.microsoft.com/office/drawing/2014/main" id="{99629A13-BBCD-4675-B0AF-1422BC481D47}"/>
               </a:ext>
             </a:extLst>
           </p:cNvPr>
@@ -19291,7 +19604,7 @@
           <a:p>
             <a:r>
               <a:rPr lang="es-ES" dirty="0"/>
-              <a:t>Video</a:t>
+              <a:t>Índice</a:t>
             </a:r>
           </a:p>
         </p:txBody>
@@ -19301,7 +19614,7 @@
           <p:cNvPr id="3" name="Marcador de contenido 2">
             <a:extLst>
               <a:ext uri="{FF2B5EF4-FFF2-40B4-BE49-F238E27FC236}">
-                <a16:creationId xmlns:a16="http://schemas.microsoft.com/office/drawing/2014/main" id="{6923C868-5F19-4D46-B9A2-887B107F7953}"/>
+                <a16:creationId xmlns:a16="http://schemas.microsoft.com/office/drawing/2014/main" id="{19FDC435-2252-4AAA-B09D-7D31BF9DAC5B}"/>
               </a:ext>
             </a:extLst>
           </p:cNvPr>
@@ -19312,10 +19625,65 @@
             <p:ph idx="1"/>
           </p:nvPr>
         </p:nvSpPr>
-        <p:spPr/>
+        <p:spPr>
+          <a:xfrm>
+            <a:off x="810000" y="2921620"/>
+            <a:ext cx="10554574" cy="3936380"/>
+          </a:xfrm>
+        </p:spPr>
         <p:txBody>
-          <a:bodyPr/>
+          <a:bodyPr>
+            <a:normAutofit fontScale="85000" lnSpcReduction="20000"/>
+          </a:bodyPr>
           <a:lstStyle/>
+          <a:p>
+            <a:r>
+              <a:rPr lang="es-ES" sz="3600" dirty="0"/>
+              <a:t>Introducción</a:t>
+            </a:r>
+          </a:p>
+          <a:p>
+            <a:r>
+              <a:rPr lang="es-ES" sz="3600" dirty="0"/>
+              <a:t>Modelado del sistema</a:t>
+            </a:r>
+          </a:p>
+          <a:p>
+            <a:r>
+              <a:rPr lang="es-ES" sz="3600" dirty="0"/>
+              <a:t>Entorno tecnológico</a:t>
+            </a:r>
+          </a:p>
+          <a:p>
+            <a:r>
+              <a:rPr lang="es-ES" sz="3600" dirty="0"/>
+              <a:t>Descripción de la aplicación</a:t>
+            </a:r>
+          </a:p>
+          <a:p>
+            <a:r>
+              <a:rPr lang="es-ES" sz="3600" dirty="0"/>
+              <a:t>Pruebas</a:t>
+            </a:r>
+          </a:p>
+          <a:p>
+            <a:r>
+              <a:rPr lang="es-ES" sz="3600" b="1" dirty="0"/>
+              <a:t>Video</a:t>
+            </a:r>
+          </a:p>
+          <a:p>
+            <a:r>
+              <a:rPr lang="es-ES" sz="3600" dirty="0"/>
+              <a:t>Conclusiones</a:t>
+            </a:r>
+          </a:p>
+          <a:p>
+            <a:endParaRPr lang="es-ES" dirty="0"/>
+          </a:p>
+          <a:p>
+            <a:endParaRPr lang="es-ES" dirty="0"/>
+          </a:p>
           <a:p>
             <a:endParaRPr lang="es-ES" dirty="0"/>
           </a:p>
@@ -19326,7 +19694,7 @@
           <p:cNvPr id="4" name="Marcador de número de diapositiva 3">
             <a:extLst>
               <a:ext uri="{FF2B5EF4-FFF2-40B4-BE49-F238E27FC236}">
-                <a16:creationId xmlns:a16="http://schemas.microsoft.com/office/drawing/2014/main" id="{BA2507A4-065D-423F-A40D-9986A066F15B}"/>
+                <a16:creationId xmlns:a16="http://schemas.microsoft.com/office/drawing/2014/main" id="{4CB7E394-5AF0-4E29-912E-88635E0ECD2A}"/>
               </a:ext>
             </a:extLst>
           </p:cNvPr>
@@ -19346,14 +19714,14 @@
               <a:rPr lang="es-ES" smtClean="0"/>
               <a:t>25</a:t>
             </a:fld>
-            <a:endParaRPr lang="es-ES"/>
+            <a:endParaRPr lang="es-ES" dirty="0"/>
           </a:p>
         </p:txBody>
       </p:sp>
     </p:spTree>
     <p:extLst>
       <p:ext uri="{BB962C8B-B14F-4D97-AF65-F5344CB8AC3E}">
-        <p14:creationId xmlns:p14="http://schemas.microsoft.com/office/powerpoint/2010/main" val="3875991642"/>
+        <p14:creationId xmlns:p14="http://schemas.microsoft.com/office/powerpoint/2010/main" val="1207708785"/>
       </p:ext>
     </p:extLst>
   </p:cSld>
@@ -19385,7 +19753,7 @@
           <p:cNvPr id="2" name="Título 1">
             <a:extLst>
               <a:ext uri="{FF2B5EF4-FFF2-40B4-BE49-F238E27FC236}">
-                <a16:creationId xmlns:a16="http://schemas.microsoft.com/office/drawing/2014/main" id="{99629A13-BBCD-4675-B0AF-1422BC481D47}"/>
+                <a16:creationId xmlns:a16="http://schemas.microsoft.com/office/drawing/2014/main" id="{5D1F1BAB-3A2D-4896-BBB2-BE3352857610}"/>
               </a:ext>
             </a:extLst>
           </p:cNvPr>
@@ -19403,7 +19771,7 @@
           <a:p>
             <a:r>
               <a:rPr lang="es-ES" dirty="0"/>
-              <a:t>Índice</a:t>
+              <a:t>Video</a:t>
             </a:r>
           </a:p>
         </p:txBody>
@@ -19413,7 +19781,7 @@
           <p:cNvPr id="3" name="Marcador de contenido 2">
             <a:extLst>
               <a:ext uri="{FF2B5EF4-FFF2-40B4-BE49-F238E27FC236}">
-                <a16:creationId xmlns:a16="http://schemas.microsoft.com/office/drawing/2014/main" id="{19FDC435-2252-4AAA-B09D-7D31BF9DAC5B}"/>
+                <a16:creationId xmlns:a16="http://schemas.microsoft.com/office/drawing/2014/main" id="{6923C868-5F19-4D46-B9A2-887B107F7953}"/>
               </a:ext>
             </a:extLst>
           </p:cNvPr>
@@ -19424,65 +19792,10 @@
             <p:ph idx="1"/>
           </p:nvPr>
         </p:nvSpPr>
-        <p:spPr>
-          <a:xfrm>
-            <a:off x="810000" y="2921620"/>
-            <a:ext cx="10554574" cy="3936380"/>
-          </a:xfrm>
-        </p:spPr>
+        <p:spPr/>
         <p:txBody>
-          <a:bodyPr>
-            <a:normAutofit fontScale="85000" lnSpcReduction="20000"/>
-          </a:bodyPr>
+          <a:bodyPr/>
           <a:lstStyle/>
-          <a:p>
-            <a:r>
-              <a:rPr lang="es-ES" sz="3600" dirty="0"/>
-              <a:t>Introducción</a:t>
-            </a:r>
-          </a:p>
-          <a:p>
-            <a:r>
-              <a:rPr lang="es-ES" sz="3600" dirty="0"/>
-              <a:t>Modelado del sistema</a:t>
-            </a:r>
-          </a:p>
-          <a:p>
-            <a:r>
-              <a:rPr lang="es-ES" sz="3600" dirty="0"/>
-              <a:t>Entorno tecnológico</a:t>
-            </a:r>
-          </a:p>
-          <a:p>
-            <a:r>
-              <a:rPr lang="es-ES" sz="3600" dirty="0"/>
-              <a:t>Descripción de la aplicación</a:t>
-            </a:r>
-          </a:p>
-          <a:p>
-            <a:r>
-              <a:rPr lang="es-ES" sz="3600" dirty="0"/>
-              <a:t>Pruebas</a:t>
-            </a:r>
-          </a:p>
-          <a:p>
-            <a:r>
-              <a:rPr lang="es-ES" sz="3600" dirty="0"/>
-              <a:t>Video</a:t>
-            </a:r>
-          </a:p>
-          <a:p>
-            <a:r>
-              <a:rPr lang="es-ES" sz="3600" b="1" dirty="0"/>
-              <a:t>Conclusiones</a:t>
-            </a:r>
-          </a:p>
-          <a:p>
-            <a:endParaRPr lang="es-ES" dirty="0"/>
-          </a:p>
-          <a:p>
-            <a:endParaRPr lang="es-ES" dirty="0"/>
-          </a:p>
           <a:p>
             <a:endParaRPr lang="es-ES" dirty="0"/>
           </a:p>
@@ -19493,7 +19806,7 @@
           <p:cNvPr id="4" name="Marcador de número de diapositiva 3">
             <a:extLst>
               <a:ext uri="{FF2B5EF4-FFF2-40B4-BE49-F238E27FC236}">
-                <a16:creationId xmlns:a16="http://schemas.microsoft.com/office/drawing/2014/main" id="{4CB7E394-5AF0-4E29-912E-88635E0ECD2A}"/>
+                <a16:creationId xmlns:a16="http://schemas.microsoft.com/office/drawing/2014/main" id="{BA2507A4-065D-423F-A40D-9986A066F15B}"/>
               </a:ext>
             </a:extLst>
           </p:cNvPr>
@@ -19513,14 +19826,14 @@
               <a:rPr lang="es-ES" smtClean="0"/>
               <a:t>26</a:t>
             </a:fld>
-            <a:endParaRPr lang="es-ES" dirty="0"/>
+            <a:endParaRPr lang="es-ES"/>
           </a:p>
         </p:txBody>
       </p:sp>
     </p:spTree>
     <p:extLst>
       <p:ext uri="{BB962C8B-B14F-4D97-AF65-F5344CB8AC3E}">
-        <p14:creationId xmlns:p14="http://schemas.microsoft.com/office/powerpoint/2010/main" val="3764456662"/>
+        <p14:creationId xmlns:p14="http://schemas.microsoft.com/office/powerpoint/2010/main" val="3875991642"/>
       </p:ext>
     </p:extLst>
   </p:cSld>
@@ -19552,7 +19865,7 @@
           <p:cNvPr id="2" name="Título 1">
             <a:extLst>
               <a:ext uri="{FF2B5EF4-FFF2-40B4-BE49-F238E27FC236}">
-                <a16:creationId xmlns:a16="http://schemas.microsoft.com/office/drawing/2014/main" id="{BCAAC17A-9891-4919-982E-93CF89D25419}"/>
+                <a16:creationId xmlns:a16="http://schemas.microsoft.com/office/drawing/2014/main" id="{99629A13-BBCD-4675-B0AF-1422BC481D47}"/>
               </a:ext>
             </a:extLst>
           </p:cNvPr>
@@ -19570,7 +19883,7 @@
           <a:p>
             <a:r>
               <a:rPr lang="es-ES" dirty="0"/>
-              <a:t>Conclusiones</a:t>
+              <a:t>Índice</a:t>
             </a:r>
           </a:p>
         </p:txBody>
@@ -19580,7 +19893,7 @@
           <p:cNvPr id="3" name="Marcador de contenido 2">
             <a:extLst>
               <a:ext uri="{FF2B5EF4-FFF2-40B4-BE49-F238E27FC236}">
-                <a16:creationId xmlns:a16="http://schemas.microsoft.com/office/drawing/2014/main" id="{C117F27F-1936-4BF0-8D8C-E60D5BF86370}"/>
+                <a16:creationId xmlns:a16="http://schemas.microsoft.com/office/drawing/2014/main" id="{19FDC435-2252-4AAA-B09D-7D31BF9DAC5B}"/>
               </a:ext>
             </a:extLst>
           </p:cNvPr>
@@ -19591,12 +19904,67 @@
             <p:ph idx="1"/>
           </p:nvPr>
         </p:nvSpPr>
-        <p:spPr/>
+        <p:spPr>
+          <a:xfrm>
+            <a:off x="810000" y="2921620"/>
+            <a:ext cx="10554574" cy="3936380"/>
+          </a:xfrm>
+        </p:spPr>
         <p:txBody>
-          <a:bodyPr/>
+          <a:bodyPr>
+            <a:normAutofit fontScale="85000" lnSpcReduction="20000"/>
+          </a:bodyPr>
           <a:lstStyle/>
           <a:p>
-            <a:endParaRPr lang="es-ES"/>
+            <a:r>
+              <a:rPr lang="es-ES" sz="3600" dirty="0"/>
+              <a:t>Introducción</a:t>
+            </a:r>
+          </a:p>
+          <a:p>
+            <a:r>
+              <a:rPr lang="es-ES" sz="3600" dirty="0"/>
+              <a:t>Modelado del sistema</a:t>
+            </a:r>
+          </a:p>
+          <a:p>
+            <a:r>
+              <a:rPr lang="es-ES" sz="3600" dirty="0"/>
+              <a:t>Entorno tecnológico</a:t>
+            </a:r>
+          </a:p>
+          <a:p>
+            <a:r>
+              <a:rPr lang="es-ES" sz="3600" dirty="0"/>
+              <a:t>Descripción de la aplicación</a:t>
+            </a:r>
+          </a:p>
+          <a:p>
+            <a:r>
+              <a:rPr lang="es-ES" sz="3600" dirty="0"/>
+              <a:t>Pruebas</a:t>
+            </a:r>
+          </a:p>
+          <a:p>
+            <a:r>
+              <a:rPr lang="es-ES" sz="3600" dirty="0"/>
+              <a:t>Video</a:t>
+            </a:r>
+          </a:p>
+          <a:p>
+            <a:r>
+              <a:rPr lang="es-ES" sz="3600" b="1" dirty="0"/>
+              <a:t>Conclusiones</a:t>
+            </a:r>
+          </a:p>
+          <a:p>
+            <a:endParaRPr lang="es-ES" dirty="0"/>
+          </a:p>
+          <a:p>
+            <a:endParaRPr lang="es-ES" dirty="0"/>
+          </a:p>
+          <a:p>
+            <a:endParaRPr lang="es-ES" dirty="0"/>
           </a:p>
         </p:txBody>
       </p:sp>
@@ -19605,7 +19973,7 @@
           <p:cNvPr id="4" name="Marcador de número de diapositiva 3">
             <a:extLst>
               <a:ext uri="{FF2B5EF4-FFF2-40B4-BE49-F238E27FC236}">
-                <a16:creationId xmlns:a16="http://schemas.microsoft.com/office/drawing/2014/main" id="{5389D4E5-8FF9-4BEF-A2FC-05C08C5D5D44}"/>
+                <a16:creationId xmlns:a16="http://schemas.microsoft.com/office/drawing/2014/main" id="{4CB7E394-5AF0-4E29-912E-88635E0ECD2A}"/>
               </a:ext>
             </a:extLst>
           </p:cNvPr>
@@ -19625,14 +19993,14 @@
               <a:rPr lang="es-ES" smtClean="0"/>
               <a:t>27</a:t>
             </a:fld>
-            <a:endParaRPr lang="es-ES"/>
+            <a:endParaRPr lang="es-ES" dirty="0"/>
           </a:p>
         </p:txBody>
       </p:sp>
     </p:spTree>
     <p:extLst>
       <p:ext uri="{BB962C8B-B14F-4D97-AF65-F5344CB8AC3E}">
-        <p14:creationId xmlns:p14="http://schemas.microsoft.com/office/powerpoint/2010/main" val="2020336755"/>
+        <p14:creationId xmlns:p14="http://schemas.microsoft.com/office/powerpoint/2010/main" val="3764456662"/>
       </p:ext>
     </p:extLst>
   </p:cSld>
@@ -19664,6 +20032,167 @@
           <p:cNvPr id="2" name="Título 1">
             <a:extLst>
               <a:ext uri="{FF2B5EF4-FFF2-40B4-BE49-F238E27FC236}">
+                <a16:creationId xmlns:a16="http://schemas.microsoft.com/office/drawing/2014/main" id="{BCAAC17A-9891-4919-982E-93CF89D25419}"/>
+              </a:ext>
+            </a:extLst>
+          </p:cNvPr>
+          <p:cNvSpPr>
+            <a:spLocks noGrp="1"/>
+          </p:cNvSpPr>
+          <p:nvPr>
+            <p:ph type="title"/>
+          </p:nvPr>
+        </p:nvSpPr>
+        <p:spPr/>
+        <p:txBody>
+          <a:bodyPr/>
+          <a:lstStyle/>
+          <a:p>
+            <a:r>
+              <a:rPr lang="es-ES" dirty="0"/>
+              <a:t>Conclusiones</a:t>
+            </a:r>
+          </a:p>
+        </p:txBody>
+      </p:sp>
+      <p:sp>
+        <p:nvSpPr>
+          <p:cNvPr id="3" name="Marcador de contenido 2">
+            <a:extLst>
+              <a:ext uri="{FF2B5EF4-FFF2-40B4-BE49-F238E27FC236}">
+                <a16:creationId xmlns:a16="http://schemas.microsoft.com/office/drawing/2014/main" id="{C117F27F-1936-4BF0-8D8C-E60D5BF86370}"/>
+              </a:ext>
+            </a:extLst>
+          </p:cNvPr>
+          <p:cNvSpPr>
+            <a:spLocks noGrp="1"/>
+          </p:cNvSpPr>
+          <p:nvPr>
+            <p:ph idx="1"/>
+          </p:nvPr>
+        </p:nvSpPr>
+        <p:spPr>
+          <a:xfrm>
+            <a:off x="810000" y="2474662"/>
+            <a:ext cx="10554574" cy="3636511"/>
+          </a:xfrm>
+        </p:spPr>
+        <p:txBody>
+          <a:bodyPr>
+            <a:normAutofit/>
+          </a:bodyPr>
+          <a:lstStyle/>
+          <a:p>
+            <a:r>
+              <a:rPr lang="es-ES" sz="2000" dirty="0"/>
+              <a:t>Podemos ahorrar mucho tiempo y esfuerzo en obtener resultados para nuestro robot físico.</a:t>
+            </a:r>
+          </a:p>
+          <a:p>
+            <a:r>
+              <a:rPr lang="es-ES" sz="2000" dirty="0"/>
+              <a:t>Conseguida una visualización 3D del vehículo.</a:t>
+            </a:r>
+          </a:p>
+          <a:p>
+            <a:r>
+              <a:rPr lang="es-ES" sz="2000" dirty="0"/>
+              <a:t>Todos los objetivos específicos.</a:t>
+            </a:r>
+          </a:p>
+          <a:p>
+            <a:r>
+              <a:rPr lang="es-ES" sz="2000" dirty="0"/>
+              <a:t>Trabajo futuro:</a:t>
+            </a:r>
+          </a:p>
+          <a:p>
+            <a:pPr lvl="1"/>
+            <a:r>
+              <a:rPr lang="es-ES" sz="1800" dirty="0"/>
+              <a:t>Editor avanzado.</a:t>
+            </a:r>
+          </a:p>
+          <a:p>
+            <a:pPr lvl="1"/>
+            <a:r>
+              <a:rPr lang="es-ES" sz="1800" dirty="0"/>
+              <a:t>Generador de circuitos.</a:t>
+            </a:r>
+          </a:p>
+          <a:p>
+            <a:pPr lvl="1"/>
+            <a:r>
+              <a:rPr lang="es-ES" sz="1800" dirty="0"/>
+              <a:t>Estela en el vehículo</a:t>
+            </a:r>
+          </a:p>
+        </p:txBody>
+      </p:sp>
+      <p:sp>
+        <p:nvSpPr>
+          <p:cNvPr id="4" name="Marcador de número de diapositiva 3">
+            <a:extLst>
+              <a:ext uri="{FF2B5EF4-FFF2-40B4-BE49-F238E27FC236}">
+                <a16:creationId xmlns:a16="http://schemas.microsoft.com/office/drawing/2014/main" id="{5389D4E5-8FF9-4BEF-A2FC-05C08C5D5D44}"/>
+              </a:ext>
+            </a:extLst>
+          </p:cNvPr>
+          <p:cNvSpPr>
+            <a:spLocks noGrp="1"/>
+          </p:cNvSpPr>
+          <p:nvPr>
+            <p:ph type="sldNum" sz="quarter" idx="12"/>
+          </p:nvPr>
+        </p:nvSpPr>
+        <p:spPr/>
+        <p:txBody>
+          <a:bodyPr/>
+          <a:lstStyle/>
+          <a:p>
+            <a:fld id="{5452FDC3-B045-4A3B-9520-6737031B2C45}" type="slidenum">
+              <a:rPr lang="es-ES" smtClean="0"/>
+              <a:t>28</a:t>
+            </a:fld>
+            <a:endParaRPr lang="es-ES"/>
+          </a:p>
+        </p:txBody>
+      </p:sp>
+    </p:spTree>
+    <p:extLst>
+      <p:ext uri="{BB962C8B-B14F-4D97-AF65-F5344CB8AC3E}">
+        <p14:creationId xmlns:p14="http://schemas.microsoft.com/office/powerpoint/2010/main" val="2020336755"/>
+      </p:ext>
+    </p:extLst>
+  </p:cSld>
+  <p:clrMapOvr>
+    <a:masterClrMapping/>
+  </p:clrMapOvr>
+</p:sld>
+</file>
+
+<file path=ppt/slides/slide29.xml><?xml version="1.0" encoding="utf-8"?>
+<p:sld xmlns:a="http://schemas.openxmlformats.org/drawingml/2006/main" xmlns:r="http://schemas.openxmlformats.org/officeDocument/2006/relationships" xmlns:p="http://schemas.openxmlformats.org/presentationml/2006/main">
+  <p:cSld>
+    <p:spTree>
+      <p:nvGrpSpPr>
+        <p:cNvPr id="1" name=""/>
+        <p:cNvGrpSpPr/>
+        <p:nvPr/>
+      </p:nvGrpSpPr>
+      <p:grpSpPr>
+        <a:xfrm>
+          <a:off x="0" y="0"/>
+          <a:ext cx="0" cy="0"/>
+          <a:chOff x="0" y="0"/>
+          <a:chExt cx="0" cy="0"/>
+        </a:xfrm>
+      </p:grpSpPr>
+      <p:sp>
+        <p:nvSpPr>
+          <p:cNvPr id="2" name="Título 1">
+            <a:extLst>
+              <a:ext uri="{FF2B5EF4-FFF2-40B4-BE49-F238E27FC236}">
                 <a16:creationId xmlns:a16="http://schemas.microsoft.com/office/drawing/2014/main" id="{B0156483-6551-46CC-A2B0-A2EFEF81DC7C}"/>
               </a:ext>
             </a:extLst>
@@ -19683,37 +20212,6 @@
             <a:r>
               <a:rPr lang="es-ES" dirty="0"/>
               <a:t>Preguntas</a:t>
-            </a:r>
-          </a:p>
-        </p:txBody>
-      </p:sp>
-      <p:sp>
-        <p:nvSpPr>
-          <p:cNvPr id="3" name="Marcador de contenido 2">
-            <a:extLst>
-              <a:ext uri="{FF2B5EF4-FFF2-40B4-BE49-F238E27FC236}">
-                <a16:creationId xmlns:a16="http://schemas.microsoft.com/office/drawing/2014/main" id="{D2EFB9EE-F2F6-4693-8C16-66D748AD228D}"/>
-              </a:ext>
-            </a:extLst>
-          </p:cNvPr>
-          <p:cNvSpPr>
-            <a:spLocks noGrp="1"/>
-          </p:cNvSpPr>
-          <p:nvPr>
-            <p:ph idx="1"/>
-          </p:nvPr>
-        </p:nvSpPr>
-        <p:spPr/>
-        <p:txBody>
-          <a:bodyPr/>
-          <a:lstStyle/>
-          <a:p>
-            <a:pPr marL="0" indent="0">
-              <a:buNone/>
-            </a:pPr>
-            <a:r>
-              <a:rPr lang="es-ES" dirty="0"/>
-              <a:t>Preguntas y Gracias por atender</a:t>
             </a:r>
           </a:p>
         </p:txBody>
@@ -19741,12 +20239,56 @@
           <a:p>
             <a:fld id="{5452FDC3-B045-4A3B-9520-6737031B2C45}" type="slidenum">
               <a:rPr lang="es-ES" smtClean="0"/>
-              <a:t>28</a:t>
+              <a:t>29</a:t>
             </a:fld>
             <a:endParaRPr lang="es-ES"/>
           </a:p>
         </p:txBody>
       </p:sp>
+      <p:pic>
+        <p:nvPicPr>
+          <p:cNvPr id="6" name="Imagen 5">
+            <a:extLst>
+              <a:ext uri="{FF2B5EF4-FFF2-40B4-BE49-F238E27FC236}">
+                <a16:creationId xmlns:a16="http://schemas.microsoft.com/office/drawing/2014/main" id="{96E4577C-3857-4FB7-A344-FEEA362964E5}"/>
+              </a:ext>
+            </a:extLst>
+          </p:cNvPr>
+          <p:cNvPicPr>
+            <a:picLocks noChangeAspect="1"/>
+          </p:cNvPicPr>
+          <p:nvPr/>
+        </p:nvPicPr>
+        <p:blipFill>
+          <a:blip r:embed="rId2">
+            <a:extLst>
+              <a:ext uri="{28A0092B-C50C-407E-A947-70E740481C1C}">
+                <a14:useLocalDpi xmlns:a14="http://schemas.microsoft.com/office/drawing/2010/main" val="0"/>
+              </a:ext>
+            </a:extLst>
+          </a:blip>
+          <a:stretch>
+            <a:fillRect/>
+          </a:stretch>
+        </p:blipFill>
+        <p:spPr>
+          <a:xfrm>
+            <a:off x="4144537" y="2120237"/>
+            <a:ext cx="3657600" cy="4286250"/>
+          </a:xfrm>
+          <a:prstGeom prst="roundRect">
+            <a:avLst>
+              <a:gd name="adj" fmla="val 3876"/>
+            </a:avLst>
+          </a:prstGeom>
+          <a:ln>
+            <a:solidFill>
+              <a:schemeClr val="accent1"/>
+            </a:solidFill>
+          </a:ln>
+          <a:effectLst/>
+        </p:spPr>
+      </p:pic>
     </p:spTree>
     <p:extLst>
       <p:ext uri="{BB962C8B-B14F-4D97-AF65-F5344CB8AC3E}">

--- a/Presentación/Presentacion TFG.pptx
+++ b/Presentación/Presentacion TFG.pptx
@@ -2811,7 +2811,7 @@
       <dsp:spPr>
         <a:xfrm>
           <a:off x="0" y="2354936"/>
-          <a:ext cx="10571998" cy="1545093"/>
+          <a:ext cx="10118195" cy="1545093"/>
         </a:xfrm>
         <a:prstGeom prst="rect">
           <a:avLst/>
@@ -2887,7 +2887,7 @@
       </dsp:txBody>
       <dsp:txXfrm>
         <a:off x="0" y="2354936"/>
-        <a:ext cx="10571998" cy="834350"/>
+        <a:ext cx="10118195" cy="834350"/>
       </dsp:txXfrm>
     </dsp:sp>
     <dsp:sp modelId="{2D095D43-3EA9-4051-861A-0D29DB36D724}">
@@ -2898,7 +2898,7 @@
       <dsp:spPr>
         <a:xfrm>
           <a:off x="0" y="3158384"/>
-          <a:ext cx="5285999" cy="710742"/>
+          <a:ext cx="5059097" cy="710742"/>
         </a:xfrm>
         <a:prstGeom prst="rect">
           <a:avLst/>
@@ -2967,7 +2967,7 @@
       </dsp:txBody>
       <dsp:txXfrm>
         <a:off x="0" y="3158384"/>
-        <a:ext cx="5285999" cy="710742"/>
+        <a:ext cx="5059097" cy="710742"/>
       </dsp:txXfrm>
     </dsp:sp>
     <dsp:sp modelId="{8D10FE8F-20D3-4521-A6D8-0BEE8CEACCE2}">
@@ -2977,8 +2977,8 @@
       </dsp:nvSpPr>
       <dsp:spPr>
         <a:xfrm>
-          <a:off x="5285999" y="3158384"/>
-          <a:ext cx="5285999" cy="710742"/>
+          <a:off x="5059097" y="3158384"/>
+          <a:ext cx="5059097" cy="710742"/>
         </a:xfrm>
         <a:prstGeom prst="rect">
           <a:avLst/>
@@ -3046,8 +3046,8 @@
         </a:p>
       </dsp:txBody>
       <dsp:txXfrm>
-        <a:off x="5285999" y="3158384"/>
-        <a:ext cx="5285999" cy="710742"/>
+        <a:off x="5059097" y="3158384"/>
+        <a:ext cx="5059097" cy="710742"/>
       </dsp:txXfrm>
     </dsp:sp>
     <dsp:sp modelId="{5AF890B7-F1D2-4E6F-BC63-29FB2F96F821}">
@@ -3058,7 +3058,7 @@
       <dsp:spPr>
         <a:xfrm rot="10800000">
           <a:off x="0" y="1759"/>
-          <a:ext cx="10571998" cy="2376353"/>
+          <a:ext cx="10118195" cy="2376353"/>
         </a:xfrm>
         <a:prstGeom prst="upArrowCallout">
           <a:avLst/>
@@ -3142,7 +3142,7 @@
       </dsp:txBody>
       <dsp:txXfrm rot="10800000">
         <a:off x="0" y="1759"/>
-        <a:ext cx="10571998" cy="1544083"/>
+        <a:ext cx="10118195" cy="1544083"/>
       </dsp:txXfrm>
     </dsp:sp>
   </dsp:spTree>
@@ -5842,7 +5842,7 @@
           <a:p>
             <a:fld id="{85F0EFCF-B614-4068-B216-F7563730AD52}" type="datetimeFigureOut">
               <a:rPr lang="es-ES" smtClean="0"/>
-              <a:t>22/10/2020</a:t>
+              <a:t>27/10/2020</a:t>
             </a:fld>
             <a:endParaRPr lang="es-ES"/>
           </a:p>
@@ -6237,7 +6237,26 @@
           <a:bodyPr/>
           <a:lstStyle/>
           <a:p>
-            <a:endParaRPr lang="es-ES" dirty="0"/>
+            <a:r>
+              <a:rPr lang="es-ES" dirty="0"/>
+              <a:t>Yo extenderé HTML, CSS y </a:t>
+            </a:r>
+            <a:r>
+              <a:rPr lang="es-ES" dirty="0" err="1"/>
+              <a:t>Javascript</a:t>
+            </a:r>
+            <a:r>
+              <a:rPr lang="es-ES" dirty="0"/>
+              <a:t> y que se utiliza </a:t>
+            </a:r>
+            <a:r>
+              <a:rPr lang="es-ES" dirty="0" err="1"/>
+              <a:t>javascript</a:t>
+            </a:r>
+            <a:r>
+              <a:rPr lang="es-ES" dirty="0"/>
+              <a:t> para acceder a los elementos HTML.</a:t>
+            </a:r>
           </a:p>
         </p:txBody>
       </p:sp>
@@ -6258,7 +6277,7 @@
           <a:p>
             <a:fld id="{363962C0-CA5D-4093-8E58-B0A79430F5E4}" type="slidenum">
               <a:rPr lang="es-ES" smtClean="0"/>
-              <a:t>16</a:t>
+              <a:t>14</a:t>
             </a:fld>
             <a:endParaRPr lang="es-ES"/>
           </a:p>
@@ -6267,7 +6286,7 @@
     </p:spTree>
     <p:extLst>
       <p:ext uri="{BB962C8B-B14F-4D97-AF65-F5344CB8AC3E}">
-        <p14:creationId xmlns:p14="http://schemas.microsoft.com/office/powerpoint/2010/main" val="1231771466"/>
+        <p14:creationId xmlns:p14="http://schemas.microsoft.com/office/powerpoint/2010/main" val="989131777"/>
       </p:ext>
     </p:extLst>
   </p:cSld>
@@ -6342,7 +6361,7 @@
           <a:p>
             <a:fld id="{363962C0-CA5D-4093-8E58-B0A79430F5E4}" type="slidenum">
               <a:rPr lang="es-ES" smtClean="0"/>
-              <a:t>18</a:t>
+              <a:t>16</a:t>
             </a:fld>
             <a:endParaRPr lang="es-ES"/>
           </a:p>
@@ -6351,7 +6370,7 @@
     </p:spTree>
     <p:extLst>
       <p:ext uri="{BB962C8B-B14F-4D97-AF65-F5344CB8AC3E}">
-        <p14:creationId xmlns:p14="http://schemas.microsoft.com/office/powerpoint/2010/main" val="674461481"/>
+        <p14:creationId xmlns:p14="http://schemas.microsoft.com/office/powerpoint/2010/main" val="1231771466"/>
       </p:ext>
     </p:extLst>
   </p:cSld>
@@ -6426,7 +6445,7 @@
           <a:p>
             <a:fld id="{363962C0-CA5D-4093-8E58-B0A79430F5E4}" type="slidenum">
               <a:rPr lang="es-ES" smtClean="0"/>
-              <a:t>19</a:t>
+              <a:t>18</a:t>
             </a:fld>
             <a:endParaRPr lang="es-ES"/>
           </a:p>
@@ -6435,7 +6454,7 @@
     </p:spTree>
     <p:extLst>
       <p:ext uri="{BB962C8B-B14F-4D97-AF65-F5344CB8AC3E}">
-        <p14:creationId xmlns:p14="http://schemas.microsoft.com/office/powerpoint/2010/main" val="1152054206"/>
+        <p14:creationId xmlns:p14="http://schemas.microsoft.com/office/powerpoint/2010/main" val="674461481"/>
       </p:ext>
     </p:extLst>
   </p:cSld>
@@ -6510,7 +6529,7 @@
           <a:p>
             <a:fld id="{363962C0-CA5D-4093-8E58-B0A79430F5E4}" type="slidenum">
               <a:rPr lang="es-ES" smtClean="0"/>
-              <a:t>20</a:t>
+              <a:t>19</a:t>
             </a:fld>
             <a:endParaRPr lang="es-ES"/>
           </a:p>
@@ -6519,7 +6538,7 @@
     </p:spTree>
     <p:extLst>
       <p:ext uri="{BB962C8B-B14F-4D97-AF65-F5344CB8AC3E}">
-        <p14:creationId xmlns:p14="http://schemas.microsoft.com/office/powerpoint/2010/main" val="906802531"/>
+        <p14:creationId xmlns:p14="http://schemas.microsoft.com/office/powerpoint/2010/main" val="1152054206"/>
       </p:ext>
     </p:extLst>
   </p:cSld>
@@ -6573,7 +6592,7 @@
           <a:bodyPr/>
           <a:lstStyle/>
           <a:p>
-            <a:endParaRPr lang="es-ES"/>
+            <a:endParaRPr lang="es-ES" dirty="0"/>
           </a:p>
         </p:txBody>
       </p:sp>
@@ -6594,7 +6613,7 @@
           <a:p>
             <a:fld id="{363962C0-CA5D-4093-8E58-B0A79430F5E4}" type="slidenum">
               <a:rPr lang="es-ES" smtClean="0"/>
-              <a:t>21</a:t>
+              <a:t>20</a:t>
             </a:fld>
             <a:endParaRPr lang="es-ES"/>
           </a:p>
@@ -6603,7 +6622,7 @@
     </p:spTree>
     <p:extLst>
       <p:ext uri="{BB962C8B-B14F-4D97-AF65-F5344CB8AC3E}">
-        <p14:creationId xmlns:p14="http://schemas.microsoft.com/office/powerpoint/2010/main" val="2648367768"/>
+        <p14:creationId xmlns:p14="http://schemas.microsoft.com/office/powerpoint/2010/main" val="906802531"/>
       </p:ext>
     </p:extLst>
   </p:cSld>
@@ -6657,7 +6676,7 @@
           <a:bodyPr/>
           <a:lstStyle/>
           <a:p>
-            <a:endParaRPr lang="es-ES" dirty="0"/>
+            <a:endParaRPr lang="es-ES"/>
           </a:p>
         </p:txBody>
       </p:sp>
@@ -6678,7 +6697,7 @@
           <a:p>
             <a:fld id="{363962C0-CA5D-4093-8E58-B0A79430F5E4}" type="slidenum">
               <a:rPr lang="es-ES" smtClean="0"/>
-              <a:t>23</a:t>
+              <a:t>21</a:t>
             </a:fld>
             <a:endParaRPr lang="es-ES"/>
           </a:p>
@@ -6687,7 +6706,7 @@
     </p:spTree>
     <p:extLst>
       <p:ext uri="{BB962C8B-B14F-4D97-AF65-F5344CB8AC3E}">
-        <p14:creationId xmlns:p14="http://schemas.microsoft.com/office/powerpoint/2010/main" val="3085172898"/>
+        <p14:creationId xmlns:p14="http://schemas.microsoft.com/office/powerpoint/2010/main" val="2648367768"/>
       </p:ext>
     </p:extLst>
   </p:cSld>
@@ -6762,6 +6781,90 @@
           <a:p>
             <a:fld id="{363962C0-CA5D-4093-8E58-B0A79430F5E4}" type="slidenum">
               <a:rPr lang="es-ES" smtClean="0"/>
+              <a:t>23</a:t>
+            </a:fld>
+            <a:endParaRPr lang="es-ES"/>
+          </a:p>
+        </p:txBody>
+      </p:sp>
+    </p:spTree>
+    <p:extLst>
+      <p:ext uri="{BB962C8B-B14F-4D97-AF65-F5344CB8AC3E}">
+        <p14:creationId xmlns:p14="http://schemas.microsoft.com/office/powerpoint/2010/main" val="3085172898"/>
+      </p:ext>
+    </p:extLst>
+  </p:cSld>
+  <p:clrMapOvr>
+    <a:masterClrMapping/>
+  </p:clrMapOvr>
+</p:notes>
+</file>
+
+<file path=ppt/notesSlides/notesSlide17.xml><?xml version="1.0" encoding="utf-8"?>
+<p:notes xmlns:a="http://schemas.openxmlformats.org/drawingml/2006/main" xmlns:r="http://schemas.openxmlformats.org/officeDocument/2006/relationships" xmlns:p="http://schemas.openxmlformats.org/presentationml/2006/main">
+  <p:cSld>
+    <p:spTree>
+      <p:nvGrpSpPr>
+        <p:cNvPr id="1" name=""/>
+        <p:cNvGrpSpPr/>
+        <p:nvPr/>
+      </p:nvGrpSpPr>
+      <p:grpSpPr>
+        <a:xfrm>
+          <a:off x="0" y="0"/>
+          <a:ext cx="0" cy="0"/>
+          <a:chOff x="0" y="0"/>
+          <a:chExt cx="0" cy="0"/>
+        </a:xfrm>
+      </p:grpSpPr>
+      <p:sp>
+        <p:nvSpPr>
+          <p:cNvPr id="2" name="Marcador de imagen de diapositiva 1"/>
+          <p:cNvSpPr>
+            <a:spLocks noGrp="1" noRot="1" noChangeAspect="1"/>
+          </p:cNvSpPr>
+          <p:nvPr>
+            <p:ph type="sldImg"/>
+          </p:nvPr>
+        </p:nvSpPr>
+        <p:spPr/>
+      </p:sp>
+      <p:sp>
+        <p:nvSpPr>
+          <p:cNvPr id="3" name="Marcador de notas 2"/>
+          <p:cNvSpPr>
+            <a:spLocks noGrp="1"/>
+          </p:cNvSpPr>
+          <p:nvPr>
+            <p:ph type="body" idx="1"/>
+          </p:nvPr>
+        </p:nvSpPr>
+        <p:spPr/>
+        <p:txBody>
+          <a:bodyPr/>
+          <a:lstStyle/>
+          <a:p>
+            <a:endParaRPr lang="es-ES" dirty="0"/>
+          </a:p>
+        </p:txBody>
+      </p:sp>
+      <p:sp>
+        <p:nvSpPr>
+          <p:cNvPr id="4" name="Marcador de número de diapositiva 3"/>
+          <p:cNvSpPr>
+            <a:spLocks noGrp="1"/>
+          </p:cNvSpPr>
+          <p:nvPr>
+            <p:ph type="sldNum" sz="quarter" idx="5"/>
+          </p:nvPr>
+        </p:nvSpPr>
+        <p:spPr/>
+        <p:txBody>
+          <a:bodyPr/>
+          <a:lstStyle/>
+          <a:p>
+            <a:fld id="{363962C0-CA5D-4093-8E58-B0A79430F5E4}" type="slidenum">
+              <a:rPr lang="es-ES" smtClean="0"/>
               <a:t>24</a:t>
             </a:fld>
             <a:endParaRPr lang="es-ES"/>
@@ -6781,7 +6884,7 @@
 </p:notes>
 </file>
 
-<file path=ppt/notesSlides/notesSlide17.xml><?xml version="1.0" encoding="utf-8"?>
+<file path=ppt/notesSlides/notesSlide18.xml><?xml version="1.0" encoding="utf-8"?>
 <p:notes xmlns:a="http://schemas.openxmlformats.org/drawingml/2006/main" xmlns:r="http://schemas.openxmlformats.org/officeDocument/2006/relationships" xmlns:p="http://schemas.openxmlformats.org/presentationml/2006/main">
   <p:cSld>
     <p:spTree>
@@ -6937,18 +7040,7 @@
           <a:bodyPr/>
           <a:lstStyle/>
           <a:p>
-            <a:r>
-              <a:rPr lang="es-ES" dirty="0"/>
-              <a:t>Para lo que fundamentalmente se buscó </a:t>
-            </a:r>
-            <a:r>
-              <a:rPr lang="es-ES" dirty="0" err="1"/>
-              <a:t>WebGL</a:t>
-            </a:r>
-            <a:r>
-              <a:rPr lang="es-ES" dirty="0"/>
-              <a:t> para poder representarlo en un entorno Web.</a:t>
-            </a:r>
+            <a:endParaRPr lang="es-ES" dirty="0"/>
           </a:p>
         </p:txBody>
       </p:sp>
@@ -6969,7 +7061,7 @@
           <a:p>
             <a:fld id="{363962C0-CA5D-4093-8E58-B0A79430F5E4}" type="slidenum">
               <a:rPr lang="es-ES" smtClean="0"/>
-              <a:t>4</a:t>
+              <a:t>3</a:t>
             </a:fld>
             <a:endParaRPr lang="es-ES"/>
           </a:p>
@@ -6978,7 +7070,7 @@
     </p:spTree>
     <p:extLst>
       <p:ext uri="{BB962C8B-B14F-4D97-AF65-F5344CB8AC3E}">
-        <p14:creationId xmlns:p14="http://schemas.microsoft.com/office/powerpoint/2010/main" val="224741795"/>
+        <p14:creationId xmlns:p14="http://schemas.microsoft.com/office/powerpoint/2010/main" val="2008630547"/>
       </p:ext>
     </p:extLst>
   </p:cSld>
@@ -7034,13 +7126,16 @@
           <a:p>
             <a:r>
               <a:rPr lang="es-ES" dirty="0"/>
-              <a:t>Que se adapte al </a:t>
-            </a:r>
-            <a:r>
-              <a:rPr lang="es-ES"/>
-              <a:t>diseño especí</a:t>
-            </a:r>
-            <a:endParaRPr lang="es-ES" dirty="0"/>
+              <a:t>Para lo que fundamentalmente se buscó </a:t>
+            </a:r>
+            <a:r>
+              <a:rPr lang="es-ES" dirty="0" err="1"/>
+              <a:t>WebGL</a:t>
+            </a:r>
+            <a:r>
+              <a:rPr lang="es-ES" dirty="0"/>
+              <a:t> para poder representarlo en un entorno Web.</a:t>
+            </a:r>
           </a:p>
         </p:txBody>
       </p:sp>
@@ -7061,7 +7156,7 @@
           <a:p>
             <a:fld id="{363962C0-CA5D-4093-8E58-B0A79430F5E4}" type="slidenum">
               <a:rPr lang="es-ES" smtClean="0"/>
-              <a:t>5</a:t>
+              <a:t>4</a:t>
             </a:fld>
             <a:endParaRPr lang="es-ES"/>
           </a:p>
@@ -7070,7 +7165,7 @@
     </p:spTree>
     <p:extLst>
       <p:ext uri="{BB962C8B-B14F-4D97-AF65-F5344CB8AC3E}">
-        <p14:creationId xmlns:p14="http://schemas.microsoft.com/office/powerpoint/2010/main" val="2393778089"/>
+        <p14:creationId xmlns:p14="http://schemas.microsoft.com/office/powerpoint/2010/main" val="224741795"/>
       </p:ext>
     </p:extLst>
   </p:cSld>
@@ -7124,73 +7219,14 @@
           <a:bodyPr/>
           <a:lstStyle/>
           <a:p>
-            <a:pPr marL="0" marR="0" lvl="0" indent="0" algn="l" defTabSz="914400" rtl="0" eaLnBrk="1" fontAlgn="auto" latinLnBrk="0" hangingPunct="1">
-              <a:lnSpc>
-                <a:spcPct val="100000"/>
-              </a:lnSpc>
-              <a:spcBef>
-                <a:spcPts val="0"/>
-              </a:spcBef>
-              <a:spcAft>
-                <a:spcPts val="0"/>
-              </a:spcAft>
-              <a:buClrTx/>
-              <a:buSzTx/>
-              <a:buFontTx/>
-              <a:buNone/>
-              <a:tabLst/>
-              <a:defRPr/>
-            </a:pPr>
             <a:r>
               <a:rPr lang="es-ES" dirty="0"/>
-              <a:t>Los robots manipuladores son básicamente brazos articulados con distintos tipos de articulaciones que les permitirán realizar los movimientos necesarios para la tarea encomendada.</a:t>
-            </a:r>
-          </a:p>
-          <a:p>
-            <a:pPr marL="0" marR="0" lvl="0" indent="0" algn="l" defTabSz="914400" rtl="0" eaLnBrk="1" fontAlgn="auto" latinLnBrk="0" hangingPunct="1">
-              <a:lnSpc>
-                <a:spcPct val="100000"/>
-              </a:lnSpc>
-              <a:spcBef>
-                <a:spcPts val="0"/>
-              </a:spcBef>
-              <a:spcAft>
-                <a:spcPts val="0"/>
-              </a:spcAft>
-              <a:buClrTx/>
-              <a:buSzTx/>
-              <a:buFontTx/>
-              <a:buNone/>
-              <a:tabLst/>
-              <a:defRPr/>
-            </a:pPr>
-            <a:endParaRPr lang="en-US" dirty="0"/>
-          </a:p>
-          <a:p>
-            <a:pPr marL="0" marR="0" lvl="0" indent="0" algn="l" defTabSz="914400" rtl="0" eaLnBrk="1" fontAlgn="auto" latinLnBrk="0" hangingPunct="1">
-              <a:lnSpc>
-                <a:spcPct val="100000"/>
-              </a:lnSpc>
-              <a:spcBef>
-                <a:spcPts val="0"/>
-              </a:spcBef>
-              <a:spcAft>
-                <a:spcPts val="0"/>
-              </a:spcAft>
-              <a:buClrTx/>
-              <a:buSzTx/>
-              <a:buFontTx/>
-              <a:buNone/>
-              <a:tabLst/>
-              <a:defRPr/>
-            </a:pPr>
-            <a:r>
-              <a:rPr lang="es-ES" dirty="0"/>
-              <a:t>Los robots móviles son aquellos que se desplazan en el espacio. Nos centraremos en los vehículos con ruedas</a:t>
-            </a:r>
-            <a:endParaRPr lang="en-US" dirty="0"/>
-          </a:p>
-          <a:p>
+              <a:t>Que se adapte al </a:t>
+            </a:r>
+            <a:r>
+              <a:rPr lang="es-ES"/>
+              <a:t>diseño especí</a:t>
+            </a:r>
             <a:endParaRPr lang="es-ES" dirty="0"/>
           </a:p>
         </p:txBody>
@@ -7212,7 +7248,7 @@
           <a:p>
             <a:fld id="{363962C0-CA5D-4093-8E58-B0A79430F5E4}" type="slidenum">
               <a:rPr lang="es-ES" smtClean="0"/>
-              <a:t>8</a:t>
+              <a:t>5</a:t>
             </a:fld>
             <a:endParaRPr lang="es-ES"/>
           </a:p>
@@ -7221,7 +7257,7 @@
     </p:spTree>
     <p:extLst>
       <p:ext uri="{BB962C8B-B14F-4D97-AF65-F5344CB8AC3E}">
-        <p14:creationId xmlns:p14="http://schemas.microsoft.com/office/powerpoint/2010/main" val="735269792"/>
+        <p14:creationId xmlns:p14="http://schemas.microsoft.com/office/powerpoint/2010/main" val="2393778089"/>
       </p:ext>
     </p:extLst>
   </p:cSld>
@@ -7294,8 +7330,52 @@
             </a:pPr>
             <a:r>
               <a:rPr lang="es-ES" dirty="0"/>
-              <a:t>Son la solución más simple y eficiente para conseguir la movilidad en terrenos suficientemente duros y libres de obstáculos.</a:t>
-            </a:r>
+              <a:t>Los robots manipuladores son básicamente brazos articulados con distintos tipos de articulaciones que les permitirán realizar los movimientos necesarios para la tarea encomendada.</a:t>
+            </a:r>
+          </a:p>
+          <a:p>
+            <a:pPr marL="0" marR="0" lvl="0" indent="0" algn="l" defTabSz="914400" rtl="0" eaLnBrk="1" fontAlgn="auto" latinLnBrk="0" hangingPunct="1">
+              <a:lnSpc>
+                <a:spcPct val="100000"/>
+              </a:lnSpc>
+              <a:spcBef>
+                <a:spcPts val="0"/>
+              </a:spcBef>
+              <a:spcAft>
+                <a:spcPts val="0"/>
+              </a:spcAft>
+              <a:buClrTx/>
+              <a:buSzTx/>
+              <a:buFontTx/>
+              <a:buNone/>
+              <a:tabLst/>
+              <a:defRPr/>
+            </a:pPr>
+            <a:endParaRPr lang="en-US" dirty="0"/>
+          </a:p>
+          <a:p>
+            <a:pPr marL="0" marR="0" lvl="0" indent="0" algn="l" defTabSz="914400" rtl="0" eaLnBrk="1" fontAlgn="auto" latinLnBrk="0" hangingPunct="1">
+              <a:lnSpc>
+                <a:spcPct val="100000"/>
+              </a:lnSpc>
+              <a:spcBef>
+                <a:spcPts val="0"/>
+              </a:spcBef>
+              <a:spcAft>
+                <a:spcPts val="0"/>
+              </a:spcAft>
+              <a:buClrTx/>
+              <a:buSzTx/>
+              <a:buFontTx/>
+              <a:buNone/>
+              <a:tabLst/>
+              <a:defRPr/>
+            </a:pPr>
+            <a:r>
+              <a:rPr lang="es-ES" dirty="0"/>
+              <a:t>Los robots móviles son aquellos que se desplazan en el espacio. Nos centraremos en los vehículos con ruedas</a:t>
+            </a:r>
+            <a:endParaRPr lang="en-US" dirty="0"/>
           </a:p>
           <a:p>
             <a:endParaRPr lang="es-ES" dirty="0"/>
@@ -7319,7 +7399,7 @@
           <a:p>
             <a:fld id="{363962C0-CA5D-4093-8E58-B0A79430F5E4}" type="slidenum">
               <a:rPr lang="es-ES" smtClean="0"/>
-              <a:t>9</a:t>
+              <a:t>8</a:t>
             </a:fld>
             <a:endParaRPr lang="es-ES"/>
           </a:p>
@@ -7328,7 +7408,7 @@
     </p:spTree>
     <p:extLst>
       <p:ext uri="{BB962C8B-B14F-4D97-AF65-F5344CB8AC3E}">
-        <p14:creationId xmlns:p14="http://schemas.microsoft.com/office/powerpoint/2010/main" val="530872599"/>
+        <p14:creationId xmlns:p14="http://schemas.microsoft.com/office/powerpoint/2010/main" val="735269792"/>
       </p:ext>
     </p:extLst>
   </p:cSld>
@@ -7382,10 +7462,30 @@
           <a:bodyPr/>
           <a:lstStyle/>
           <a:p>
+            <a:pPr marL="0" marR="0" lvl="0" indent="0" algn="l" defTabSz="914400" rtl="0" eaLnBrk="1" fontAlgn="auto" latinLnBrk="0" hangingPunct="1">
+              <a:lnSpc>
+                <a:spcPct val="100000"/>
+              </a:lnSpc>
+              <a:spcBef>
+                <a:spcPts val="0"/>
+              </a:spcBef>
+              <a:spcAft>
+                <a:spcPts val="0"/>
+              </a:spcAft>
+              <a:buClrTx/>
+              <a:buSzTx/>
+              <a:buFontTx/>
+              <a:buNone/>
+              <a:tabLst/>
+              <a:defRPr/>
+            </a:pPr>
             <a:r>
               <a:rPr lang="es-ES" dirty="0"/>
-              <a:t>Estas variables se actualizan a partir de las velocidades de las ruedas. RR Radio de ruedas. B distancia entre ruedas. Delta paso de la simulación.</a:t>
-            </a:r>
+              <a:t>Son la solución más simple y eficiente para conseguir la movilidad en terrenos suficientemente duros y libres de obstáculos.</a:t>
+            </a:r>
+          </a:p>
+          <a:p>
+            <a:endParaRPr lang="es-ES" dirty="0"/>
           </a:p>
         </p:txBody>
       </p:sp>
@@ -7406,7 +7506,7 @@
           <a:p>
             <a:fld id="{363962C0-CA5D-4093-8E58-B0A79430F5E4}" type="slidenum">
               <a:rPr lang="es-ES" smtClean="0"/>
-              <a:t>10</a:t>
+              <a:t>9</a:t>
             </a:fld>
             <a:endParaRPr lang="es-ES"/>
           </a:p>
@@ -7415,7 +7515,7 @@
     </p:spTree>
     <p:extLst>
       <p:ext uri="{BB962C8B-B14F-4D97-AF65-F5344CB8AC3E}">
-        <p14:creationId xmlns:p14="http://schemas.microsoft.com/office/powerpoint/2010/main" val="1124057383"/>
+        <p14:creationId xmlns:p14="http://schemas.microsoft.com/office/powerpoint/2010/main" val="530872599"/>
       </p:ext>
     </p:extLst>
   </p:cSld>
@@ -7471,7 +7571,7 @@
           <a:p>
             <a:r>
               <a:rPr lang="es-ES" dirty="0"/>
-              <a:t>Matrices del modelo de OpenGL para aplicárselas a los puntos del robot. Colocará el objeto en ese sitio en el momento de simularlo.</a:t>
+              <a:t>Estas variables se actualizan a partir de las velocidades de las ruedas. RR Radio de ruedas. B distancia entre ruedas. Delta paso de la simulación.</a:t>
             </a:r>
           </a:p>
         </p:txBody>
@@ -7493,7 +7593,7 @@
           <a:p>
             <a:fld id="{363962C0-CA5D-4093-8E58-B0A79430F5E4}" type="slidenum">
               <a:rPr lang="es-ES" smtClean="0"/>
-              <a:t>11</a:t>
+              <a:t>10</a:t>
             </a:fld>
             <a:endParaRPr lang="es-ES"/>
           </a:p>
@@ -7502,7 +7602,7 @@
     </p:spTree>
     <p:extLst>
       <p:ext uri="{BB962C8B-B14F-4D97-AF65-F5344CB8AC3E}">
-        <p14:creationId xmlns:p14="http://schemas.microsoft.com/office/powerpoint/2010/main" val="2691678215"/>
+        <p14:creationId xmlns:p14="http://schemas.microsoft.com/office/powerpoint/2010/main" val="1124057383"/>
       </p:ext>
     </p:extLst>
   </p:cSld>
@@ -7558,7 +7658,7 @@
           <a:p>
             <a:r>
               <a:rPr lang="es-ES" dirty="0"/>
-              <a:t>Vamos a simular la navegación autónoma. Modificación de la velocidad automática si detecta un sensor cambio.</a:t>
+              <a:t>Matrices del modelo de OpenGL para aplicárselas a los puntos del robot. Colocará el objeto en ese sitio en el momento de simularlo.</a:t>
             </a:r>
           </a:p>
         </p:txBody>
@@ -7580,7 +7680,7 @@
           <a:p>
             <a:fld id="{363962C0-CA5D-4093-8E58-B0A79430F5E4}" type="slidenum">
               <a:rPr lang="es-ES" smtClean="0"/>
-              <a:t>12</a:t>
+              <a:t>11</a:t>
             </a:fld>
             <a:endParaRPr lang="es-ES"/>
           </a:p>
@@ -7589,7 +7689,7 @@
     </p:spTree>
     <p:extLst>
       <p:ext uri="{BB962C8B-B14F-4D97-AF65-F5344CB8AC3E}">
-        <p14:creationId xmlns:p14="http://schemas.microsoft.com/office/powerpoint/2010/main" val="2217951017"/>
+        <p14:creationId xmlns:p14="http://schemas.microsoft.com/office/powerpoint/2010/main" val="2691678215"/>
       </p:ext>
     </p:extLst>
   </p:cSld>
@@ -7645,23 +7745,7 @@
           <a:p>
             <a:r>
               <a:rPr lang="es-ES" dirty="0"/>
-              <a:t>Yo extenderé HTML, CSS y </a:t>
-            </a:r>
-            <a:r>
-              <a:rPr lang="es-ES" dirty="0" err="1"/>
-              <a:t>Javascript</a:t>
-            </a:r>
-            <a:r>
-              <a:rPr lang="es-ES" dirty="0"/>
-              <a:t> y que se utiliza </a:t>
-            </a:r>
-            <a:r>
-              <a:rPr lang="es-ES" dirty="0" err="1"/>
-              <a:t>javascript</a:t>
-            </a:r>
-            <a:r>
-              <a:rPr lang="es-ES" dirty="0"/>
-              <a:t> para acceder a los elementos HTML.</a:t>
+              <a:t>Vamos a simular la navegación autónoma. Modificación de la velocidad automática si detecta un sensor cambio.</a:t>
             </a:r>
           </a:p>
         </p:txBody>
@@ -7683,7 +7767,7 @@
           <a:p>
             <a:fld id="{363962C0-CA5D-4093-8E58-B0A79430F5E4}" type="slidenum">
               <a:rPr lang="es-ES" smtClean="0"/>
-              <a:t>14</a:t>
+              <a:t>12</a:t>
             </a:fld>
             <a:endParaRPr lang="es-ES"/>
           </a:p>
@@ -7692,7 +7776,7 @@
     </p:spTree>
     <p:extLst>
       <p:ext uri="{BB962C8B-B14F-4D97-AF65-F5344CB8AC3E}">
-        <p14:creationId xmlns:p14="http://schemas.microsoft.com/office/powerpoint/2010/main" val="989131777"/>
+        <p14:creationId xmlns:p14="http://schemas.microsoft.com/office/powerpoint/2010/main" val="2217951017"/>
       </p:ext>
     </p:extLst>
   </p:cSld>
@@ -7797,7 +7881,7 @@
           <a:effectLst/>
           <a:extLst>
             <a:ext uri="{91240B29-F687-4f45-9708-019B960494DF}">
-              <a14:hiddenLine xmlns:a14="http://schemas.microsoft.com/office/drawing/2010/main" xmlns="" w="9525">
+              <a14:hiddenLine xmlns="" xmlns:a14="http://schemas.microsoft.com/office/drawing/2010/main" w="9525">
                 <a:solidFill>
                   <a:srgbClr val="000000"/>
                 </a:solidFill>
@@ -7989,7 +8073,7 @@
           <a:p>
             <a:fld id="{D68862AB-44D5-4EDD-AF9D-688A090F0C41}" type="datetime1">
               <a:rPr lang="es-ES" smtClean="0"/>
-              <a:t>22/10/2020</a:t>
+              <a:t>27/10/2020</a:t>
             </a:fld>
             <a:endParaRPr lang="es-ES"/>
           </a:p>
@@ -8307,7 +8391,7 @@
           <a:p>
             <a:fld id="{2B6CC958-2446-400F-B37F-B2BF9E62C0C2}" type="datetime1">
               <a:rPr lang="es-ES" smtClean="0"/>
-              <a:t>22/10/2020</a:t>
+              <a:t>27/10/2020</a:t>
             </a:fld>
             <a:endParaRPr lang="es-ES"/>
           </a:p>
@@ -8795,7 +8879,7 @@
           <a:p>
             <a:fld id="{D970D874-6064-4393-B1D5-3A9FB1A33B09}" type="datetime1">
               <a:rPr lang="es-ES" smtClean="0"/>
-              <a:t>22/10/2020</a:t>
+              <a:t>27/10/2020</a:t>
             </a:fld>
             <a:endParaRPr lang="es-ES"/>
           </a:p>
@@ -9164,7 +9248,7 @@
           <a:p>
             <a:fld id="{AA31EA43-02A4-4F65-90CE-7826D754C9E0}" type="datetime1">
               <a:rPr lang="es-ES" smtClean="0"/>
-              <a:t>22/10/2020</a:t>
+              <a:t>27/10/2020</a:t>
             </a:fld>
             <a:endParaRPr lang="es-ES"/>
           </a:p>
@@ -9319,7 +9403,7 @@
           <a:ln/>
           <a:extLst>
             <a:ext uri="{91240B29-F687-4f45-9708-019B960494DF}">
-              <a14:hiddenLine xmlns:a14="http://schemas.microsoft.com/office/drawing/2010/main" xmlns="" w="9525">
+              <a14:hiddenLine xmlns="" xmlns:a14="http://schemas.microsoft.com/office/drawing/2010/main" w="9525">
                 <a:solidFill>
                   <a:srgbClr val="000000"/>
                 </a:solidFill>
@@ -9437,7 +9521,7 @@
           <a:p>
             <a:fld id="{52124B24-5529-4652-8C4E-D7756A6807A8}" type="datetime1">
               <a:rPr lang="es-ES" smtClean="0"/>
-              <a:t>22/10/2020</a:t>
+              <a:t>27/10/2020</a:t>
             </a:fld>
             <a:endParaRPr lang="es-ES"/>
           </a:p>
@@ -9594,7 +9678,7 @@
           <a:ln/>
           <a:extLst>
             <a:ext uri="{91240B29-F687-4f45-9708-019B960494DF}">
-              <a14:hiddenLine xmlns:a14="http://schemas.microsoft.com/office/drawing/2010/main" xmlns="" w="9525">
+              <a14:hiddenLine xmlns="" xmlns:a14="http://schemas.microsoft.com/office/drawing/2010/main" w="9525">
                 <a:solidFill>
                   <a:srgbClr val="000000"/>
                 </a:solidFill>
@@ -9722,7 +9806,7 @@
           <a:p>
             <a:fld id="{1F65638E-E792-4F18-9BB7-D4A92EA9D181}" type="datetime1">
               <a:rPr lang="es-ES" smtClean="0"/>
-              <a:t>22/10/2020</a:t>
+              <a:t>27/10/2020</a:t>
             </a:fld>
             <a:endParaRPr lang="es-ES"/>
           </a:p>
@@ -9877,7 +9961,7 @@
           <a:ln/>
           <a:extLst>
             <a:ext uri="{91240B29-F687-4f45-9708-019B960494DF}">
-              <a14:hiddenLine xmlns:a14="http://schemas.microsoft.com/office/drawing/2010/main" xmlns="" w="9525">
+              <a14:hiddenLine xmlns="" xmlns:a14="http://schemas.microsoft.com/office/drawing/2010/main" w="9525">
                 <a:solidFill>
                   <a:srgbClr val="000000"/>
                 </a:solidFill>
@@ -10005,7 +10089,7 @@
           <a:p>
             <a:fld id="{98D8016D-612D-4F8C-92BA-7CAAEB288D6E}" type="datetime1">
               <a:rPr lang="es-ES" smtClean="0"/>
-              <a:t>22/10/2020</a:t>
+              <a:t>27/10/2020</a:t>
             </a:fld>
             <a:endParaRPr lang="es-ES"/>
           </a:p>
@@ -10348,7 +10432,7 @@
           <a:p>
             <a:fld id="{6BC2B18A-20BB-4113-BDD6-9DEA680552DE}" type="datetime1">
               <a:rPr lang="es-ES" smtClean="0"/>
-              <a:t>22/10/2020</a:t>
+              <a:t>27/10/2020</a:t>
             </a:fld>
             <a:endParaRPr lang="es-ES"/>
           </a:p>
@@ -10503,7 +10587,7 @@
           <a:ln/>
           <a:extLst>
             <a:ext uri="{91240B29-F687-4f45-9708-019B960494DF}">
-              <a14:hiddenLine xmlns:a14="http://schemas.microsoft.com/office/drawing/2010/main" xmlns="" w="9525">
+              <a14:hiddenLine xmlns="" xmlns:a14="http://schemas.microsoft.com/office/drawing/2010/main" w="9525">
                 <a:solidFill>
                   <a:srgbClr val="000000"/>
                 </a:solidFill>
@@ -10687,7 +10771,7 @@
           <a:p>
             <a:fld id="{2A456256-AD09-4504-890F-44DC3C412562}" type="datetime1">
               <a:rPr lang="es-ES" smtClean="0"/>
-              <a:t>22/10/2020</a:t>
+              <a:t>27/10/2020</a:t>
             </a:fld>
             <a:endParaRPr lang="es-ES"/>
           </a:p>
@@ -10842,7 +10926,7 @@
           <a:ln/>
           <a:extLst>
             <a:ext uri="{91240B29-F687-4f45-9708-019B960494DF}">
-              <a14:hiddenLine xmlns:a14="http://schemas.microsoft.com/office/drawing/2010/main" xmlns="" w="9525">
+              <a14:hiddenLine xmlns="" xmlns:a14="http://schemas.microsoft.com/office/drawing/2010/main" w="9525">
                 <a:solidFill>
                   <a:srgbClr val="000000"/>
                 </a:solidFill>
@@ -11164,7 +11248,7 @@
           <a:p>
             <a:fld id="{60D664E0-A8CF-4A4C-9535-ABDFCE0A5463}" type="datetime1">
               <a:rPr lang="es-ES" smtClean="0"/>
-              <a:t>22/10/2020</a:t>
+              <a:t>27/10/2020</a:t>
             </a:fld>
             <a:endParaRPr lang="es-ES"/>
           </a:p>
@@ -11319,7 +11403,7 @@
           <a:ln/>
           <a:extLst>
             <a:ext uri="{91240B29-F687-4f45-9708-019B960494DF}">
-              <a14:hiddenLine xmlns:a14="http://schemas.microsoft.com/office/drawing/2010/main" xmlns="" w="9525">
+              <a14:hiddenLine xmlns="" xmlns:a14="http://schemas.microsoft.com/office/drawing/2010/main" w="9525">
                 <a:solidFill>
                   <a:srgbClr val="000000"/>
                 </a:solidFill>
@@ -11385,7 +11469,7 @@
           <a:p>
             <a:fld id="{0C266BCF-D561-4607-846D-94DEB2EDE3A3}" type="datetime1">
               <a:rPr lang="es-ES" smtClean="0"/>
-              <a:t>22/10/2020</a:t>
+              <a:t>27/10/2020</a:t>
             </a:fld>
             <a:endParaRPr lang="es-ES"/>
           </a:p>
@@ -11480,7 +11564,7 @@
           <a:p>
             <a:fld id="{4D6B0874-CCEF-4D28-ADA6-7313429B63E7}" type="datetime1">
               <a:rPr lang="es-ES" smtClean="0"/>
-              <a:t>22/10/2020</a:t>
+              <a:t>27/10/2020</a:t>
             </a:fld>
             <a:endParaRPr lang="es-ES"/>
           </a:p>
@@ -11748,7 +11832,7 @@
           <a:ln/>
           <a:extLst>
             <a:ext uri="{91240B29-F687-4f45-9708-019B960494DF}">
-              <a14:hiddenLine xmlns:a14="http://schemas.microsoft.com/office/drawing/2010/main" xmlns="" w="9525">
+              <a14:hiddenLine xmlns="" xmlns:a14="http://schemas.microsoft.com/office/drawing/2010/main" w="9525">
                 <a:solidFill>
                   <a:srgbClr val="000000"/>
                 </a:solidFill>
@@ -11947,7 +12031,7 @@
           <a:p>
             <a:fld id="{3D678ABE-A142-48DD-A728-C6AD5DA3D21C}" type="datetime1">
               <a:rPr lang="es-ES" smtClean="0"/>
-              <a:t>22/10/2020</a:t>
+              <a:t>27/10/2020</a:t>
             </a:fld>
             <a:endParaRPr lang="es-ES"/>
           </a:p>
@@ -12260,7 +12344,7 @@
           <a:p>
             <a:fld id="{2B7CCC49-8434-49F3-A98F-3C4E6653804C}" type="datetime1">
               <a:rPr lang="es-ES" smtClean="0"/>
-              <a:t>22/10/2020</a:t>
+              <a:t>27/10/2020</a:t>
             </a:fld>
             <a:endParaRPr lang="es-ES"/>
           </a:p>
@@ -12530,7 +12614,7 @@
           <a:p>
             <a:fld id="{38CA5FCB-3448-4888-A268-34112B8DBA19}" type="datetime1">
               <a:rPr lang="es-ES" smtClean="0"/>
-              <a:t>22/10/2020</a:t>
+              <a:t>27/10/2020</a:t>
             </a:fld>
             <a:endParaRPr lang="es-ES"/>
           </a:p>
@@ -13159,7 +13243,7 @@
           <a:p>
             <a:r>
               <a:rPr lang="es-ES" dirty="0"/>
-              <a:t>Uniendo los modelos cinemático y discreto obtenemos las ecuaciones.</a:t>
+              <a:t>Dichos valores se actualizan discretizando el modelo cinemático del robot.</a:t>
             </a:r>
           </a:p>
         </p:txBody>
@@ -17971,6 +18055,9 @@
           </a:bodyPr>
           <a:lstStyle/>
           <a:p>
+            <a:pPr>
+              <a:buSzPct val="50000"/>
+            </a:pPr>
             <a:r>
               <a:rPr lang="es-ES" sz="2800" dirty="0"/>
               <a:t>7 pruebas:</a:t>
@@ -19696,7 +19783,7 @@
           <p:nvPr/>
         </p:nvPicPr>
         <p:blipFill>
-          <a:blip r:embed="rId2">
+          <a:blip r:embed="rId3">
             <a:extLst>
               <a:ext uri="{28A0092B-C50C-407E-A947-70E740481C1C}">
                 <a14:useLocalDpi xmlns:a14="http://schemas.microsoft.com/office/drawing/2010/main" val="0"/>
@@ -20887,14 +20974,14 @@
           <p:nvPr>
             <p:extLst>
               <p:ext uri="{D42A27DB-BD31-4B8C-83A1-F6EECF244321}">
-                <p14:modId xmlns:p14="http://schemas.microsoft.com/office/powerpoint/2010/main" val="1819614076"/>
+                <p14:modId xmlns:p14="http://schemas.microsoft.com/office/powerpoint/2010/main" val="3755948801"/>
               </p:ext>
             </p:extLst>
           </p:nvPr>
         </p:nvGraphicFramePr>
         <p:xfrm>
           <a:off x="810000" y="2509023"/>
-          <a:ext cx="10571998" cy="3901789"/>
+          <a:ext cx="10118195" cy="3901789"/>
         </p:xfrm>
         <a:graphic>
           <a:graphicData uri="http://schemas.openxmlformats.org/drawingml/2006/diagram">
@@ -20918,7 +21005,12 @@
             <p:ph type="sldNum" sz="quarter" idx="12"/>
           </p:nvPr>
         </p:nvSpPr>
-        <p:spPr/>
+        <p:spPr>
+          <a:xfrm>
+            <a:off x="10678331" y="5920213"/>
+            <a:ext cx="1062155" cy="490599"/>
+          </a:xfrm>
+        </p:spPr>
         <p:txBody>
           <a:bodyPr/>
           <a:lstStyle/>
